--- a/teaching-with-ai.pptx
+++ b/teaching-with-ai.pptx
@@ -10,10 +10,11 @@
     <p:sldId id="265" r:id="rId4"/>
     <p:sldId id="266" r:id="rId5"/>
     <p:sldId id="267" r:id="rId6"/>
-    <p:sldId id="263" r:id="rId7"/>
-    <p:sldId id="257" r:id="rId8"/>
-    <p:sldId id="258" r:id="rId9"/>
-    <p:sldId id="259" r:id="rId10"/>
+    <p:sldId id="268" r:id="rId7"/>
+    <p:sldId id="263" r:id="rId8"/>
+    <p:sldId id="257" r:id="rId9"/>
+    <p:sldId id="258" r:id="rId10"/>
+    <p:sldId id="259" r:id="rId11"/>
   </p:sldIdLst>
   <p:sldSz cx="12192000" cy="6858000"/>
   <p:notesSz cx="6858000" cy="9144000"/>
@@ -5581,6 +5582,562 @@
 </p:sld>
 </file>
 
+<file path=ppt/slides/slide10.xml><?xml version="1.0" encoding="utf-8"?>
+<p:sld xmlns:a="http://schemas.openxmlformats.org/drawingml/2006/main" xmlns:r="http://schemas.openxmlformats.org/officeDocument/2006/relationships" xmlns:p="http://schemas.openxmlformats.org/presentationml/2006/main" show="0">
+  <p:cSld>
+    <p:bg>
+      <p:bgPr>
+        <a:solidFill>
+          <a:srgbClr val="002836"/>
+        </a:solidFill>
+        <a:effectLst/>
+      </p:bgPr>
+    </p:bg>
+    <p:spTree>
+      <p:nvGrpSpPr>
+        <p:cNvPr id="1" name=""/>
+        <p:cNvGrpSpPr/>
+        <p:nvPr/>
+      </p:nvGrpSpPr>
+      <p:grpSpPr>
+        <a:xfrm>
+          <a:off x="0" y="0"/>
+          <a:ext cx="0" cy="0"/>
+          <a:chOff x="0" y="0"/>
+          <a:chExt cx="0" cy="0"/>
+        </a:xfrm>
+      </p:grpSpPr>
+      <p:grpSp>
+        <p:nvGrpSpPr>
+          <p:cNvPr id="8" name="Group 7">
+            <a:extLst>
+              <a:ext uri="{FF2B5EF4-FFF2-40B4-BE49-F238E27FC236}">
+                <a16:creationId xmlns:a16="http://schemas.microsoft.com/office/drawing/2014/main" id="{327B9284-D89D-0309-EF51-91905CAA8B01}"/>
+              </a:ext>
+            </a:extLst>
+          </p:cNvPr>
+          <p:cNvGrpSpPr/>
+          <p:nvPr/>
+        </p:nvGrpSpPr>
+        <p:grpSpPr>
+          <a:xfrm>
+            <a:off x="0" y="0"/>
+            <a:ext cx="11480101" cy="6862224"/>
+            <a:chOff x="0" y="0"/>
+            <a:chExt cx="11480101" cy="6862224"/>
+          </a:xfrm>
+        </p:grpSpPr>
+        <p:grpSp>
+          <p:nvGrpSpPr>
+            <p:cNvPr id="7" name="Group 6">
+              <a:extLst>
+                <a:ext uri="{FF2B5EF4-FFF2-40B4-BE49-F238E27FC236}">
+                  <a16:creationId xmlns:a16="http://schemas.microsoft.com/office/drawing/2014/main" id="{20808E9E-D844-8B08-D7FB-ED1F8DD9EE85}"/>
+                </a:ext>
+              </a:extLst>
+            </p:cNvPr>
+            <p:cNvGrpSpPr/>
+            <p:nvPr/>
+          </p:nvGrpSpPr>
+          <p:grpSpPr>
+            <a:xfrm>
+              <a:off x="0" y="0"/>
+              <a:ext cx="11480101" cy="6858000"/>
+              <a:chOff x="0" y="0"/>
+              <a:chExt cx="11480101" cy="6858000"/>
+            </a:xfrm>
+          </p:grpSpPr>
+          <p:sp>
+            <p:nvSpPr>
+              <p:cNvPr id="2" name="Freeform: Shape 1">
+                <a:extLst>
+                  <a:ext uri="{FF2B5EF4-FFF2-40B4-BE49-F238E27FC236}">
+                    <a16:creationId xmlns:a16="http://schemas.microsoft.com/office/drawing/2014/main" id="{8148ABF2-4113-ACF5-E9FF-FD4B096EC754}"/>
+                  </a:ext>
+                </a:extLst>
+              </p:cNvPr>
+              <p:cNvSpPr/>
+              <p:nvPr/>
+            </p:nvSpPr>
+            <p:spPr>
+              <a:xfrm>
+                <a:off x="0" y="0"/>
+                <a:ext cx="11480101" cy="6858000"/>
+              </a:xfrm>
+              <a:custGeom>
+                <a:avLst/>
+                <a:gdLst>
+                  <a:gd name="connsiteX0" fmla="*/ 0 w 11480101"/>
+                  <a:gd name="connsiteY0" fmla="*/ 0 h 6858000"/>
+                  <a:gd name="connsiteX1" fmla="*/ 10870163 w 11480101"/>
+                  <a:gd name="connsiteY1" fmla="*/ 0 h 6858000"/>
+                  <a:gd name="connsiteX2" fmla="*/ 10870163 w 11480101"/>
+                  <a:gd name="connsiteY2" fmla="*/ 1803138 h 6858000"/>
+                  <a:gd name="connsiteX3" fmla="*/ 11365021 w 11480101"/>
+                  <a:gd name="connsiteY3" fmla="*/ 1803138 h 6858000"/>
+                  <a:gd name="connsiteX4" fmla="*/ 11480101 w 11480101"/>
+                  <a:gd name="connsiteY4" fmla="*/ 1918218 h 6858000"/>
+                  <a:gd name="connsiteX5" fmla="*/ 11480101 w 11480101"/>
+                  <a:gd name="connsiteY5" fmla="*/ 2378524 h 6858000"/>
+                  <a:gd name="connsiteX6" fmla="*/ 11365021 w 11480101"/>
+                  <a:gd name="connsiteY6" fmla="*/ 2493604 h 6858000"/>
+                  <a:gd name="connsiteX7" fmla="*/ 10870163 w 11480101"/>
+                  <a:gd name="connsiteY7" fmla="*/ 2493604 h 6858000"/>
+                  <a:gd name="connsiteX8" fmla="*/ 10870163 w 11480101"/>
+                  <a:gd name="connsiteY8" fmla="*/ 6858000 h 6858000"/>
+                  <a:gd name="connsiteX9" fmla="*/ 0 w 11480101"/>
+                  <a:gd name="connsiteY9" fmla="*/ 6858000 h 6858000"/>
+                </a:gdLst>
+                <a:ahLst/>
+                <a:cxnLst>
+                  <a:cxn ang="0">
+                    <a:pos x="connsiteX0" y="connsiteY0"/>
+                  </a:cxn>
+                  <a:cxn ang="0">
+                    <a:pos x="connsiteX1" y="connsiteY1"/>
+                  </a:cxn>
+                  <a:cxn ang="0">
+                    <a:pos x="connsiteX2" y="connsiteY2"/>
+                  </a:cxn>
+                  <a:cxn ang="0">
+                    <a:pos x="connsiteX3" y="connsiteY3"/>
+                  </a:cxn>
+                  <a:cxn ang="0">
+                    <a:pos x="connsiteX4" y="connsiteY4"/>
+                  </a:cxn>
+                  <a:cxn ang="0">
+                    <a:pos x="connsiteX5" y="connsiteY5"/>
+                  </a:cxn>
+                  <a:cxn ang="0">
+                    <a:pos x="connsiteX6" y="connsiteY6"/>
+                  </a:cxn>
+                  <a:cxn ang="0">
+                    <a:pos x="connsiteX7" y="connsiteY7"/>
+                  </a:cxn>
+                  <a:cxn ang="0">
+                    <a:pos x="connsiteX8" y="connsiteY8"/>
+                  </a:cxn>
+                  <a:cxn ang="0">
+                    <a:pos x="connsiteX9" y="connsiteY9"/>
+                  </a:cxn>
+                </a:cxnLst>
+                <a:rect l="l" t="t" r="r" b="b"/>
+                <a:pathLst>
+                  <a:path w="11480101" h="6858000">
+                    <a:moveTo>
+                      <a:pt x="0" y="0"/>
+                    </a:moveTo>
+                    <a:lnTo>
+                      <a:pt x="10870163" y="0"/>
+                    </a:lnTo>
+                    <a:lnTo>
+                      <a:pt x="10870163" y="1803138"/>
+                    </a:lnTo>
+                    <a:lnTo>
+                      <a:pt x="11365021" y="1803138"/>
+                    </a:lnTo>
+                    <a:cubicBezTo>
+                      <a:pt x="11428578" y="1803138"/>
+                      <a:pt x="11480101" y="1854661"/>
+                      <a:pt x="11480101" y="1918218"/>
+                    </a:cubicBezTo>
+                    <a:lnTo>
+                      <a:pt x="11480101" y="2378524"/>
+                    </a:lnTo>
+                    <a:cubicBezTo>
+                      <a:pt x="11480101" y="2442081"/>
+                      <a:pt x="11428578" y="2493604"/>
+                      <a:pt x="11365021" y="2493604"/>
+                    </a:cubicBezTo>
+                    <a:lnTo>
+                      <a:pt x="10870163" y="2493604"/>
+                    </a:lnTo>
+                    <a:lnTo>
+                      <a:pt x="10870163" y="6858000"/>
+                    </a:lnTo>
+                    <a:lnTo>
+                      <a:pt x="0" y="6858000"/>
+                    </a:lnTo>
+                    <a:close/>
+                  </a:path>
+                </a:pathLst>
+              </a:custGeom>
+              <a:solidFill>
+                <a:srgbClr val="75DBFF"/>
+              </a:solidFill>
+              <a:ln>
+                <a:noFill/>
+              </a:ln>
+              <a:effectLst>
+                <a:outerShdw blurRad="127000" dist="63500" algn="l" rotWithShape="0">
+                  <a:prstClr val="black">
+                    <a:alpha val="40000"/>
+                  </a:prstClr>
+                </a:outerShdw>
+              </a:effectLst>
+            </p:spPr>
+            <p:style>
+              <a:lnRef idx="2">
+                <a:schemeClr val="accent1">
+                  <a:shade val="15000"/>
+                </a:schemeClr>
+              </a:lnRef>
+              <a:fillRef idx="1">
+                <a:schemeClr val="accent1"/>
+              </a:fillRef>
+              <a:effectRef idx="0">
+                <a:schemeClr val="accent1"/>
+              </a:effectRef>
+              <a:fontRef idx="minor">
+                <a:schemeClr val="lt1"/>
+              </a:fontRef>
+            </p:style>
+            <p:txBody>
+              <a:bodyPr wrap="square" rtlCol="0" anchor="ctr">
+                <a:noAutofit/>
+              </a:bodyPr>
+              <a:lstStyle/>
+              <a:p>
+                <a:pPr algn="ctr"/>
+                <a:endParaRPr lang="en-GB" dirty="0"/>
+              </a:p>
+            </p:txBody>
+          </p:sp>
+          <p:sp>
+            <p:nvSpPr>
+              <p:cNvPr id="4" name="TextBox 3">
+                <a:extLst>
+                  <a:ext uri="{FF2B5EF4-FFF2-40B4-BE49-F238E27FC236}">
+                    <a16:creationId xmlns:a16="http://schemas.microsoft.com/office/drawing/2014/main" id="{7E8C6D06-E460-95C5-BF7D-ED2300C74A49}"/>
+                  </a:ext>
+                </a:extLst>
+              </p:cNvPr>
+              <p:cNvSpPr txBox="1"/>
+              <p:nvPr/>
+            </p:nvSpPr>
+            <p:spPr>
+              <a:xfrm>
+                <a:off x="7240562" y="438539"/>
+                <a:ext cx="2724539" cy="1862048"/>
+              </a:xfrm>
+              <a:prstGeom prst="rect">
+                <a:avLst/>
+              </a:prstGeom>
+              <a:noFill/>
+            </p:spPr>
+            <p:txBody>
+              <a:bodyPr wrap="square" rtlCol="0">
+                <a:spAutoFit/>
+              </a:bodyPr>
+              <a:lstStyle/>
+              <a:p>
+                <a:r>
+                  <a:rPr lang="en-GB" sz="11500" b="1" dirty="0">
+                    <a:solidFill>
+                      <a:schemeClr val="bg1">
+                        <a:alpha val="25000"/>
+                      </a:schemeClr>
+                    </a:solidFill>
+                    <a:latin typeface="Montserrat" panose="00000500000000000000" pitchFamily="50" charset="0"/>
+                  </a:rPr>
+                  <a:t>04</a:t>
+                </a:r>
+              </a:p>
+            </p:txBody>
+          </p:sp>
+          <p:sp>
+            <p:nvSpPr>
+              <p:cNvPr id="5" name="TextBox 4">
+                <a:extLst>
+                  <a:ext uri="{FF2B5EF4-FFF2-40B4-BE49-F238E27FC236}">
+                    <a16:creationId xmlns:a16="http://schemas.microsoft.com/office/drawing/2014/main" id="{8DB17E6E-F5C2-A2D0-DFDB-ABE53822E589}"/>
+                  </a:ext>
+                </a:extLst>
+              </p:cNvPr>
+              <p:cNvSpPr txBox="1"/>
+              <p:nvPr/>
+            </p:nvSpPr>
+            <p:spPr>
+              <a:xfrm>
+                <a:off x="7128593" y="1724218"/>
+                <a:ext cx="2724539" cy="369332"/>
+              </a:xfrm>
+              <a:prstGeom prst="rect">
+                <a:avLst/>
+              </a:prstGeom>
+              <a:noFill/>
+            </p:spPr>
+            <p:txBody>
+              <a:bodyPr wrap="square" rtlCol="0">
+                <a:spAutoFit/>
+              </a:bodyPr>
+              <a:lstStyle/>
+              <a:p>
+                <a:r>
+                  <a:rPr lang="en-GB" b="1" dirty="0">
+                    <a:solidFill>
+                      <a:schemeClr val="bg1"/>
+                    </a:solidFill>
+                    <a:latin typeface="Montserrat" panose="00000500000000000000" pitchFamily="50" charset="0"/>
+                  </a:rPr>
+                  <a:t>Assistive Feedback</a:t>
+                </a:r>
+              </a:p>
+            </p:txBody>
+          </p:sp>
+          <p:sp>
+            <p:nvSpPr>
+              <p:cNvPr id="6" name="TextBox 5">
+                <a:extLst>
+                  <a:ext uri="{FF2B5EF4-FFF2-40B4-BE49-F238E27FC236}">
+                    <a16:creationId xmlns:a16="http://schemas.microsoft.com/office/drawing/2014/main" id="{7D07DC9C-8C1B-4F69-EBB8-C9F615890FE0}"/>
+                  </a:ext>
+                </a:extLst>
+              </p:cNvPr>
+              <p:cNvSpPr txBox="1"/>
+              <p:nvPr/>
+            </p:nvSpPr>
+            <p:spPr>
+              <a:xfrm>
+                <a:off x="10935478" y="1908884"/>
+                <a:ext cx="516633" cy="523220"/>
+              </a:xfrm>
+              <a:prstGeom prst="rect">
+                <a:avLst/>
+              </a:prstGeom>
+              <a:noFill/>
+            </p:spPr>
+            <p:txBody>
+              <a:bodyPr wrap="square" rtlCol="0">
+                <a:spAutoFit/>
+              </a:bodyPr>
+              <a:lstStyle/>
+              <a:p>
+                <a:r>
+                  <a:rPr lang="en-GB" sz="2800" b="1" dirty="0">
+                    <a:solidFill>
+                      <a:srgbClr val="19C3FF"/>
+                    </a:solidFill>
+                    <a:latin typeface="Montserrat" panose="00000500000000000000" pitchFamily="50" charset="0"/>
+                  </a:rPr>
+                  <a:t>4</a:t>
+                </a:r>
+              </a:p>
+            </p:txBody>
+          </p:sp>
+        </p:grpSp>
+        <p:sp>
+          <p:nvSpPr>
+            <p:cNvPr id="3" name="TextBox 2">
+              <a:extLst>
+                <a:ext uri="{FF2B5EF4-FFF2-40B4-BE49-F238E27FC236}">
+                  <a16:creationId xmlns:a16="http://schemas.microsoft.com/office/drawing/2014/main" id="{D5F64C22-B776-F021-5B24-3D080A8BFB3E}"/>
+                </a:ext>
+              </a:extLst>
+            </p:cNvPr>
+            <p:cNvSpPr txBox="1"/>
+            <p:nvPr/>
+          </p:nvSpPr>
+          <p:spPr>
+            <a:xfrm>
+              <a:off x="6755363" y="2337909"/>
+              <a:ext cx="3592285" cy="4524315"/>
+            </a:xfrm>
+            <a:prstGeom prst="rect">
+              <a:avLst/>
+            </a:prstGeom>
+            <a:noFill/>
+          </p:spPr>
+          <p:txBody>
+            <a:bodyPr wrap="square" rtlCol="0">
+              <a:spAutoFit/>
+            </a:bodyPr>
+            <a:lstStyle/>
+            <a:p>
+              <a:pPr algn="ctr"/>
+              <a:r>
+                <a:rPr lang="en-GB" sz="1600" dirty="0">
+                  <a:solidFill>
+                    <a:schemeClr val="bg1"/>
+                  </a:solidFill>
+                  <a:latin typeface="Montserrat" panose="00000500000000000000" pitchFamily="50" charset="0"/>
+                </a:rPr>
+                <a:t>Automate feedback provided on coursework submissions via Canvas/ChatGPT.</a:t>
+              </a:r>
+            </a:p>
+            <a:p>
+              <a:pPr algn="ctr"/>
+              <a:endParaRPr lang="en-GB" sz="1600" dirty="0">
+                <a:solidFill>
+                  <a:schemeClr val="bg1"/>
+                </a:solidFill>
+                <a:latin typeface="Montserrat" panose="00000500000000000000" pitchFamily="50" charset="0"/>
+              </a:endParaRPr>
+            </a:p>
+            <a:p>
+              <a:pPr algn="ctr"/>
+              <a:r>
+                <a:rPr lang="en-GB" sz="1600" dirty="0">
+                  <a:solidFill>
+                    <a:schemeClr val="bg1"/>
+                  </a:solidFill>
+                  <a:latin typeface="Montserrat" panose="00000500000000000000" pitchFamily="50" charset="0"/>
+                </a:rPr>
+                <a:t>Referencing criteria only!</a:t>
+              </a:r>
+            </a:p>
+            <a:p>
+              <a:pPr algn="ctr"/>
+              <a:endParaRPr lang="en-GB" sz="1600" dirty="0">
+                <a:solidFill>
+                  <a:schemeClr val="bg1"/>
+                </a:solidFill>
+                <a:latin typeface="Montserrat" panose="00000500000000000000" pitchFamily="50" charset="0"/>
+              </a:endParaRPr>
+            </a:p>
+            <a:p>
+              <a:pPr algn="ctr"/>
+              <a:r>
+                <a:rPr lang="en-GB" sz="1600" dirty="0">
+                  <a:solidFill>
+                    <a:schemeClr val="bg1"/>
+                  </a:solidFill>
+                  <a:latin typeface="Montserrat" panose="00000500000000000000" pitchFamily="50" charset="0"/>
+                </a:rPr>
+                <a:t>Improving student experience.</a:t>
+              </a:r>
+            </a:p>
+            <a:p>
+              <a:pPr algn="ctr"/>
+              <a:endParaRPr lang="en-GB" sz="1600" dirty="0">
+                <a:solidFill>
+                  <a:schemeClr val="bg1"/>
+                </a:solidFill>
+                <a:latin typeface="Montserrat" panose="00000500000000000000" pitchFamily="50" charset="0"/>
+              </a:endParaRPr>
+            </a:p>
+            <a:p>
+              <a:pPr algn="ctr"/>
+              <a:r>
+                <a:rPr lang="en-GB" sz="1600" dirty="0">
+                  <a:solidFill>
+                    <a:schemeClr val="bg1"/>
+                  </a:solidFill>
+                  <a:latin typeface="Montserrat" panose="00000500000000000000" pitchFamily="50" charset="0"/>
+                </a:rPr>
+                <a:t>Increasing consistency across large groups of markers.</a:t>
+              </a:r>
+            </a:p>
+            <a:p>
+              <a:pPr algn="ctr"/>
+              <a:endParaRPr lang="en-GB" sz="1600" dirty="0">
+                <a:solidFill>
+                  <a:schemeClr val="bg1"/>
+                </a:solidFill>
+                <a:latin typeface="Montserrat" panose="00000500000000000000" pitchFamily="50" charset="0"/>
+              </a:endParaRPr>
+            </a:p>
+            <a:p>
+              <a:pPr algn="ctr"/>
+              <a:r>
+                <a:rPr lang="en-GB" sz="1600" b="1" dirty="0">
+                  <a:solidFill>
+                    <a:schemeClr val="bg1"/>
+                  </a:solidFill>
+                  <a:latin typeface="Montserrat" panose="00000500000000000000" pitchFamily="50" charset="0"/>
+                </a:rPr>
+                <a:t>Example: Assistive Feedback Tool</a:t>
+              </a:r>
+            </a:p>
+            <a:p>
+              <a:pPr algn="ctr"/>
+              <a:endParaRPr lang="en-GB" sz="1600" dirty="0">
+                <a:solidFill>
+                  <a:schemeClr val="bg1"/>
+                </a:solidFill>
+                <a:latin typeface="Montserrat" panose="00000500000000000000" pitchFamily="50" charset="0"/>
+              </a:endParaRPr>
+            </a:p>
+            <a:p>
+              <a:pPr algn="ctr"/>
+              <a:r>
+                <a:rPr lang="en-GB" sz="1600" dirty="0">
+                  <a:solidFill>
+                    <a:schemeClr val="bg1"/>
+                  </a:solidFill>
+                  <a:latin typeface="Montserrat" panose="00000500000000000000" pitchFamily="50" charset="0"/>
+                </a:rPr>
+                <a:t>[</a:t>
+              </a:r>
+              <a:r>
+                <a:rPr lang="en-GB" sz="1600" dirty="0">
+                  <a:solidFill>
+                    <a:schemeClr val="bg1"/>
+                  </a:solidFill>
+                  <a:latin typeface="Montserrat" panose="00000500000000000000" pitchFamily="50" charset="0"/>
+                  <a:hlinkClick r:id="rId2">
+                    <a:extLst>
+                      <a:ext uri="{A12FA001-AC4F-418D-AE19-62706E023703}">
+                        <ahyp:hlinkClr xmlns:ahyp="http://schemas.microsoft.com/office/drawing/2018/hyperlinkcolor" val="tx"/>
+                      </a:ext>
+                    </a:extLst>
+                  </a:hlinkClick>
+                </a:rPr>
+                <a:t>Link to Video Overview</a:t>
+              </a:r>
+              <a:r>
+                <a:rPr lang="en-GB" sz="1600" dirty="0">
+                  <a:solidFill>
+                    <a:schemeClr val="bg1"/>
+                  </a:solidFill>
+                  <a:latin typeface="Montserrat" panose="00000500000000000000" pitchFamily="50" charset="0"/>
+                </a:rPr>
+                <a:t>]</a:t>
+              </a:r>
+            </a:p>
+            <a:p>
+              <a:pPr algn="ctr"/>
+              <a:endParaRPr lang="en-GB" sz="1600" dirty="0">
+                <a:solidFill>
+                  <a:schemeClr val="bg1"/>
+                </a:solidFill>
+                <a:latin typeface="Montserrat" panose="00000500000000000000" pitchFamily="50" charset="0"/>
+              </a:endParaRPr>
+            </a:p>
+            <a:p>
+              <a:pPr algn="ctr"/>
+              <a:endParaRPr lang="en-GB" sz="1600" dirty="0">
+                <a:solidFill>
+                  <a:schemeClr val="bg1"/>
+                </a:solidFill>
+                <a:latin typeface="Montserrat" panose="00000500000000000000" pitchFamily="50" charset="0"/>
+              </a:endParaRPr>
+            </a:p>
+            <a:p>
+              <a:pPr algn="ctr"/>
+              <a:endParaRPr lang="en-GB" sz="1600" dirty="0">
+                <a:solidFill>
+                  <a:schemeClr val="bg1"/>
+                </a:solidFill>
+                <a:latin typeface="Montserrat" panose="00000500000000000000" pitchFamily="50" charset="0"/>
+              </a:endParaRPr>
+            </a:p>
+          </p:txBody>
+        </p:sp>
+      </p:grpSp>
+    </p:spTree>
+    <p:extLst>
+      <p:ext uri="{BB962C8B-B14F-4D97-AF65-F5344CB8AC3E}">
+        <p14:creationId xmlns:p14="http://schemas.microsoft.com/office/powerpoint/2010/main" val="1778377519"/>
+      </p:ext>
+    </p:extLst>
+  </p:cSld>
+  <p:clrMapOvr>
+    <a:masterClrMapping/>
+  </p:clrMapOvr>
+</p:sld>
+</file>
+
 <file path=ppt/slides/slide2.xml><?xml version="1.0" encoding="utf-8"?>
 <p:sld xmlns:a="http://schemas.openxmlformats.org/drawingml/2006/main" xmlns:r="http://schemas.openxmlformats.org/officeDocument/2006/relationships" xmlns:p="http://schemas.openxmlformats.org/presentationml/2006/main">
   <p:cSld>
@@ -7811,6 +8368,58 @@
           </a:p>
         </p:txBody>
       </p:sp>
+      <p:sp>
+        <p:nvSpPr>
+          <p:cNvPr id="17" name="TextBox 16">
+            <a:extLst>
+              <a:ext uri="{FF2B5EF4-FFF2-40B4-BE49-F238E27FC236}">
+                <a16:creationId xmlns:a16="http://schemas.microsoft.com/office/drawing/2014/main" id="{9D50E179-CB53-611E-503C-411F483FC7B5}"/>
+              </a:ext>
+            </a:extLst>
+          </p:cNvPr>
+          <p:cNvSpPr txBox="1"/>
+          <p:nvPr/>
+        </p:nvSpPr>
+        <p:spPr>
+          <a:xfrm>
+            <a:off x="7686802" y="5875132"/>
+            <a:ext cx="4396951" cy="276999"/>
+          </a:xfrm>
+          <a:prstGeom prst="rect">
+            <a:avLst/>
+          </a:prstGeom>
+          <a:noFill/>
+        </p:spPr>
+        <p:txBody>
+          <a:bodyPr wrap="square">
+            <a:spAutoFit/>
+          </a:bodyPr>
+          <a:lstStyle/>
+          <a:p>
+            <a:pPr algn="ctr"/>
+            <a:r>
+              <a:rPr lang="en-GB" sz="1200" dirty="0">
+                <a:solidFill>
+                  <a:srgbClr val="FFC000"/>
+                </a:solidFill>
+                <a:hlinkClick r:id="rId6">
+                  <a:extLst>
+                    <a:ext uri="{A12FA001-AC4F-418D-AE19-62706E023703}">
+                      <ahyp:hlinkClr xmlns:ahyp="http://schemas.microsoft.com/office/drawing/2018/hyperlinkcolor" val="tx"/>
+                    </a:ext>
+                  </a:extLst>
+                </a:hlinkClick>
+              </a:rPr>
+              <a:t>https://tinyurl.com/teaching-with-ai</a:t>
+            </a:r>
+            <a:endParaRPr lang="en-GB" sz="1200" dirty="0">
+              <a:solidFill>
+                <a:srgbClr val="FFC000"/>
+              </a:solidFill>
+            </a:endParaRPr>
+          </a:p>
+        </p:txBody>
+      </p:sp>
     </p:spTree>
     <p:extLst>
       <p:ext uri="{BB962C8B-B14F-4D97-AF65-F5344CB8AC3E}">
@@ -10066,6 +10675,58 @@
           </a:p>
         </p:txBody>
       </p:sp>
+      <p:sp>
+        <p:nvSpPr>
+          <p:cNvPr id="18" name="TextBox 17">
+            <a:extLst>
+              <a:ext uri="{FF2B5EF4-FFF2-40B4-BE49-F238E27FC236}">
+                <a16:creationId xmlns:a16="http://schemas.microsoft.com/office/drawing/2014/main" id="{39408B85-E3EA-FC56-1D57-5079741C0B54}"/>
+              </a:ext>
+            </a:extLst>
+          </p:cNvPr>
+          <p:cNvSpPr txBox="1"/>
+          <p:nvPr/>
+        </p:nvSpPr>
+        <p:spPr>
+          <a:xfrm>
+            <a:off x="7686802" y="5875132"/>
+            <a:ext cx="4396951" cy="276999"/>
+          </a:xfrm>
+          <a:prstGeom prst="rect">
+            <a:avLst/>
+          </a:prstGeom>
+          <a:noFill/>
+        </p:spPr>
+        <p:txBody>
+          <a:bodyPr wrap="square">
+            <a:spAutoFit/>
+          </a:bodyPr>
+          <a:lstStyle/>
+          <a:p>
+            <a:pPr algn="ctr"/>
+            <a:r>
+              <a:rPr lang="en-GB" sz="1200" dirty="0">
+                <a:solidFill>
+                  <a:srgbClr val="FFC000"/>
+                </a:solidFill>
+                <a:hlinkClick r:id="rId6">
+                  <a:extLst>
+                    <a:ext uri="{A12FA001-AC4F-418D-AE19-62706E023703}">
+                      <ahyp:hlinkClr xmlns:ahyp="http://schemas.microsoft.com/office/drawing/2018/hyperlinkcolor" val="tx"/>
+                    </a:ext>
+                  </a:extLst>
+                </a:hlinkClick>
+              </a:rPr>
+              <a:t>https://tinyurl.com/teaching-with-ai</a:t>
+            </a:r>
+            <a:endParaRPr lang="en-GB" sz="1200" dirty="0">
+              <a:solidFill>
+                <a:srgbClr val="FFC000"/>
+              </a:solidFill>
+            </a:endParaRPr>
+          </a:p>
+        </p:txBody>
+      </p:sp>
     </p:spTree>
     <p:extLst>
       <p:ext uri="{BB962C8B-B14F-4D97-AF65-F5344CB8AC3E}">
@@ -12321,6 +12982,58 @@
           </a:p>
         </p:txBody>
       </p:sp>
+      <p:sp>
+        <p:nvSpPr>
+          <p:cNvPr id="17" name="TextBox 16">
+            <a:extLst>
+              <a:ext uri="{FF2B5EF4-FFF2-40B4-BE49-F238E27FC236}">
+                <a16:creationId xmlns:a16="http://schemas.microsoft.com/office/drawing/2014/main" id="{860CB319-6EE6-C216-092D-F0BD99EEC3F8}"/>
+              </a:ext>
+            </a:extLst>
+          </p:cNvPr>
+          <p:cNvSpPr txBox="1"/>
+          <p:nvPr/>
+        </p:nvSpPr>
+        <p:spPr>
+          <a:xfrm>
+            <a:off x="7686802" y="5875132"/>
+            <a:ext cx="4396951" cy="276999"/>
+          </a:xfrm>
+          <a:prstGeom prst="rect">
+            <a:avLst/>
+          </a:prstGeom>
+          <a:noFill/>
+        </p:spPr>
+        <p:txBody>
+          <a:bodyPr wrap="square">
+            <a:spAutoFit/>
+          </a:bodyPr>
+          <a:lstStyle/>
+          <a:p>
+            <a:pPr algn="ctr"/>
+            <a:r>
+              <a:rPr lang="en-GB" sz="1200" dirty="0">
+                <a:solidFill>
+                  <a:srgbClr val="FFC000"/>
+                </a:solidFill>
+                <a:hlinkClick r:id="rId6">
+                  <a:extLst>
+                    <a:ext uri="{A12FA001-AC4F-418D-AE19-62706E023703}">
+                      <ahyp:hlinkClr xmlns:ahyp="http://schemas.microsoft.com/office/drawing/2018/hyperlinkcolor" val="tx"/>
+                    </a:ext>
+                  </a:extLst>
+                </a:hlinkClick>
+              </a:rPr>
+              <a:t>https://tinyurl.com/teaching-with-ai</a:t>
+            </a:r>
+            <a:endParaRPr lang="en-GB" sz="1200" dirty="0">
+              <a:solidFill>
+                <a:srgbClr val="FFC000"/>
+              </a:solidFill>
+            </a:endParaRPr>
+          </a:p>
+        </p:txBody>
+      </p:sp>
     </p:spTree>
     <p:extLst>
       <p:ext uri="{BB962C8B-B14F-4D97-AF65-F5344CB8AC3E}">
@@ -14576,6 +15289,58 @@
           </a:p>
         </p:txBody>
       </p:sp>
+      <p:sp>
+        <p:nvSpPr>
+          <p:cNvPr id="17" name="TextBox 16">
+            <a:extLst>
+              <a:ext uri="{FF2B5EF4-FFF2-40B4-BE49-F238E27FC236}">
+                <a16:creationId xmlns:a16="http://schemas.microsoft.com/office/drawing/2014/main" id="{AB243CBE-274B-7E38-8501-3211E8C5CB00}"/>
+              </a:ext>
+            </a:extLst>
+          </p:cNvPr>
+          <p:cNvSpPr txBox="1"/>
+          <p:nvPr/>
+        </p:nvSpPr>
+        <p:spPr>
+          <a:xfrm>
+            <a:off x="7686802" y="5875132"/>
+            <a:ext cx="4396951" cy="276999"/>
+          </a:xfrm>
+          <a:prstGeom prst="rect">
+            <a:avLst/>
+          </a:prstGeom>
+          <a:noFill/>
+        </p:spPr>
+        <p:txBody>
+          <a:bodyPr wrap="square">
+            <a:spAutoFit/>
+          </a:bodyPr>
+          <a:lstStyle/>
+          <a:p>
+            <a:pPr algn="ctr"/>
+            <a:r>
+              <a:rPr lang="en-GB" sz="1200" dirty="0">
+                <a:solidFill>
+                  <a:srgbClr val="FFC000"/>
+                </a:solidFill>
+                <a:hlinkClick r:id="rId6">
+                  <a:extLst>
+                    <a:ext uri="{A12FA001-AC4F-418D-AE19-62706E023703}">
+                      <ahyp:hlinkClr xmlns:ahyp="http://schemas.microsoft.com/office/drawing/2018/hyperlinkcolor" val="tx"/>
+                    </a:ext>
+                  </a:extLst>
+                </a:hlinkClick>
+              </a:rPr>
+              <a:t>https://tinyurl.com/teaching-with-ai</a:t>
+            </a:r>
+            <a:endParaRPr lang="en-GB" sz="1200" dirty="0">
+              <a:solidFill>
+                <a:srgbClr val="FFC000"/>
+              </a:solidFill>
+            </a:endParaRPr>
+          </a:p>
+        </p:txBody>
+      </p:sp>
     </p:spTree>
     <p:extLst>
       <p:ext uri="{BB962C8B-B14F-4D97-AF65-F5344CB8AC3E}">
@@ -14602,6 +15367,2344 @@
 </file>
 
 <file path=ppt/slides/slide6.xml><?xml version="1.0" encoding="utf-8"?>
+<p:sld xmlns:a="http://schemas.openxmlformats.org/drawingml/2006/main" xmlns:r="http://schemas.openxmlformats.org/officeDocument/2006/relationships" xmlns:p="http://schemas.openxmlformats.org/presentationml/2006/main">
+  <p:cSld>
+    <p:bg>
+      <p:bgPr>
+        <a:solidFill>
+          <a:srgbClr val="002836"/>
+        </a:solidFill>
+        <a:effectLst/>
+      </p:bgPr>
+    </p:bg>
+    <p:spTree>
+      <p:nvGrpSpPr>
+        <p:cNvPr id="1" name=""/>
+        <p:cNvGrpSpPr/>
+        <p:nvPr/>
+      </p:nvGrpSpPr>
+      <p:grpSpPr>
+        <a:xfrm>
+          <a:off x="0" y="0"/>
+          <a:ext cx="0" cy="0"/>
+          <a:chOff x="0" y="0"/>
+          <a:chExt cx="0" cy="0"/>
+        </a:xfrm>
+      </p:grpSpPr>
+      <p:grpSp>
+        <p:nvGrpSpPr>
+          <p:cNvPr id="7" name="Group 6">
+            <a:extLst>
+              <a:ext uri="{FF2B5EF4-FFF2-40B4-BE49-F238E27FC236}">
+                <a16:creationId xmlns:a16="http://schemas.microsoft.com/office/drawing/2014/main" id="{9ECBC982-A146-8272-E9BF-CA40E2EAB29E}"/>
+              </a:ext>
+            </a:extLst>
+          </p:cNvPr>
+          <p:cNvGrpSpPr/>
+          <p:nvPr/>
+        </p:nvGrpSpPr>
+        <p:grpSpPr>
+          <a:xfrm>
+            <a:off x="-11657349" y="-16896"/>
+            <a:ext cx="11480101" cy="6858000"/>
+            <a:chOff x="0" y="0"/>
+            <a:chExt cx="11480101" cy="6858000"/>
+          </a:xfrm>
+        </p:grpSpPr>
+        <p:grpSp>
+          <p:nvGrpSpPr>
+            <p:cNvPr id="5" name="Group 4">
+              <a:extLst>
+                <a:ext uri="{FF2B5EF4-FFF2-40B4-BE49-F238E27FC236}">
+                  <a16:creationId xmlns:a16="http://schemas.microsoft.com/office/drawing/2014/main" id="{DCB761F9-67BF-1A0A-4731-268BADA8E962}"/>
+                </a:ext>
+              </a:extLst>
+            </p:cNvPr>
+            <p:cNvGrpSpPr/>
+            <p:nvPr/>
+          </p:nvGrpSpPr>
+          <p:grpSpPr>
+            <a:xfrm>
+              <a:off x="0" y="0"/>
+              <a:ext cx="11480101" cy="6858000"/>
+              <a:chOff x="0" y="0"/>
+              <a:chExt cx="11480101" cy="6858000"/>
+            </a:xfrm>
+          </p:grpSpPr>
+          <p:sp>
+            <p:nvSpPr>
+              <p:cNvPr id="14" name="Freeform: Shape 13">
+                <a:extLst>
+                  <a:ext uri="{FF2B5EF4-FFF2-40B4-BE49-F238E27FC236}">
+                    <a16:creationId xmlns:a16="http://schemas.microsoft.com/office/drawing/2014/main" id="{B11829CD-9726-5777-E8C3-CDCBAF2765FA}"/>
+                  </a:ext>
+                </a:extLst>
+              </p:cNvPr>
+              <p:cNvSpPr/>
+              <p:nvPr/>
+            </p:nvSpPr>
+            <p:spPr>
+              <a:xfrm>
+                <a:off x="0" y="0"/>
+                <a:ext cx="11480101" cy="6858000"/>
+              </a:xfrm>
+              <a:custGeom>
+                <a:avLst/>
+                <a:gdLst>
+                  <a:gd name="connsiteX0" fmla="*/ 0 w 11480101"/>
+                  <a:gd name="connsiteY0" fmla="*/ 0 h 6858000"/>
+                  <a:gd name="connsiteX1" fmla="*/ 10870163 w 11480101"/>
+                  <a:gd name="connsiteY1" fmla="*/ 0 h 6858000"/>
+                  <a:gd name="connsiteX2" fmla="*/ 10870163 w 11480101"/>
+                  <a:gd name="connsiteY2" fmla="*/ 4607768 h 6858000"/>
+                  <a:gd name="connsiteX3" fmla="*/ 11365021 w 11480101"/>
+                  <a:gd name="connsiteY3" fmla="*/ 4607768 h 6858000"/>
+                  <a:gd name="connsiteX4" fmla="*/ 11480101 w 11480101"/>
+                  <a:gd name="connsiteY4" fmla="*/ 4722848 h 6858000"/>
+                  <a:gd name="connsiteX5" fmla="*/ 11480101 w 11480101"/>
+                  <a:gd name="connsiteY5" fmla="*/ 5183154 h 6858000"/>
+                  <a:gd name="connsiteX6" fmla="*/ 11365021 w 11480101"/>
+                  <a:gd name="connsiteY6" fmla="*/ 5298234 h 6858000"/>
+                  <a:gd name="connsiteX7" fmla="*/ 10870163 w 11480101"/>
+                  <a:gd name="connsiteY7" fmla="*/ 5298234 h 6858000"/>
+                  <a:gd name="connsiteX8" fmla="*/ 10870163 w 11480101"/>
+                  <a:gd name="connsiteY8" fmla="*/ 6858000 h 6858000"/>
+                  <a:gd name="connsiteX9" fmla="*/ 0 w 11480101"/>
+                  <a:gd name="connsiteY9" fmla="*/ 6858000 h 6858000"/>
+                </a:gdLst>
+                <a:ahLst/>
+                <a:cxnLst>
+                  <a:cxn ang="0">
+                    <a:pos x="connsiteX0" y="connsiteY0"/>
+                  </a:cxn>
+                  <a:cxn ang="0">
+                    <a:pos x="connsiteX1" y="connsiteY1"/>
+                  </a:cxn>
+                  <a:cxn ang="0">
+                    <a:pos x="connsiteX2" y="connsiteY2"/>
+                  </a:cxn>
+                  <a:cxn ang="0">
+                    <a:pos x="connsiteX3" y="connsiteY3"/>
+                  </a:cxn>
+                  <a:cxn ang="0">
+                    <a:pos x="connsiteX4" y="connsiteY4"/>
+                  </a:cxn>
+                  <a:cxn ang="0">
+                    <a:pos x="connsiteX5" y="connsiteY5"/>
+                  </a:cxn>
+                  <a:cxn ang="0">
+                    <a:pos x="connsiteX6" y="connsiteY6"/>
+                  </a:cxn>
+                  <a:cxn ang="0">
+                    <a:pos x="connsiteX7" y="connsiteY7"/>
+                  </a:cxn>
+                  <a:cxn ang="0">
+                    <a:pos x="connsiteX8" y="connsiteY8"/>
+                  </a:cxn>
+                  <a:cxn ang="0">
+                    <a:pos x="connsiteX9" y="connsiteY9"/>
+                  </a:cxn>
+                </a:cxnLst>
+                <a:rect l="l" t="t" r="r" b="b"/>
+                <a:pathLst>
+                  <a:path w="11480101" h="6858000">
+                    <a:moveTo>
+                      <a:pt x="0" y="0"/>
+                    </a:moveTo>
+                    <a:lnTo>
+                      <a:pt x="10870163" y="0"/>
+                    </a:lnTo>
+                    <a:lnTo>
+                      <a:pt x="10870163" y="4607768"/>
+                    </a:lnTo>
+                    <a:lnTo>
+                      <a:pt x="11365021" y="4607768"/>
+                    </a:lnTo>
+                    <a:cubicBezTo>
+                      <a:pt x="11428578" y="4607768"/>
+                      <a:pt x="11480101" y="4659291"/>
+                      <a:pt x="11480101" y="4722848"/>
+                    </a:cubicBezTo>
+                    <a:lnTo>
+                      <a:pt x="11480101" y="5183154"/>
+                    </a:lnTo>
+                    <a:cubicBezTo>
+                      <a:pt x="11480101" y="5246711"/>
+                      <a:pt x="11428578" y="5298234"/>
+                      <a:pt x="11365021" y="5298234"/>
+                    </a:cubicBezTo>
+                    <a:lnTo>
+                      <a:pt x="10870163" y="5298234"/>
+                    </a:lnTo>
+                    <a:lnTo>
+                      <a:pt x="10870163" y="6858000"/>
+                    </a:lnTo>
+                    <a:lnTo>
+                      <a:pt x="0" y="6858000"/>
+                    </a:lnTo>
+                    <a:close/>
+                  </a:path>
+                </a:pathLst>
+              </a:custGeom>
+              <a:solidFill>
+                <a:srgbClr val="005674"/>
+              </a:solidFill>
+              <a:ln>
+                <a:noFill/>
+              </a:ln>
+              <a:effectLst>
+                <a:outerShdw blurRad="127000" dist="63500" algn="l" rotWithShape="0">
+                  <a:prstClr val="black">
+                    <a:alpha val="40000"/>
+                  </a:prstClr>
+                </a:outerShdw>
+              </a:effectLst>
+            </p:spPr>
+            <p:style>
+              <a:lnRef idx="2">
+                <a:schemeClr val="accent1">
+                  <a:shade val="15000"/>
+                </a:schemeClr>
+              </a:lnRef>
+              <a:fillRef idx="1">
+                <a:schemeClr val="accent1"/>
+              </a:fillRef>
+              <a:effectRef idx="0">
+                <a:schemeClr val="accent1"/>
+              </a:effectRef>
+              <a:fontRef idx="minor">
+                <a:schemeClr val="lt1"/>
+              </a:fontRef>
+            </p:style>
+            <p:txBody>
+              <a:bodyPr wrap="square" rtlCol="0" anchor="ctr">
+                <a:noAutofit/>
+              </a:bodyPr>
+              <a:lstStyle/>
+              <a:p>
+                <a:pPr algn="ctr"/>
+                <a:endParaRPr lang="en-GB" dirty="0"/>
+              </a:p>
+            </p:txBody>
+          </p:sp>
+          <p:sp>
+            <p:nvSpPr>
+              <p:cNvPr id="2" name="TextBox 1">
+                <a:extLst>
+                  <a:ext uri="{FF2B5EF4-FFF2-40B4-BE49-F238E27FC236}">
+                    <a16:creationId xmlns:a16="http://schemas.microsoft.com/office/drawing/2014/main" id="{588A4EF3-72D8-27F8-0610-BBFF271A8908}"/>
+                  </a:ext>
+                </a:extLst>
+              </p:cNvPr>
+              <p:cNvSpPr txBox="1"/>
+              <p:nvPr/>
+            </p:nvSpPr>
+            <p:spPr>
+              <a:xfrm>
+                <a:off x="6755364" y="475861"/>
+                <a:ext cx="3592284" cy="1862048"/>
+              </a:xfrm>
+              <a:prstGeom prst="rect">
+                <a:avLst/>
+              </a:prstGeom>
+              <a:noFill/>
+            </p:spPr>
+            <p:txBody>
+              <a:bodyPr wrap="square" rtlCol="0">
+                <a:spAutoFit/>
+              </a:bodyPr>
+              <a:lstStyle/>
+              <a:p>
+                <a:pPr algn="ctr"/>
+                <a:r>
+                  <a:rPr lang="en-GB" sz="11500" b="1" dirty="0">
+                    <a:solidFill>
+                      <a:schemeClr val="bg1">
+                        <a:alpha val="25000"/>
+                      </a:schemeClr>
+                    </a:solidFill>
+                    <a:latin typeface="Montserrat" panose="00000500000000000000" pitchFamily="50" charset="0"/>
+                  </a:rPr>
+                  <a:t>01</a:t>
+                </a:r>
+              </a:p>
+            </p:txBody>
+          </p:sp>
+          <p:sp>
+            <p:nvSpPr>
+              <p:cNvPr id="3" name="TextBox 2">
+                <a:extLst>
+                  <a:ext uri="{FF2B5EF4-FFF2-40B4-BE49-F238E27FC236}">
+                    <a16:creationId xmlns:a16="http://schemas.microsoft.com/office/drawing/2014/main" id="{4BB9088E-81CF-CDE9-573B-3710FDB006F2}"/>
+                  </a:ext>
+                </a:extLst>
+              </p:cNvPr>
+              <p:cNvSpPr txBox="1"/>
+              <p:nvPr/>
+            </p:nvSpPr>
+            <p:spPr>
+              <a:xfrm>
+                <a:off x="6755363" y="1726164"/>
+                <a:ext cx="3592285" cy="369332"/>
+              </a:xfrm>
+              <a:prstGeom prst="rect">
+                <a:avLst/>
+              </a:prstGeom>
+              <a:noFill/>
+            </p:spPr>
+            <p:txBody>
+              <a:bodyPr wrap="square" rtlCol="0">
+                <a:spAutoFit/>
+              </a:bodyPr>
+              <a:lstStyle/>
+              <a:p>
+                <a:pPr algn="ctr"/>
+                <a:r>
+                  <a:rPr lang="en-GB" b="1" dirty="0">
+                    <a:solidFill>
+                      <a:schemeClr val="bg1"/>
+                    </a:solidFill>
+                    <a:latin typeface="Montserrat" panose="00000500000000000000" pitchFamily="50" charset="0"/>
+                  </a:rPr>
+                  <a:t>Enhancing Lectures</a:t>
+                </a:r>
+              </a:p>
+            </p:txBody>
+          </p:sp>
+          <p:sp>
+            <p:nvSpPr>
+              <p:cNvPr id="4" name="TextBox 3">
+                <a:extLst>
+                  <a:ext uri="{FF2B5EF4-FFF2-40B4-BE49-F238E27FC236}">
+                    <a16:creationId xmlns:a16="http://schemas.microsoft.com/office/drawing/2014/main" id="{50EF9BF3-9438-9A9B-78DA-DB11D9FC7914}"/>
+                  </a:ext>
+                </a:extLst>
+              </p:cNvPr>
+              <p:cNvSpPr txBox="1"/>
+              <p:nvPr/>
+            </p:nvSpPr>
+            <p:spPr>
+              <a:xfrm>
+                <a:off x="10994910" y="4693298"/>
+                <a:ext cx="438539" cy="523220"/>
+              </a:xfrm>
+              <a:prstGeom prst="rect">
+                <a:avLst/>
+              </a:prstGeom>
+              <a:noFill/>
+            </p:spPr>
+            <p:txBody>
+              <a:bodyPr wrap="square" rtlCol="0">
+                <a:spAutoFit/>
+              </a:bodyPr>
+              <a:lstStyle/>
+              <a:p>
+                <a:r>
+                  <a:rPr lang="en-GB" sz="2800" b="1" dirty="0">
+                    <a:solidFill>
+                      <a:srgbClr val="002836"/>
+                    </a:solidFill>
+                    <a:latin typeface="Montserrat" panose="00000500000000000000" pitchFamily="50" charset="0"/>
+                  </a:rPr>
+                  <a:t>1</a:t>
+                </a:r>
+              </a:p>
+            </p:txBody>
+          </p:sp>
+        </p:grpSp>
+        <p:sp>
+          <p:nvSpPr>
+            <p:cNvPr id="6" name="TextBox 5">
+              <a:extLst>
+                <a:ext uri="{FF2B5EF4-FFF2-40B4-BE49-F238E27FC236}">
+                  <a16:creationId xmlns:a16="http://schemas.microsoft.com/office/drawing/2014/main" id="{43088E54-C83D-438E-0998-8971AE8A7BB7}"/>
+                </a:ext>
+              </a:extLst>
+            </p:cNvPr>
+            <p:cNvSpPr txBox="1"/>
+            <p:nvPr/>
+          </p:nvSpPr>
+          <p:spPr>
+            <a:xfrm>
+              <a:off x="6755363" y="2337909"/>
+              <a:ext cx="3592285" cy="3970318"/>
+            </a:xfrm>
+            <a:prstGeom prst="rect">
+              <a:avLst/>
+            </a:prstGeom>
+            <a:noFill/>
+          </p:spPr>
+          <p:txBody>
+            <a:bodyPr wrap="square" rtlCol="0">
+              <a:spAutoFit/>
+            </a:bodyPr>
+            <a:lstStyle/>
+            <a:p>
+              <a:pPr algn="ctr"/>
+              <a:r>
+                <a:rPr lang="en-GB" sz="1600" dirty="0">
+                  <a:solidFill>
+                    <a:schemeClr val="bg1"/>
+                  </a:solidFill>
+                  <a:latin typeface="Montserrat" panose="00000500000000000000" pitchFamily="50" charset="0"/>
+                </a:rPr>
+                <a:t>Quickly develop in-class polls/quizzes using ChatGPT and Poll Everywhere/Kahoot.</a:t>
+              </a:r>
+            </a:p>
+            <a:p>
+              <a:pPr algn="ctr"/>
+              <a:endParaRPr lang="en-GB" sz="1600" dirty="0">
+                <a:solidFill>
+                  <a:schemeClr val="bg1"/>
+                </a:solidFill>
+                <a:latin typeface="Montserrat" panose="00000500000000000000" pitchFamily="50" charset="0"/>
+              </a:endParaRPr>
+            </a:p>
+            <a:p>
+              <a:pPr algn="ctr"/>
+              <a:r>
+                <a:rPr lang="en-GB" sz="1600" dirty="0">
+                  <a:solidFill>
+                    <a:schemeClr val="bg1"/>
+                  </a:solidFill>
+                  <a:latin typeface="Montserrat" panose="00000500000000000000" pitchFamily="50" charset="0"/>
+                </a:rPr>
+                <a:t>Reinforce student understanding of lecture content.</a:t>
+              </a:r>
+            </a:p>
+            <a:p>
+              <a:pPr algn="ctr"/>
+              <a:endParaRPr lang="en-GB" sz="1600" dirty="0">
+                <a:solidFill>
+                  <a:schemeClr val="bg1"/>
+                </a:solidFill>
+                <a:latin typeface="Montserrat" panose="00000500000000000000" pitchFamily="50" charset="0"/>
+              </a:endParaRPr>
+            </a:p>
+            <a:p>
+              <a:pPr algn="ctr"/>
+              <a:r>
+                <a:rPr lang="en-GB" sz="1600" dirty="0">
+                  <a:solidFill>
+                    <a:schemeClr val="bg1"/>
+                  </a:solidFill>
+                  <a:latin typeface="Montserrat" panose="00000500000000000000" pitchFamily="50" charset="0"/>
+                </a:rPr>
+                <a:t>Increase student engagement.</a:t>
+              </a:r>
+            </a:p>
+            <a:p>
+              <a:pPr algn="ctr"/>
+              <a:endParaRPr lang="en-GB" sz="1600" dirty="0">
+                <a:solidFill>
+                  <a:schemeClr val="bg1"/>
+                </a:solidFill>
+                <a:latin typeface="Montserrat" panose="00000500000000000000" pitchFamily="50" charset="0"/>
+              </a:endParaRPr>
+            </a:p>
+            <a:p>
+              <a:pPr algn="ctr"/>
+              <a:r>
+                <a:rPr lang="en-GB" sz="1600" dirty="0">
+                  <a:solidFill>
+                    <a:schemeClr val="bg1"/>
+                  </a:solidFill>
+                  <a:latin typeface="Montserrat" panose="00000500000000000000" pitchFamily="50" charset="0"/>
+                </a:rPr>
+                <a:t>Example: LIFE748 Structural Bioinformatics Lecture</a:t>
+              </a:r>
+            </a:p>
+            <a:p>
+              <a:pPr algn="ctr"/>
+              <a:endParaRPr lang="en-GB" sz="1600" dirty="0">
+                <a:solidFill>
+                  <a:schemeClr val="bg1"/>
+                </a:solidFill>
+                <a:latin typeface="Montserrat" panose="00000500000000000000" pitchFamily="50" charset="0"/>
+              </a:endParaRPr>
+            </a:p>
+            <a:p>
+              <a:pPr algn="ctr"/>
+              <a:r>
+                <a:rPr lang="en-GB" sz="1400" b="1" dirty="0">
+                  <a:solidFill>
+                    <a:schemeClr val="bg1"/>
+                  </a:solidFill>
+                  <a:latin typeface="Montserrat" panose="00000500000000000000" pitchFamily="50" charset="0"/>
+                  <a:hlinkClick r:id="rId2">
+                    <a:extLst>
+                      <a:ext uri="{A12FA001-AC4F-418D-AE19-62706E023703}">
+                        <ahyp:hlinkClr xmlns:ahyp="http://schemas.microsoft.com/office/drawing/2018/hyperlinkcolor" val="tx"/>
+                      </a:ext>
+                    </a:extLst>
+                  </a:hlinkClick>
+                </a:rPr>
+                <a:t>[How to Video (Poll Everywhere)]</a:t>
+              </a:r>
+              <a:endParaRPr lang="en-GB" sz="1400" b="1" dirty="0">
+                <a:solidFill>
+                  <a:schemeClr val="bg1"/>
+                </a:solidFill>
+                <a:latin typeface="Montserrat" panose="00000500000000000000" pitchFamily="50" charset="0"/>
+              </a:endParaRPr>
+            </a:p>
+            <a:p>
+              <a:pPr algn="ctr"/>
+              <a:r>
+                <a:rPr lang="en-GB" sz="1400" b="1" dirty="0">
+                  <a:solidFill>
+                    <a:schemeClr val="bg1"/>
+                  </a:solidFill>
+                  <a:latin typeface="Montserrat" panose="00000500000000000000" pitchFamily="50" charset="0"/>
+                  <a:hlinkClick r:id="rId3">
+                    <a:extLst>
+                      <a:ext uri="{A12FA001-AC4F-418D-AE19-62706E023703}">
+                        <ahyp:hlinkClr xmlns:ahyp="http://schemas.microsoft.com/office/drawing/2018/hyperlinkcolor" val="tx"/>
+                      </a:ext>
+                    </a:extLst>
+                  </a:hlinkClick>
+                </a:rPr>
+                <a:t>[How to Video (Kahoot)]</a:t>
+              </a:r>
+              <a:endParaRPr lang="en-GB" sz="1400" b="1" dirty="0">
+                <a:solidFill>
+                  <a:schemeClr val="bg1"/>
+                </a:solidFill>
+                <a:latin typeface="Montserrat" panose="00000500000000000000" pitchFamily="50" charset="0"/>
+              </a:endParaRPr>
+            </a:p>
+            <a:p>
+              <a:pPr algn="ctr"/>
+              <a:endParaRPr lang="en-GB" sz="1600" dirty="0">
+                <a:solidFill>
+                  <a:schemeClr val="bg1"/>
+                </a:solidFill>
+                <a:latin typeface="Montserrat" panose="00000500000000000000" pitchFamily="50" charset="0"/>
+              </a:endParaRPr>
+            </a:p>
+          </p:txBody>
+        </p:sp>
+      </p:grpSp>
+      <p:grpSp>
+        <p:nvGrpSpPr>
+          <p:cNvPr id="8" name="Group 7">
+            <a:extLst>
+              <a:ext uri="{FF2B5EF4-FFF2-40B4-BE49-F238E27FC236}">
+                <a16:creationId xmlns:a16="http://schemas.microsoft.com/office/drawing/2014/main" id="{6CF0A573-DD84-3772-8197-974D9B1976B5}"/>
+              </a:ext>
+            </a:extLst>
+          </p:cNvPr>
+          <p:cNvGrpSpPr/>
+          <p:nvPr/>
+        </p:nvGrpSpPr>
+        <p:grpSpPr>
+          <a:xfrm>
+            <a:off x="-12324409" y="-4224"/>
+            <a:ext cx="11480101" cy="6858000"/>
+            <a:chOff x="0" y="0"/>
+            <a:chExt cx="11480101" cy="6858000"/>
+          </a:xfrm>
+        </p:grpSpPr>
+        <p:grpSp>
+          <p:nvGrpSpPr>
+            <p:cNvPr id="9" name="Group 8">
+              <a:extLst>
+                <a:ext uri="{FF2B5EF4-FFF2-40B4-BE49-F238E27FC236}">
+                  <a16:creationId xmlns:a16="http://schemas.microsoft.com/office/drawing/2014/main" id="{A73D87D1-D5B2-4719-92F2-45F9BB330035}"/>
+                </a:ext>
+              </a:extLst>
+            </p:cNvPr>
+            <p:cNvGrpSpPr/>
+            <p:nvPr/>
+          </p:nvGrpSpPr>
+          <p:grpSpPr>
+            <a:xfrm>
+              <a:off x="0" y="0"/>
+              <a:ext cx="11480101" cy="6858000"/>
+              <a:chOff x="0" y="0"/>
+              <a:chExt cx="11480101" cy="6858000"/>
+            </a:xfrm>
+          </p:grpSpPr>
+          <p:sp>
+            <p:nvSpPr>
+              <p:cNvPr id="13" name="Freeform: Shape 12">
+                <a:extLst>
+                  <a:ext uri="{FF2B5EF4-FFF2-40B4-BE49-F238E27FC236}">
+                    <a16:creationId xmlns:a16="http://schemas.microsoft.com/office/drawing/2014/main" id="{DEE9D4C7-57B4-21E7-4199-3DC87BEDBE37}"/>
+                  </a:ext>
+                </a:extLst>
+              </p:cNvPr>
+              <p:cNvSpPr/>
+              <p:nvPr/>
+            </p:nvSpPr>
+            <p:spPr>
+              <a:xfrm>
+                <a:off x="0" y="0"/>
+                <a:ext cx="11480101" cy="6858000"/>
+              </a:xfrm>
+              <a:custGeom>
+                <a:avLst/>
+                <a:gdLst>
+                  <a:gd name="connsiteX0" fmla="*/ 0 w 11480101"/>
+                  <a:gd name="connsiteY0" fmla="*/ 0 h 6858000"/>
+                  <a:gd name="connsiteX1" fmla="*/ 10870163 w 11480101"/>
+                  <a:gd name="connsiteY1" fmla="*/ 0 h 6858000"/>
+                  <a:gd name="connsiteX2" fmla="*/ 10870163 w 11480101"/>
+                  <a:gd name="connsiteY2" fmla="*/ 3673151 h 6858000"/>
+                  <a:gd name="connsiteX3" fmla="*/ 11365021 w 11480101"/>
+                  <a:gd name="connsiteY3" fmla="*/ 3673151 h 6858000"/>
+                  <a:gd name="connsiteX4" fmla="*/ 11480101 w 11480101"/>
+                  <a:gd name="connsiteY4" fmla="*/ 3788231 h 6858000"/>
+                  <a:gd name="connsiteX5" fmla="*/ 11480101 w 11480101"/>
+                  <a:gd name="connsiteY5" fmla="*/ 4248537 h 6858000"/>
+                  <a:gd name="connsiteX6" fmla="*/ 11365021 w 11480101"/>
+                  <a:gd name="connsiteY6" fmla="*/ 4363617 h 6858000"/>
+                  <a:gd name="connsiteX7" fmla="*/ 10870163 w 11480101"/>
+                  <a:gd name="connsiteY7" fmla="*/ 4363617 h 6858000"/>
+                  <a:gd name="connsiteX8" fmla="*/ 10870163 w 11480101"/>
+                  <a:gd name="connsiteY8" fmla="*/ 6858000 h 6858000"/>
+                  <a:gd name="connsiteX9" fmla="*/ 0 w 11480101"/>
+                  <a:gd name="connsiteY9" fmla="*/ 6858000 h 6858000"/>
+                </a:gdLst>
+                <a:ahLst/>
+                <a:cxnLst>
+                  <a:cxn ang="0">
+                    <a:pos x="connsiteX0" y="connsiteY0"/>
+                  </a:cxn>
+                  <a:cxn ang="0">
+                    <a:pos x="connsiteX1" y="connsiteY1"/>
+                  </a:cxn>
+                  <a:cxn ang="0">
+                    <a:pos x="connsiteX2" y="connsiteY2"/>
+                  </a:cxn>
+                  <a:cxn ang="0">
+                    <a:pos x="connsiteX3" y="connsiteY3"/>
+                  </a:cxn>
+                  <a:cxn ang="0">
+                    <a:pos x="connsiteX4" y="connsiteY4"/>
+                  </a:cxn>
+                  <a:cxn ang="0">
+                    <a:pos x="connsiteX5" y="connsiteY5"/>
+                  </a:cxn>
+                  <a:cxn ang="0">
+                    <a:pos x="connsiteX6" y="connsiteY6"/>
+                  </a:cxn>
+                  <a:cxn ang="0">
+                    <a:pos x="connsiteX7" y="connsiteY7"/>
+                  </a:cxn>
+                  <a:cxn ang="0">
+                    <a:pos x="connsiteX8" y="connsiteY8"/>
+                  </a:cxn>
+                  <a:cxn ang="0">
+                    <a:pos x="connsiteX9" y="connsiteY9"/>
+                  </a:cxn>
+                </a:cxnLst>
+                <a:rect l="l" t="t" r="r" b="b"/>
+                <a:pathLst>
+                  <a:path w="11480101" h="6858000">
+                    <a:moveTo>
+                      <a:pt x="0" y="0"/>
+                    </a:moveTo>
+                    <a:lnTo>
+                      <a:pt x="10870163" y="0"/>
+                    </a:lnTo>
+                    <a:lnTo>
+                      <a:pt x="10870163" y="3673151"/>
+                    </a:lnTo>
+                    <a:lnTo>
+                      <a:pt x="11365021" y="3673151"/>
+                    </a:lnTo>
+                    <a:cubicBezTo>
+                      <a:pt x="11428578" y="3673151"/>
+                      <a:pt x="11480101" y="3724674"/>
+                      <a:pt x="11480101" y="3788231"/>
+                    </a:cubicBezTo>
+                    <a:lnTo>
+                      <a:pt x="11480101" y="4248537"/>
+                    </a:lnTo>
+                    <a:cubicBezTo>
+                      <a:pt x="11480101" y="4312094"/>
+                      <a:pt x="11428578" y="4363617"/>
+                      <a:pt x="11365021" y="4363617"/>
+                    </a:cubicBezTo>
+                    <a:lnTo>
+                      <a:pt x="10870163" y="4363617"/>
+                    </a:lnTo>
+                    <a:lnTo>
+                      <a:pt x="10870163" y="6858000"/>
+                    </a:lnTo>
+                    <a:lnTo>
+                      <a:pt x="0" y="6858000"/>
+                    </a:lnTo>
+                    <a:close/>
+                  </a:path>
+                </a:pathLst>
+              </a:custGeom>
+              <a:solidFill>
+                <a:srgbClr val="0088B8"/>
+              </a:solidFill>
+              <a:ln>
+                <a:noFill/>
+              </a:ln>
+              <a:effectLst>
+                <a:outerShdw blurRad="127000" dist="63500" algn="l" rotWithShape="0">
+                  <a:prstClr val="black">
+                    <a:alpha val="40000"/>
+                  </a:prstClr>
+                </a:outerShdw>
+              </a:effectLst>
+            </p:spPr>
+            <p:style>
+              <a:lnRef idx="2">
+                <a:schemeClr val="accent1">
+                  <a:shade val="15000"/>
+                </a:schemeClr>
+              </a:lnRef>
+              <a:fillRef idx="1">
+                <a:schemeClr val="accent1"/>
+              </a:fillRef>
+              <a:effectRef idx="0">
+                <a:schemeClr val="accent1"/>
+              </a:effectRef>
+              <a:fontRef idx="minor">
+                <a:schemeClr val="lt1"/>
+              </a:fontRef>
+            </p:style>
+            <p:txBody>
+              <a:bodyPr wrap="square" rtlCol="0" anchor="ctr">
+                <a:noAutofit/>
+              </a:bodyPr>
+              <a:lstStyle/>
+              <a:p>
+                <a:pPr algn="ctr"/>
+                <a:endParaRPr lang="en-GB"/>
+              </a:p>
+            </p:txBody>
+          </p:sp>
+          <p:sp>
+            <p:nvSpPr>
+              <p:cNvPr id="15" name="TextBox 14">
+                <a:extLst>
+                  <a:ext uri="{FF2B5EF4-FFF2-40B4-BE49-F238E27FC236}">
+                    <a16:creationId xmlns:a16="http://schemas.microsoft.com/office/drawing/2014/main" id="{12FEF98E-37C8-53E1-6ADD-9D2A5B69EB7E}"/>
+                  </a:ext>
+                </a:extLst>
+              </p:cNvPr>
+              <p:cNvSpPr txBox="1"/>
+              <p:nvPr/>
+            </p:nvSpPr>
+            <p:spPr>
+              <a:xfrm>
+                <a:off x="10966915" y="3769568"/>
+                <a:ext cx="438539" cy="523220"/>
+              </a:xfrm>
+              <a:prstGeom prst="rect">
+                <a:avLst/>
+              </a:prstGeom>
+              <a:noFill/>
+            </p:spPr>
+            <p:txBody>
+              <a:bodyPr wrap="square" rtlCol="0">
+                <a:spAutoFit/>
+              </a:bodyPr>
+              <a:lstStyle/>
+              <a:p>
+                <a:r>
+                  <a:rPr lang="en-GB" sz="2800" b="1" dirty="0">
+                    <a:solidFill>
+                      <a:srgbClr val="002836"/>
+                    </a:solidFill>
+                    <a:latin typeface="Montserrat" panose="00000500000000000000" pitchFamily="50" charset="0"/>
+                  </a:rPr>
+                  <a:t>2</a:t>
+                </a:r>
+              </a:p>
+            </p:txBody>
+          </p:sp>
+        </p:grpSp>
+        <p:sp>
+          <p:nvSpPr>
+            <p:cNvPr id="10" name="TextBox 9">
+              <a:extLst>
+                <a:ext uri="{FF2B5EF4-FFF2-40B4-BE49-F238E27FC236}">
+                  <a16:creationId xmlns:a16="http://schemas.microsoft.com/office/drawing/2014/main" id="{77C2C928-434A-B74C-C05F-DA4754478EDF}"/>
+                </a:ext>
+              </a:extLst>
+            </p:cNvPr>
+            <p:cNvSpPr txBox="1"/>
+            <p:nvPr/>
+          </p:nvSpPr>
+          <p:spPr>
+            <a:xfrm>
+              <a:off x="6755363" y="2337909"/>
+              <a:ext cx="3592285" cy="3293209"/>
+            </a:xfrm>
+            <a:prstGeom prst="rect">
+              <a:avLst/>
+            </a:prstGeom>
+            <a:noFill/>
+          </p:spPr>
+          <p:txBody>
+            <a:bodyPr wrap="square" rtlCol="0">
+              <a:spAutoFit/>
+            </a:bodyPr>
+            <a:lstStyle/>
+            <a:p>
+              <a:pPr algn="ctr"/>
+              <a:r>
+                <a:rPr lang="en-GB" sz="1600" dirty="0">
+                  <a:solidFill>
+                    <a:schemeClr val="bg1"/>
+                  </a:solidFill>
+                  <a:latin typeface="Montserrat" panose="00000500000000000000" pitchFamily="50" charset="0"/>
+                </a:rPr>
+                <a:t>Quickly build formative quizzes for Canvas.</a:t>
+              </a:r>
+            </a:p>
+            <a:p>
+              <a:pPr algn="ctr"/>
+              <a:endParaRPr lang="en-GB" sz="1600" dirty="0">
+                <a:solidFill>
+                  <a:schemeClr val="bg1"/>
+                </a:solidFill>
+                <a:latin typeface="Montserrat" panose="00000500000000000000" pitchFamily="50" charset="0"/>
+              </a:endParaRPr>
+            </a:p>
+            <a:p>
+              <a:pPr algn="ctr"/>
+              <a:r>
+                <a:rPr lang="en-GB" sz="1600" dirty="0">
+                  <a:solidFill>
+                    <a:schemeClr val="bg1"/>
+                  </a:solidFill>
+                  <a:latin typeface="Montserrat" panose="00000500000000000000" pitchFamily="50" charset="0"/>
+                </a:rPr>
+                <a:t>Support student comprehension.</a:t>
+              </a:r>
+            </a:p>
+            <a:p>
+              <a:pPr algn="ctr"/>
+              <a:endParaRPr lang="en-GB" sz="1600" dirty="0">
+                <a:solidFill>
+                  <a:schemeClr val="bg1"/>
+                </a:solidFill>
+                <a:latin typeface="Montserrat" panose="00000500000000000000" pitchFamily="50" charset="0"/>
+              </a:endParaRPr>
+            </a:p>
+            <a:p>
+              <a:pPr algn="ctr"/>
+              <a:r>
+                <a:rPr lang="en-GB" sz="1600" dirty="0">
+                  <a:solidFill>
+                    <a:schemeClr val="bg1"/>
+                  </a:solidFill>
+                  <a:latin typeface="Montserrat" panose="00000500000000000000" pitchFamily="50" charset="0"/>
+                </a:rPr>
+                <a:t>Increase student engagement.</a:t>
+              </a:r>
+            </a:p>
+            <a:p>
+              <a:pPr algn="ctr"/>
+              <a:endParaRPr lang="en-GB" sz="1600" dirty="0">
+                <a:solidFill>
+                  <a:schemeClr val="bg1"/>
+                </a:solidFill>
+                <a:latin typeface="Montserrat" panose="00000500000000000000" pitchFamily="50" charset="0"/>
+              </a:endParaRPr>
+            </a:p>
+            <a:p>
+              <a:pPr algn="ctr"/>
+              <a:r>
+                <a:rPr lang="en-GB" sz="1600" dirty="0">
+                  <a:solidFill>
+                    <a:schemeClr val="bg1"/>
+                  </a:solidFill>
+                  <a:latin typeface="Montserrat" panose="00000500000000000000" pitchFamily="50" charset="0"/>
+                </a:rPr>
+                <a:t>Prompt critical thinking.</a:t>
+              </a:r>
+            </a:p>
+            <a:p>
+              <a:pPr algn="ctr"/>
+              <a:endParaRPr lang="en-GB" sz="1600" dirty="0">
+                <a:solidFill>
+                  <a:schemeClr val="bg1"/>
+                </a:solidFill>
+                <a:latin typeface="Montserrat" panose="00000500000000000000" pitchFamily="50" charset="0"/>
+              </a:endParaRPr>
+            </a:p>
+            <a:p>
+              <a:pPr algn="ctr"/>
+              <a:r>
+                <a:rPr lang="en-GB" sz="1600" dirty="0">
+                  <a:solidFill>
+                    <a:schemeClr val="bg1"/>
+                  </a:solidFill>
+                  <a:latin typeface="Montserrat" panose="00000500000000000000" pitchFamily="50" charset="0"/>
+                </a:rPr>
+                <a:t>Example: Paper Comprehension</a:t>
+              </a:r>
+            </a:p>
+            <a:p>
+              <a:pPr algn="ctr"/>
+              <a:endParaRPr lang="en-GB" sz="1600" dirty="0">
+                <a:solidFill>
+                  <a:schemeClr val="bg1"/>
+                </a:solidFill>
+                <a:latin typeface="Montserrat" panose="00000500000000000000" pitchFamily="50" charset="0"/>
+              </a:endParaRPr>
+            </a:p>
+            <a:p>
+              <a:pPr algn="ctr"/>
+              <a:r>
+                <a:rPr lang="en-GB" sz="1600" b="1" dirty="0">
+                  <a:solidFill>
+                    <a:schemeClr val="bg1"/>
+                  </a:solidFill>
+                  <a:latin typeface="Montserrat" panose="00000500000000000000" pitchFamily="50" charset="0"/>
+                  <a:hlinkClick r:id="rId2">
+                    <a:extLst>
+                      <a:ext uri="{A12FA001-AC4F-418D-AE19-62706E023703}">
+                        <ahyp:hlinkClr xmlns:ahyp="http://schemas.microsoft.com/office/drawing/2018/hyperlinkcolor" val="tx"/>
+                      </a:ext>
+                    </a:extLst>
+                  </a:hlinkClick>
+                </a:rPr>
+                <a:t>[</a:t>
+              </a:r>
+              <a:r>
+                <a:rPr lang="en-GB" sz="1600" b="1" dirty="0">
+                  <a:solidFill>
+                    <a:schemeClr val="bg1"/>
+                  </a:solidFill>
+                  <a:latin typeface="Montserrat" panose="00000500000000000000" pitchFamily="50" charset="0"/>
+                  <a:hlinkClick r:id="rId4">
+                    <a:extLst>
+                      <a:ext uri="{A12FA001-AC4F-418D-AE19-62706E023703}">
+                        <ahyp:hlinkClr xmlns:ahyp="http://schemas.microsoft.com/office/drawing/2018/hyperlinkcolor" val="tx"/>
+                      </a:ext>
+                    </a:extLst>
+                  </a:hlinkClick>
+                </a:rPr>
+                <a:t>How to video</a:t>
+              </a:r>
+              <a:r>
+                <a:rPr lang="en-GB" sz="1600" b="1" dirty="0">
+                  <a:solidFill>
+                    <a:schemeClr val="bg1"/>
+                  </a:solidFill>
+                  <a:latin typeface="Montserrat" panose="00000500000000000000" pitchFamily="50" charset="0"/>
+                  <a:hlinkClick r:id="rId3">
+                    <a:extLst>
+                      <a:ext uri="{A12FA001-AC4F-418D-AE19-62706E023703}">
+                        <ahyp:hlinkClr xmlns:ahyp="http://schemas.microsoft.com/office/drawing/2018/hyperlinkcolor" val="tx"/>
+                      </a:ext>
+                    </a:extLst>
+                  </a:hlinkClick>
+                </a:rPr>
+                <a:t>]</a:t>
+              </a:r>
+              <a:endParaRPr lang="en-GB" sz="1600" b="1" dirty="0">
+                <a:solidFill>
+                  <a:schemeClr val="bg1"/>
+                </a:solidFill>
+                <a:latin typeface="Montserrat" panose="00000500000000000000" pitchFamily="50" charset="0"/>
+              </a:endParaRPr>
+            </a:p>
+            <a:p>
+              <a:pPr algn="ctr"/>
+              <a:endParaRPr lang="en-GB" sz="1600" dirty="0">
+                <a:solidFill>
+                  <a:schemeClr val="bg1"/>
+                </a:solidFill>
+                <a:latin typeface="Montserrat" panose="00000500000000000000" pitchFamily="50" charset="0"/>
+              </a:endParaRPr>
+            </a:p>
+          </p:txBody>
+        </p:sp>
+        <p:sp>
+          <p:nvSpPr>
+            <p:cNvPr id="11" name="TextBox 10">
+              <a:extLst>
+                <a:ext uri="{FF2B5EF4-FFF2-40B4-BE49-F238E27FC236}">
+                  <a16:creationId xmlns:a16="http://schemas.microsoft.com/office/drawing/2014/main" id="{2E4A1E3A-2E30-4C95-EC18-E27C1F1A3355}"/>
+                </a:ext>
+              </a:extLst>
+            </p:cNvPr>
+            <p:cNvSpPr txBox="1"/>
+            <p:nvPr/>
+          </p:nvSpPr>
+          <p:spPr>
+            <a:xfrm>
+              <a:off x="6755364" y="475861"/>
+              <a:ext cx="3592284" cy="1862048"/>
+            </a:xfrm>
+            <a:prstGeom prst="rect">
+              <a:avLst/>
+            </a:prstGeom>
+            <a:noFill/>
+          </p:spPr>
+          <p:txBody>
+            <a:bodyPr wrap="square" rtlCol="0">
+              <a:spAutoFit/>
+            </a:bodyPr>
+            <a:lstStyle/>
+            <a:p>
+              <a:pPr algn="ctr"/>
+              <a:r>
+                <a:rPr lang="en-GB" sz="11500" b="1" dirty="0">
+                  <a:solidFill>
+                    <a:schemeClr val="bg1">
+                      <a:alpha val="25000"/>
+                    </a:schemeClr>
+                  </a:solidFill>
+                  <a:latin typeface="Montserrat" panose="00000500000000000000" pitchFamily="50" charset="0"/>
+                </a:rPr>
+                <a:t>02</a:t>
+              </a:r>
+            </a:p>
+          </p:txBody>
+        </p:sp>
+        <p:sp>
+          <p:nvSpPr>
+            <p:cNvPr id="12" name="TextBox 11">
+              <a:extLst>
+                <a:ext uri="{FF2B5EF4-FFF2-40B4-BE49-F238E27FC236}">
+                  <a16:creationId xmlns:a16="http://schemas.microsoft.com/office/drawing/2014/main" id="{D638BEC4-61AE-AD89-82D3-EB4D01C82E4B}"/>
+                </a:ext>
+              </a:extLst>
+            </p:cNvPr>
+            <p:cNvSpPr txBox="1"/>
+            <p:nvPr/>
+          </p:nvSpPr>
+          <p:spPr>
+            <a:xfrm>
+              <a:off x="6224631" y="1726164"/>
+              <a:ext cx="4479721" cy="369332"/>
+            </a:xfrm>
+            <a:prstGeom prst="rect">
+              <a:avLst/>
+            </a:prstGeom>
+            <a:noFill/>
+          </p:spPr>
+          <p:txBody>
+            <a:bodyPr wrap="square" rtlCol="0">
+              <a:spAutoFit/>
+            </a:bodyPr>
+            <a:lstStyle/>
+            <a:p>
+              <a:pPr algn="ctr"/>
+              <a:r>
+                <a:rPr lang="en-GB" b="1" dirty="0">
+                  <a:solidFill>
+                    <a:schemeClr val="bg1"/>
+                  </a:solidFill>
+                  <a:latin typeface="Montserrat" panose="00000500000000000000" pitchFamily="50" charset="0"/>
+                </a:rPr>
+                <a:t>Building Formative Activities</a:t>
+              </a:r>
+            </a:p>
+          </p:txBody>
+        </p:sp>
+      </p:grpSp>
+      <p:grpSp>
+        <p:nvGrpSpPr>
+          <p:cNvPr id="23" name="Group 22">
+            <a:extLst>
+              <a:ext uri="{FF2B5EF4-FFF2-40B4-BE49-F238E27FC236}">
+                <a16:creationId xmlns:a16="http://schemas.microsoft.com/office/drawing/2014/main" id="{127CA7DA-4DCC-4F49-2B57-8BFBD8E22326}"/>
+              </a:ext>
+            </a:extLst>
+          </p:cNvPr>
+          <p:cNvGrpSpPr/>
+          <p:nvPr/>
+        </p:nvGrpSpPr>
+        <p:grpSpPr>
+          <a:xfrm>
+            <a:off x="-12969176" y="-4224"/>
+            <a:ext cx="11480101" cy="6862224"/>
+            <a:chOff x="0" y="0"/>
+            <a:chExt cx="11480101" cy="6862224"/>
+          </a:xfrm>
+        </p:grpSpPr>
+        <p:grpSp>
+          <p:nvGrpSpPr>
+            <p:cNvPr id="24" name="Group 23">
+              <a:extLst>
+                <a:ext uri="{FF2B5EF4-FFF2-40B4-BE49-F238E27FC236}">
+                  <a16:creationId xmlns:a16="http://schemas.microsoft.com/office/drawing/2014/main" id="{8FA6D2AD-B485-3324-9629-A863C26650B7}"/>
+                </a:ext>
+              </a:extLst>
+            </p:cNvPr>
+            <p:cNvGrpSpPr/>
+            <p:nvPr/>
+          </p:nvGrpSpPr>
+          <p:grpSpPr>
+            <a:xfrm>
+              <a:off x="0" y="0"/>
+              <a:ext cx="11480101" cy="6858000"/>
+              <a:chOff x="0" y="0"/>
+              <a:chExt cx="11480101" cy="6858000"/>
+            </a:xfrm>
+          </p:grpSpPr>
+          <p:sp>
+            <p:nvSpPr>
+              <p:cNvPr id="26" name="Freeform: Shape 25">
+                <a:extLst>
+                  <a:ext uri="{FF2B5EF4-FFF2-40B4-BE49-F238E27FC236}">
+                    <a16:creationId xmlns:a16="http://schemas.microsoft.com/office/drawing/2014/main" id="{A5EBC391-9CBA-FB39-137D-0B214161B721}"/>
+                  </a:ext>
+                </a:extLst>
+              </p:cNvPr>
+              <p:cNvSpPr/>
+              <p:nvPr/>
+            </p:nvSpPr>
+            <p:spPr>
+              <a:xfrm>
+                <a:off x="0" y="0"/>
+                <a:ext cx="11480101" cy="6858000"/>
+              </a:xfrm>
+              <a:custGeom>
+                <a:avLst/>
+                <a:gdLst>
+                  <a:gd name="connsiteX0" fmla="*/ 0 w 11480101"/>
+                  <a:gd name="connsiteY0" fmla="*/ 0 h 6858000"/>
+                  <a:gd name="connsiteX1" fmla="*/ 10870163 w 11480101"/>
+                  <a:gd name="connsiteY1" fmla="*/ 0 h 6858000"/>
+                  <a:gd name="connsiteX2" fmla="*/ 10870163 w 11480101"/>
+                  <a:gd name="connsiteY2" fmla="*/ 2738534 h 6858000"/>
+                  <a:gd name="connsiteX3" fmla="*/ 11365021 w 11480101"/>
+                  <a:gd name="connsiteY3" fmla="*/ 2738534 h 6858000"/>
+                  <a:gd name="connsiteX4" fmla="*/ 11480101 w 11480101"/>
+                  <a:gd name="connsiteY4" fmla="*/ 2853614 h 6858000"/>
+                  <a:gd name="connsiteX5" fmla="*/ 11480101 w 11480101"/>
+                  <a:gd name="connsiteY5" fmla="*/ 3313920 h 6858000"/>
+                  <a:gd name="connsiteX6" fmla="*/ 11365021 w 11480101"/>
+                  <a:gd name="connsiteY6" fmla="*/ 3429000 h 6858000"/>
+                  <a:gd name="connsiteX7" fmla="*/ 10870163 w 11480101"/>
+                  <a:gd name="connsiteY7" fmla="*/ 3429000 h 6858000"/>
+                  <a:gd name="connsiteX8" fmla="*/ 10870163 w 11480101"/>
+                  <a:gd name="connsiteY8" fmla="*/ 6858000 h 6858000"/>
+                  <a:gd name="connsiteX9" fmla="*/ 0 w 11480101"/>
+                  <a:gd name="connsiteY9" fmla="*/ 6858000 h 6858000"/>
+                </a:gdLst>
+                <a:ahLst/>
+                <a:cxnLst>
+                  <a:cxn ang="0">
+                    <a:pos x="connsiteX0" y="connsiteY0"/>
+                  </a:cxn>
+                  <a:cxn ang="0">
+                    <a:pos x="connsiteX1" y="connsiteY1"/>
+                  </a:cxn>
+                  <a:cxn ang="0">
+                    <a:pos x="connsiteX2" y="connsiteY2"/>
+                  </a:cxn>
+                  <a:cxn ang="0">
+                    <a:pos x="connsiteX3" y="connsiteY3"/>
+                  </a:cxn>
+                  <a:cxn ang="0">
+                    <a:pos x="connsiteX4" y="connsiteY4"/>
+                  </a:cxn>
+                  <a:cxn ang="0">
+                    <a:pos x="connsiteX5" y="connsiteY5"/>
+                  </a:cxn>
+                  <a:cxn ang="0">
+                    <a:pos x="connsiteX6" y="connsiteY6"/>
+                  </a:cxn>
+                  <a:cxn ang="0">
+                    <a:pos x="connsiteX7" y="connsiteY7"/>
+                  </a:cxn>
+                  <a:cxn ang="0">
+                    <a:pos x="connsiteX8" y="connsiteY8"/>
+                  </a:cxn>
+                  <a:cxn ang="0">
+                    <a:pos x="connsiteX9" y="connsiteY9"/>
+                  </a:cxn>
+                </a:cxnLst>
+                <a:rect l="l" t="t" r="r" b="b"/>
+                <a:pathLst>
+                  <a:path w="11480101" h="6858000">
+                    <a:moveTo>
+                      <a:pt x="0" y="0"/>
+                    </a:moveTo>
+                    <a:lnTo>
+                      <a:pt x="10870163" y="0"/>
+                    </a:lnTo>
+                    <a:lnTo>
+                      <a:pt x="10870163" y="2738534"/>
+                    </a:lnTo>
+                    <a:lnTo>
+                      <a:pt x="11365021" y="2738534"/>
+                    </a:lnTo>
+                    <a:cubicBezTo>
+                      <a:pt x="11428578" y="2738534"/>
+                      <a:pt x="11480101" y="2790057"/>
+                      <a:pt x="11480101" y="2853614"/>
+                    </a:cubicBezTo>
+                    <a:lnTo>
+                      <a:pt x="11480101" y="3313920"/>
+                    </a:lnTo>
+                    <a:cubicBezTo>
+                      <a:pt x="11480101" y="3377477"/>
+                      <a:pt x="11428578" y="3429000"/>
+                      <a:pt x="11365021" y="3429000"/>
+                    </a:cubicBezTo>
+                    <a:lnTo>
+                      <a:pt x="10870163" y="3429000"/>
+                    </a:lnTo>
+                    <a:lnTo>
+                      <a:pt x="10870163" y="6858000"/>
+                    </a:lnTo>
+                    <a:lnTo>
+                      <a:pt x="0" y="6858000"/>
+                    </a:lnTo>
+                    <a:close/>
+                  </a:path>
+                </a:pathLst>
+              </a:custGeom>
+              <a:solidFill>
+                <a:srgbClr val="19C3FF"/>
+              </a:solidFill>
+              <a:ln>
+                <a:noFill/>
+              </a:ln>
+              <a:effectLst>
+                <a:outerShdw blurRad="127000" dist="63500" algn="l" rotWithShape="0">
+                  <a:prstClr val="black">
+                    <a:alpha val="40000"/>
+                  </a:prstClr>
+                </a:outerShdw>
+              </a:effectLst>
+            </p:spPr>
+            <p:style>
+              <a:lnRef idx="2">
+                <a:schemeClr val="accent1">
+                  <a:shade val="15000"/>
+                </a:schemeClr>
+              </a:lnRef>
+              <a:fillRef idx="1">
+                <a:schemeClr val="accent1"/>
+              </a:fillRef>
+              <a:effectRef idx="0">
+                <a:schemeClr val="accent1"/>
+              </a:effectRef>
+              <a:fontRef idx="minor">
+                <a:schemeClr val="lt1"/>
+              </a:fontRef>
+            </p:style>
+            <p:txBody>
+              <a:bodyPr wrap="square" rtlCol="0" anchor="ctr">
+                <a:noAutofit/>
+              </a:bodyPr>
+              <a:lstStyle/>
+              <a:p>
+                <a:pPr algn="ctr"/>
+                <a:endParaRPr lang="en-GB" dirty="0"/>
+              </a:p>
+            </p:txBody>
+          </p:sp>
+          <p:sp>
+            <p:nvSpPr>
+              <p:cNvPr id="27" name="TextBox 26">
+                <a:extLst>
+                  <a:ext uri="{FF2B5EF4-FFF2-40B4-BE49-F238E27FC236}">
+                    <a16:creationId xmlns:a16="http://schemas.microsoft.com/office/drawing/2014/main" id="{1B3EF742-A9C5-FDFC-CD37-087E6FBB296A}"/>
+                  </a:ext>
+                </a:extLst>
+              </p:cNvPr>
+              <p:cNvSpPr txBox="1"/>
+              <p:nvPr/>
+            </p:nvSpPr>
+            <p:spPr>
+              <a:xfrm>
+                <a:off x="7324529" y="475861"/>
+                <a:ext cx="2052734" cy="1862048"/>
+              </a:xfrm>
+              <a:prstGeom prst="rect">
+                <a:avLst/>
+              </a:prstGeom>
+              <a:noFill/>
+            </p:spPr>
+            <p:txBody>
+              <a:bodyPr wrap="square" rtlCol="0">
+                <a:spAutoFit/>
+              </a:bodyPr>
+              <a:lstStyle/>
+              <a:p>
+                <a:r>
+                  <a:rPr lang="en-GB" sz="11500" b="1" dirty="0">
+                    <a:solidFill>
+                      <a:schemeClr val="bg1">
+                        <a:alpha val="25000"/>
+                      </a:schemeClr>
+                    </a:solidFill>
+                    <a:latin typeface="Montserrat" panose="00000500000000000000" pitchFamily="50" charset="0"/>
+                  </a:rPr>
+                  <a:t>03</a:t>
+                </a:r>
+              </a:p>
+            </p:txBody>
+          </p:sp>
+          <p:sp>
+            <p:nvSpPr>
+              <p:cNvPr id="28" name="TextBox 27">
+                <a:extLst>
+                  <a:ext uri="{FF2B5EF4-FFF2-40B4-BE49-F238E27FC236}">
+                    <a16:creationId xmlns:a16="http://schemas.microsoft.com/office/drawing/2014/main" id="{C548288C-A165-DAD2-D8CA-4F0D4862DF7A}"/>
+                  </a:ext>
+                </a:extLst>
+              </p:cNvPr>
+              <p:cNvSpPr txBox="1"/>
+              <p:nvPr/>
+            </p:nvSpPr>
+            <p:spPr>
+              <a:xfrm>
+                <a:off x="6643400" y="1791478"/>
+                <a:ext cx="3704248" cy="369332"/>
+              </a:xfrm>
+              <a:prstGeom prst="rect">
+                <a:avLst/>
+              </a:prstGeom>
+              <a:noFill/>
+            </p:spPr>
+            <p:txBody>
+              <a:bodyPr wrap="square" rtlCol="0">
+                <a:spAutoFit/>
+              </a:bodyPr>
+              <a:lstStyle/>
+              <a:p>
+                <a:r>
+                  <a:rPr lang="en-GB" b="1" dirty="0">
+                    <a:solidFill>
+                      <a:schemeClr val="bg1"/>
+                    </a:solidFill>
+                    <a:latin typeface="Montserrat" panose="00000500000000000000" pitchFamily="50" charset="0"/>
+                  </a:rPr>
+                  <a:t>Develop Teaching Resources</a:t>
+                </a:r>
+              </a:p>
+            </p:txBody>
+          </p:sp>
+          <p:sp>
+            <p:nvSpPr>
+              <p:cNvPr id="29" name="TextBox 28">
+                <a:extLst>
+                  <a:ext uri="{FF2B5EF4-FFF2-40B4-BE49-F238E27FC236}">
+                    <a16:creationId xmlns:a16="http://schemas.microsoft.com/office/drawing/2014/main" id="{0DFCA3A7-7586-C9C3-3036-DC0FEC2A2A09}"/>
+                  </a:ext>
+                </a:extLst>
+              </p:cNvPr>
+              <p:cNvSpPr txBox="1"/>
+              <p:nvPr/>
+            </p:nvSpPr>
+            <p:spPr>
+              <a:xfrm>
+                <a:off x="10966915" y="2817846"/>
+                <a:ext cx="438539" cy="523220"/>
+              </a:xfrm>
+              <a:prstGeom prst="rect">
+                <a:avLst/>
+              </a:prstGeom>
+              <a:noFill/>
+            </p:spPr>
+            <p:txBody>
+              <a:bodyPr wrap="square" rtlCol="0">
+                <a:spAutoFit/>
+              </a:bodyPr>
+              <a:lstStyle/>
+              <a:p>
+                <a:r>
+                  <a:rPr lang="en-GB" sz="2800" b="1" dirty="0">
+                    <a:solidFill>
+                      <a:srgbClr val="3A7E96"/>
+                    </a:solidFill>
+                    <a:latin typeface="Montserrat" panose="00000500000000000000" pitchFamily="50" charset="0"/>
+                  </a:rPr>
+                  <a:t>3</a:t>
+                </a:r>
+              </a:p>
+            </p:txBody>
+          </p:sp>
+        </p:grpSp>
+        <p:sp>
+          <p:nvSpPr>
+            <p:cNvPr id="25" name="TextBox 24">
+              <a:extLst>
+                <a:ext uri="{FF2B5EF4-FFF2-40B4-BE49-F238E27FC236}">
+                  <a16:creationId xmlns:a16="http://schemas.microsoft.com/office/drawing/2014/main" id="{C1BC3291-56E9-4C22-1526-1E6B642C10C1}"/>
+                </a:ext>
+              </a:extLst>
+            </p:cNvPr>
+            <p:cNvSpPr txBox="1"/>
+            <p:nvPr/>
+          </p:nvSpPr>
+          <p:spPr>
+            <a:xfrm>
+              <a:off x="6755363" y="2337909"/>
+              <a:ext cx="3592285" cy="4524315"/>
+            </a:xfrm>
+            <a:prstGeom prst="rect">
+              <a:avLst/>
+            </a:prstGeom>
+            <a:noFill/>
+          </p:spPr>
+          <p:txBody>
+            <a:bodyPr wrap="square" rtlCol="0">
+              <a:spAutoFit/>
+            </a:bodyPr>
+            <a:lstStyle/>
+            <a:p>
+              <a:pPr algn="ctr"/>
+              <a:r>
+                <a:rPr lang="en-GB" sz="1600" dirty="0">
+                  <a:solidFill>
+                    <a:schemeClr val="bg1"/>
+                  </a:solidFill>
+                  <a:latin typeface="Montserrat" panose="00000500000000000000" pitchFamily="50" charset="0"/>
+                </a:rPr>
+                <a:t>Quickly develop a structured resource on ANY topic for students.</a:t>
+              </a:r>
+            </a:p>
+            <a:p>
+              <a:pPr algn="ctr"/>
+              <a:endParaRPr lang="en-GB" sz="1600" dirty="0">
+                <a:solidFill>
+                  <a:schemeClr val="bg1"/>
+                </a:solidFill>
+                <a:latin typeface="Montserrat" panose="00000500000000000000" pitchFamily="50" charset="0"/>
+              </a:endParaRPr>
+            </a:p>
+            <a:p>
+              <a:pPr algn="ctr"/>
+              <a:r>
+                <a:rPr lang="en-GB" sz="1600" dirty="0">
+                  <a:solidFill>
+                    <a:schemeClr val="bg1"/>
+                  </a:solidFill>
+                  <a:latin typeface="Montserrat" panose="00000500000000000000" pitchFamily="50" charset="0"/>
+                </a:rPr>
+                <a:t>Swallow your pride.</a:t>
+              </a:r>
+            </a:p>
+            <a:p>
+              <a:pPr algn="ctr"/>
+              <a:endParaRPr lang="en-GB" sz="1600" dirty="0">
+                <a:solidFill>
+                  <a:schemeClr val="bg1"/>
+                </a:solidFill>
+                <a:latin typeface="Montserrat" panose="00000500000000000000" pitchFamily="50" charset="0"/>
+              </a:endParaRPr>
+            </a:p>
+            <a:p>
+              <a:pPr algn="ctr"/>
+              <a:r>
+                <a:rPr lang="en-GB" sz="1600" dirty="0">
+                  <a:solidFill>
+                    <a:schemeClr val="bg1"/>
+                  </a:solidFill>
+                  <a:latin typeface="Montserrat" panose="00000500000000000000" pitchFamily="50" charset="0"/>
+                </a:rPr>
+                <a:t>Use ChatGPT to build a resource that’s twice as good in half the time.</a:t>
+              </a:r>
+            </a:p>
+            <a:p>
+              <a:pPr algn="ctr"/>
+              <a:endParaRPr lang="en-GB" sz="1600" dirty="0">
+                <a:solidFill>
+                  <a:schemeClr val="bg1"/>
+                </a:solidFill>
+                <a:latin typeface="Montserrat" panose="00000500000000000000" pitchFamily="50" charset="0"/>
+              </a:endParaRPr>
+            </a:p>
+            <a:p>
+              <a:pPr algn="ctr"/>
+              <a:r>
+                <a:rPr lang="en-GB" sz="1600" b="1" dirty="0">
+                  <a:solidFill>
+                    <a:schemeClr val="bg1"/>
+                  </a:solidFill>
+                  <a:latin typeface="Montserrat" panose="00000500000000000000" pitchFamily="50" charset="0"/>
+                </a:rPr>
+                <a:t>Example: Active Learning Workshop.</a:t>
+              </a:r>
+            </a:p>
+            <a:p>
+              <a:pPr algn="ctr"/>
+              <a:endParaRPr lang="en-GB" sz="1600" dirty="0">
+                <a:solidFill>
+                  <a:schemeClr val="bg1"/>
+                </a:solidFill>
+                <a:latin typeface="Montserrat" panose="00000500000000000000" pitchFamily="50" charset="0"/>
+              </a:endParaRPr>
+            </a:p>
+            <a:p>
+              <a:pPr algn="ctr"/>
+              <a:r>
+                <a:rPr lang="en-GB" sz="1600" dirty="0">
+                  <a:solidFill>
+                    <a:schemeClr val="bg1"/>
+                  </a:solidFill>
+                  <a:latin typeface="Montserrat" panose="00000500000000000000" pitchFamily="50" charset="0"/>
+                </a:rPr>
+                <a:t>Introduction to Visualisation using R and Ggplot2.</a:t>
+              </a:r>
+            </a:p>
+            <a:p>
+              <a:pPr algn="ctr"/>
+              <a:endParaRPr lang="en-GB" sz="1600" dirty="0">
+                <a:solidFill>
+                  <a:schemeClr val="bg1"/>
+                </a:solidFill>
+                <a:latin typeface="Montserrat" panose="00000500000000000000" pitchFamily="50" charset="0"/>
+              </a:endParaRPr>
+            </a:p>
+            <a:p>
+              <a:pPr algn="ctr"/>
+              <a:endParaRPr lang="en-GB" sz="1600" dirty="0">
+                <a:solidFill>
+                  <a:schemeClr val="bg1"/>
+                </a:solidFill>
+                <a:latin typeface="Montserrat" panose="00000500000000000000" pitchFamily="50" charset="0"/>
+              </a:endParaRPr>
+            </a:p>
+            <a:p>
+              <a:pPr algn="ctr"/>
+              <a:endParaRPr lang="en-GB" sz="1600" dirty="0">
+                <a:solidFill>
+                  <a:schemeClr val="bg1"/>
+                </a:solidFill>
+                <a:latin typeface="Montserrat" panose="00000500000000000000" pitchFamily="50" charset="0"/>
+              </a:endParaRPr>
+            </a:p>
+          </p:txBody>
+        </p:sp>
+      </p:grpSp>
+      <p:grpSp>
+        <p:nvGrpSpPr>
+          <p:cNvPr id="30" name="Group 29">
+            <a:extLst>
+              <a:ext uri="{FF2B5EF4-FFF2-40B4-BE49-F238E27FC236}">
+                <a16:creationId xmlns:a16="http://schemas.microsoft.com/office/drawing/2014/main" id="{84194512-DFC4-C89F-FC9A-519A40516AC2}"/>
+              </a:ext>
+            </a:extLst>
+          </p:cNvPr>
+          <p:cNvGrpSpPr/>
+          <p:nvPr/>
+        </p:nvGrpSpPr>
+        <p:grpSpPr>
+          <a:xfrm>
+            <a:off x="-13627655" y="-12672"/>
+            <a:ext cx="11480101" cy="6862224"/>
+            <a:chOff x="0" y="0"/>
+            <a:chExt cx="11480101" cy="6862224"/>
+          </a:xfrm>
+        </p:grpSpPr>
+        <p:grpSp>
+          <p:nvGrpSpPr>
+            <p:cNvPr id="31" name="Group 30">
+              <a:extLst>
+                <a:ext uri="{FF2B5EF4-FFF2-40B4-BE49-F238E27FC236}">
+                  <a16:creationId xmlns:a16="http://schemas.microsoft.com/office/drawing/2014/main" id="{D52A1BCB-BBD0-016F-0042-81FD2DF2B810}"/>
+                </a:ext>
+              </a:extLst>
+            </p:cNvPr>
+            <p:cNvGrpSpPr/>
+            <p:nvPr/>
+          </p:nvGrpSpPr>
+          <p:grpSpPr>
+            <a:xfrm>
+              <a:off x="0" y="0"/>
+              <a:ext cx="11480101" cy="6858000"/>
+              <a:chOff x="0" y="0"/>
+              <a:chExt cx="11480101" cy="6858000"/>
+            </a:xfrm>
+          </p:grpSpPr>
+          <p:sp>
+            <p:nvSpPr>
+              <p:cNvPr id="33" name="Freeform: Shape 32">
+                <a:extLst>
+                  <a:ext uri="{FF2B5EF4-FFF2-40B4-BE49-F238E27FC236}">
+                    <a16:creationId xmlns:a16="http://schemas.microsoft.com/office/drawing/2014/main" id="{0F5F3939-9EA0-3569-786C-D71895F2F1ED}"/>
+                  </a:ext>
+                </a:extLst>
+              </p:cNvPr>
+              <p:cNvSpPr/>
+              <p:nvPr/>
+            </p:nvSpPr>
+            <p:spPr>
+              <a:xfrm>
+                <a:off x="0" y="0"/>
+                <a:ext cx="11480101" cy="6858000"/>
+              </a:xfrm>
+              <a:custGeom>
+                <a:avLst/>
+                <a:gdLst>
+                  <a:gd name="connsiteX0" fmla="*/ 0 w 11480101"/>
+                  <a:gd name="connsiteY0" fmla="*/ 0 h 6858000"/>
+                  <a:gd name="connsiteX1" fmla="*/ 10870163 w 11480101"/>
+                  <a:gd name="connsiteY1" fmla="*/ 0 h 6858000"/>
+                  <a:gd name="connsiteX2" fmla="*/ 10870163 w 11480101"/>
+                  <a:gd name="connsiteY2" fmla="*/ 1803138 h 6858000"/>
+                  <a:gd name="connsiteX3" fmla="*/ 11365021 w 11480101"/>
+                  <a:gd name="connsiteY3" fmla="*/ 1803138 h 6858000"/>
+                  <a:gd name="connsiteX4" fmla="*/ 11480101 w 11480101"/>
+                  <a:gd name="connsiteY4" fmla="*/ 1918218 h 6858000"/>
+                  <a:gd name="connsiteX5" fmla="*/ 11480101 w 11480101"/>
+                  <a:gd name="connsiteY5" fmla="*/ 2378524 h 6858000"/>
+                  <a:gd name="connsiteX6" fmla="*/ 11365021 w 11480101"/>
+                  <a:gd name="connsiteY6" fmla="*/ 2493604 h 6858000"/>
+                  <a:gd name="connsiteX7" fmla="*/ 10870163 w 11480101"/>
+                  <a:gd name="connsiteY7" fmla="*/ 2493604 h 6858000"/>
+                  <a:gd name="connsiteX8" fmla="*/ 10870163 w 11480101"/>
+                  <a:gd name="connsiteY8" fmla="*/ 6858000 h 6858000"/>
+                  <a:gd name="connsiteX9" fmla="*/ 0 w 11480101"/>
+                  <a:gd name="connsiteY9" fmla="*/ 6858000 h 6858000"/>
+                </a:gdLst>
+                <a:ahLst/>
+                <a:cxnLst>
+                  <a:cxn ang="0">
+                    <a:pos x="connsiteX0" y="connsiteY0"/>
+                  </a:cxn>
+                  <a:cxn ang="0">
+                    <a:pos x="connsiteX1" y="connsiteY1"/>
+                  </a:cxn>
+                  <a:cxn ang="0">
+                    <a:pos x="connsiteX2" y="connsiteY2"/>
+                  </a:cxn>
+                  <a:cxn ang="0">
+                    <a:pos x="connsiteX3" y="connsiteY3"/>
+                  </a:cxn>
+                  <a:cxn ang="0">
+                    <a:pos x="connsiteX4" y="connsiteY4"/>
+                  </a:cxn>
+                  <a:cxn ang="0">
+                    <a:pos x="connsiteX5" y="connsiteY5"/>
+                  </a:cxn>
+                  <a:cxn ang="0">
+                    <a:pos x="connsiteX6" y="connsiteY6"/>
+                  </a:cxn>
+                  <a:cxn ang="0">
+                    <a:pos x="connsiteX7" y="connsiteY7"/>
+                  </a:cxn>
+                  <a:cxn ang="0">
+                    <a:pos x="connsiteX8" y="connsiteY8"/>
+                  </a:cxn>
+                  <a:cxn ang="0">
+                    <a:pos x="connsiteX9" y="connsiteY9"/>
+                  </a:cxn>
+                </a:cxnLst>
+                <a:rect l="l" t="t" r="r" b="b"/>
+                <a:pathLst>
+                  <a:path w="11480101" h="6858000">
+                    <a:moveTo>
+                      <a:pt x="0" y="0"/>
+                    </a:moveTo>
+                    <a:lnTo>
+                      <a:pt x="10870163" y="0"/>
+                    </a:lnTo>
+                    <a:lnTo>
+                      <a:pt x="10870163" y="1803138"/>
+                    </a:lnTo>
+                    <a:lnTo>
+                      <a:pt x="11365021" y="1803138"/>
+                    </a:lnTo>
+                    <a:cubicBezTo>
+                      <a:pt x="11428578" y="1803138"/>
+                      <a:pt x="11480101" y="1854661"/>
+                      <a:pt x="11480101" y="1918218"/>
+                    </a:cubicBezTo>
+                    <a:lnTo>
+                      <a:pt x="11480101" y="2378524"/>
+                    </a:lnTo>
+                    <a:cubicBezTo>
+                      <a:pt x="11480101" y="2442081"/>
+                      <a:pt x="11428578" y="2493604"/>
+                      <a:pt x="11365021" y="2493604"/>
+                    </a:cubicBezTo>
+                    <a:lnTo>
+                      <a:pt x="10870163" y="2493604"/>
+                    </a:lnTo>
+                    <a:lnTo>
+                      <a:pt x="10870163" y="6858000"/>
+                    </a:lnTo>
+                    <a:lnTo>
+                      <a:pt x="0" y="6858000"/>
+                    </a:lnTo>
+                    <a:close/>
+                  </a:path>
+                </a:pathLst>
+              </a:custGeom>
+              <a:solidFill>
+                <a:srgbClr val="75DBFF"/>
+              </a:solidFill>
+              <a:ln>
+                <a:noFill/>
+              </a:ln>
+              <a:effectLst>
+                <a:outerShdw blurRad="127000" dist="63500" algn="l" rotWithShape="0">
+                  <a:prstClr val="black">
+                    <a:alpha val="40000"/>
+                  </a:prstClr>
+                </a:outerShdw>
+              </a:effectLst>
+            </p:spPr>
+            <p:style>
+              <a:lnRef idx="2">
+                <a:schemeClr val="accent1">
+                  <a:shade val="15000"/>
+                </a:schemeClr>
+              </a:lnRef>
+              <a:fillRef idx="1">
+                <a:schemeClr val="accent1"/>
+              </a:fillRef>
+              <a:effectRef idx="0">
+                <a:schemeClr val="accent1"/>
+              </a:effectRef>
+              <a:fontRef idx="minor">
+                <a:schemeClr val="lt1"/>
+              </a:fontRef>
+            </p:style>
+            <p:txBody>
+              <a:bodyPr wrap="square" rtlCol="0" anchor="ctr">
+                <a:noAutofit/>
+              </a:bodyPr>
+              <a:lstStyle/>
+              <a:p>
+                <a:pPr algn="ctr"/>
+                <a:endParaRPr lang="en-GB" dirty="0"/>
+              </a:p>
+            </p:txBody>
+          </p:sp>
+          <p:sp>
+            <p:nvSpPr>
+              <p:cNvPr id="34" name="TextBox 33">
+                <a:extLst>
+                  <a:ext uri="{FF2B5EF4-FFF2-40B4-BE49-F238E27FC236}">
+                    <a16:creationId xmlns:a16="http://schemas.microsoft.com/office/drawing/2014/main" id="{FBF6D771-D648-8893-66A8-72692412F5A2}"/>
+                  </a:ext>
+                </a:extLst>
+              </p:cNvPr>
+              <p:cNvSpPr txBox="1"/>
+              <p:nvPr/>
+            </p:nvSpPr>
+            <p:spPr>
+              <a:xfrm>
+                <a:off x="7240562" y="438539"/>
+                <a:ext cx="2724539" cy="1862048"/>
+              </a:xfrm>
+              <a:prstGeom prst="rect">
+                <a:avLst/>
+              </a:prstGeom>
+              <a:noFill/>
+            </p:spPr>
+            <p:txBody>
+              <a:bodyPr wrap="square" rtlCol="0">
+                <a:spAutoFit/>
+              </a:bodyPr>
+              <a:lstStyle/>
+              <a:p>
+                <a:r>
+                  <a:rPr lang="en-GB" sz="11500" b="1" dirty="0">
+                    <a:solidFill>
+                      <a:schemeClr val="bg1">
+                        <a:alpha val="25000"/>
+                      </a:schemeClr>
+                    </a:solidFill>
+                    <a:latin typeface="Montserrat" panose="00000500000000000000" pitchFamily="50" charset="0"/>
+                  </a:rPr>
+                  <a:t>04</a:t>
+                </a:r>
+              </a:p>
+            </p:txBody>
+          </p:sp>
+          <p:sp>
+            <p:nvSpPr>
+              <p:cNvPr id="35" name="TextBox 34">
+                <a:extLst>
+                  <a:ext uri="{FF2B5EF4-FFF2-40B4-BE49-F238E27FC236}">
+                    <a16:creationId xmlns:a16="http://schemas.microsoft.com/office/drawing/2014/main" id="{E8AC0B00-B267-3FBB-332B-0933372CED3D}"/>
+                  </a:ext>
+                </a:extLst>
+              </p:cNvPr>
+              <p:cNvSpPr txBox="1"/>
+              <p:nvPr/>
+            </p:nvSpPr>
+            <p:spPr>
+              <a:xfrm>
+                <a:off x="7128593" y="1724218"/>
+                <a:ext cx="2724539" cy="369332"/>
+              </a:xfrm>
+              <a:prstGeom prst="rect">
+                <a:avLst/>
+              </a:prstGeom>
+              <a:noFill/>
+            </p:spPr>
+            <p:txBody>
+              <a:bodyPr wrap="square" rtlCol="0">
+                <a:spAutoFit/>
+              </a:bodyPr>
+              <a:lstStyle/>
+              <a:p>
+                <a:r>
+                  <a:rPr lang="en-GB" b="1" dirty="0">
+                    <a:solidFill>
+                      <a:schemeClr val="bg1"/>
+                    </a:solidFill>
+                    <a:latin typeface="Montserrat" panose="00000500000000000000" pitchFamily="50" charset="0"/>
+                  </a:rPr>
+                  <a:t>Assistive Feedback</a:t>
+                </a:r>
+              </a:p>
+            </p:txBody>
+          </p:sp>
+          <p:sp>
+            <p:nvSpPr>
+              <p:cNvPr id="36" name="TextBox 35">
+                <a:extLst>
+                  <a:ext uri="{FF2B5EF4-FFF2-40B4-BE49-F238E27FC236}">
+                    <a16:creationId xmlns:a16="http://schemas.microsoft.com/office/drawing/2014/main" id="{3ED622BD-B286-0322-7046-EF5A77119A72}"/>
+                  </a:ext>
+                </a:extLst>
+              </p:cNvPr>
+              <p:cNvSpPr txBox="1"/>
+              <p:nvPr/>
+            </p:nvSpPr>
+            <p:spPr>
+              <a:xfrm>
+                <a:off x="10935478" y="1908884"/>
+                <a:ext cx="516633" cy="523220"/>
+              </a:xfrm>
+              <a:prstGeom prst="rect">
+                <a:avLst/>
+              </a:prstGeom>
+              <a:noFill/>
+            </p:spPr>
+            <p:txBody>
+              <a:bodyPr wrap="square" rtlCol="0">
+                <a:spAutoFit/>
+              </a:bodyPr>
+              <a:lstStyle/>
+              <a:p>
+                <a:r>
+                  <a:rPr lang="en-GB" sz="2800" b="1" dirty="0">
+                    <a:solidFill>
+                      <a:srgbClr val="19C3FF"/>
+                    </a:solidFill>
+                    <a:latin typeface="Montserrat" panose="00000500000000000000" pitchFamily="50" charset="0"/>
+                  </a:rPr>
+                  <a:t>4</a:t>
+                </a:r>
+              </a:p>
+            </p:txBody>
+          </p:sp>
+        </p:grpSp>
+        <p:sp>
+          <p:nvSpPr>
+            <p:cNvPr id="32" name="TextBox 31">
+              <a:extLst>
+                <a:ext uri="{FF2B5EF4-FFF2-40B4-BE49-F238E27FC236}">
+                  <a16:creationId xmlns:a16="http://schemas.microsoft.com/office/drawing/2014/main" id="{464983AC-4225-732A-B4E2-11F50F0B7680}"/>
+                </a:ext>
+              </a:extLst>
+            </p:cNvPr>
+            <p:cNvSpPr txBox="1"/>
+            <p:nvPr/>
+          </p:nvSpPr>
+          <p:spPr>
+            <a:xfrm>
+              <a:off x="6755363" y="2337909"/>
+              <a:ext cx="3592285" cy="4524315"/>
+            </a:xfrm>
+            <a:prstGeom prst="rect">
+              <a:avLst/>
+            </a:prstGeom>
+            <a:noFill/>
+          </p:spPr>
+          <p:txBody>
+            <a:bodyPr wrap="square" rtlCol="0">
+              <a:spAutoFit/>
+            </a:bodyPr>
+            <a:lstStyle/>
+            <a:p>
+              <a:pPr algn="ctr"/>
+              <a:r>
+                <a:rPr lang="en-GB" sz="1600" dirty="0">
+                  <a:solidFill>
+                    <a:schemeClr val="bg1"/>
+                  </a:solidFill>
+                  <a:latin typeface="Montserrat" panose="00000500000000000000" pitchFamily="50" charset="0"/>
+                </a:rPr>
+                <a:t>Automate feedback provided on coursework submissions via Canvas/ChatGPT.</a:t>
+              </a:r>
+            </a:p>
+            <a:p>
+              <a:pPr algn="ctr"/>
+              <a:endParaRPr lang="en-GB" sz="1600" dirty="0">
+                <a:solidFill>
+                  <a:schemeClr val="bg1"/>
+                </a:solidFill>
+                <a:latin typeface="Montserrat" panose="00000500000000000000" pitchFamily="50" charset="0"/>
+              </a:endParaRPr>
+            </a:p>
+            <a:p>
+              <a:pPr algn="ctr"/>
+              <a:r>
+                <a:rPr lang="en-GB" sz="1600" dirty="0">
+                  <a:solidFill>
+                    <a:schemeClr val="bg1"/>
+                  </a:solidFill>
+                  <a:latin typeface="Montserrat" panose="00000500000000000000" pitchFamily="50" charset="0"/>
+                </a:rPr>
+                <a:t>Referencing criteria only!</a:t>
+              </a:r>
+            </a:p>
+            <a:p>
+              <a:pPr algn="ctr"/>
+              <a:endParaRPr lang="en-GB" sz="1600" dirty="0">
+                <a:solidFill>
+                  <a:schemeClr val="bg1"/>
+                </a:solidFill>
+                <a:latin typeface="Montserrat" panose="00000500000000000000" pitchFamily="50" charset="0"/>
+              </a:endParaRPr>
+            </a:p>
+            <a:p>
+              <a:pPr algn="ctr"/>
+              <a:r>
+                <a:rPr lang="en-GB" sz="1600" dirty="0">
+                  <a:solidFill>
+                    <a:schemeClr val="bg1"/>
+                  </a:solidFill>
+                  <a:latin typeface="Montserrat" panose="00000500000000000000" pitchFamily="50" charset="0"/>
+                </a:rPr>
+                <a:t>Improving student experience.</a:t>
+              </a:r>
+            </a:p>
+            <a:p>
+              <a:pPr algn="ctr"/>
+              <a:endParaRPr lang="en-GB" sz="1600" dirty="0">
+                <a:solidFill>
+                  <a:schemeClr val="bg1"/>
+                </a:solidFill>
+                <a:latin typeface="Montserrat" panose="00000500000000000000" pitchFamily="50" charset="0"/>
+              </a:endParaRPr>
+            </a:p>
+            <a:p>
+              <a:pPr algn="ctr"/>
+              <a:r>
+                <a:rPr lang="en-GB" sz="1600" dirty="0">
+                  <a:solidFill>
+                    <a:schemeClr val="bg1"/>
+                  </a:solidFill>
+                  <a:latin typeface="Montserrat" panose="00000500000000000000" pitchFamily="50" charset="0"/>
+                </a:rPr>
+                <a:t>Increasing consistency across large groups of markers.</a:t>
+              </a:r>
+            </a:p>
+            <a:p>
+              <a:pPr algn="ctr"/>
+              <a:endParaRPr lang="en-GB" sz="1600" dirty="0">
+                <a:solidFill>
+                  <a:schemeClr val="bg1"/>
+                </a:solidFill>
+                <a:latin typeface="Montserrat" panose="00000500000000000000" pitchFamily="50" charset="0"/>
+              </a:endParaRPr>
+            </a:p>
+            <a:p>
+              <a:pPr algn="ctr"/>
+              <a:r>
+                <a:rPr lang="en-GB" sz="1600" b="1" dirty="0">
+                  <a:solidFill>
+                    <a:schemeClr val="bg1"/>
+                  </a:solidFill>
+                  <a:latin typeface="Montserrat" panose="00000500000000000000" pitchFamily="50" charset="0"/>
+                </a:rPr>
+                <a:t>Example: Assistive Feedback Tool</a:t>
+              </a:r>
+            </a:p>
+            <a:p>
+              <a:pPr algn="ctr"/>
+              <a:endParaRPr lang="en-GB" sz="1600" dirty="0">
+                <a:solidFill>
+                  <a:schemeClr val="bg1"/>
+                </a:solidFill>
+                <a:latin typeface="Montserrat" panose="00000500000000000000" pitchFamily="50" charset="0"/>
+              </a:endParaRPr>
+            </a:p>
+            <a:p>
+              <a:pPr algn="ctr"/>
+              <a:r>
+                <a:rPr lang="en-GB" sz="1600" dirty="0">
+                  <a:solidFill>
+                    <a:schemeClr val="bg1"/>
+                  </a:solidFill>
+                  <a:latin typeface="Montserrat" panose="00000500000000000000" pitchFamily="50" charset="0"/>
+                </a:rPr>
+                <a:t>[</a:t>
+              </a:r>
+              <a:r>
+                <a:rPr lang="en-GB" sz="1600" dirty="0">
+                  <a:solidFill>
+                    <a:schemeClr val="bg1"/>
+                  </a:solidFill>
+                  <a:latin typeface="Montserrat" panose="00000500000000000000" pitchFamily="50" charset="0"/>
+                  <a:hlinkClick r:id="rId5">
+                    <a:extLst>
+                      <a:ext uri="{A12FA001-AC4F-418D-AE19-62706E023703}">
+                        <ahyp:hlinkClr xmlns:ahyp="http://schemas.microsoft.com/office/drawing/2018/hyperlinkcolor" val="tx"/>
+                      </a:ext>
+                    </a:extLst>
+                  </a:hlinkClick>
+                </a:rPr>
+                <a:t>Link to Video Overview</a:t>
+              </a:r>
+              <a:r>
+                <a:rPr lang="en-GB" sz="1600" dirty="0">
+                  <a:solidFill>
+                    <a:schemeClr val="bg1"/>
+                  </a:solidFill>
+                  <a:latin typeface="Montserrat" panose="00000500000000000000" pitchFamily="50" charset="0"/>
+                </a:rPr>
+                <a:t>]</a:t>
+              </a:r>
+            </a:p>
+            <a:p>
+              <a:pPr algn="ctr"/>
+              <a:endParaRPr lang="en-GB" sz="1600" dirty="0">
+                <a:solidFill>
+                  <a:schemeClr val="bg1"/>
+                </a:solidFill>
+                <a:latin typeface="Montserrat" panose="00000500000000000000" pitchFamily="50" charset="0"/>
+              </a:endParaRPr>
+            </a:p>
+            <a:p>
+              <a:pPr algn="ctr"/>
+              <a:endParaRPr lang="en-GB" sz="1600" dirty="0">
+                <a:solidFill>
+                  <a:schemeClr val="bg1"/>
+                </a:solidFill>
+                <a:latin typeface="Montserrat" panose="00000500000000000000" pitchFamily="50" charset="0"/>
+              </a:endParaRPr>
+            </a:p>
+            <a:p>
+              <a:pPr algn="ctr"/>
+              <a:endParaRPr lang="en-GB" sz="1600" dirty="0">
+                <a:solidFill>
+                  <a:schemeClr val="bg1"/>
+                </a:solidFill>
+                <a:latin typeface="Montserrat" panose="00000500000000000000" pitchFamily="50" charset="0"/>
+              </a:endParaRPr>
+            </a:p>
+          </p:txBody>
+        </p:sp>
+      </p:grpSp>
+      <p:grpSp>
+        <p:nvGrpSpPr>
+          <p:cNvPr id="21" name="Group 20">
+            <a:extLst>
+              <a:ext uri="{FF2B5EF4-FFF2-40B4-BE49-F238E27FC236}">
+                <a16:creationId xmlns:a16="http://schemas.microsoft.com/office/drawing/2014/main" id="{CEB1F839-D802-0AB5-51B9-5E05C7A21F9B}"/>
+              </a:ext>
+            </a:extLst>
+          </p:cNvPr>
+          <p:cNvGrpSpPr/>
+          <p:nvPr/>
+        </p:nvGrpSpPr>
+        <p:grpSpPr>
+          <a:xfrm>
+            <a:off x="8296544" y="1498583"/>
+            <a:ext cx="3170490" cy="3860833"/>
+            <a:chOff x="6841936" y="1691226"/>
+            <a:chExt cx="3170490" cy="3860833"/>
+          </a:xfrm>
+        </p:grpSpPr>
+        <p:sp>
+          <p:nvSpPr>
+            <p:cNvPr id="22" name="TextBox 21">
+              <a:extLst>
+                <a:ext uri="{FF2B5EF4-FFF2-40B4-BE49-F238E27FC236}">
+                  <a16:creationId xmlns:a16="http://schemas.microsoft.com/office/drawing/2014/main" id="{111D1B05-288E-FA54-3E35-18F621538953}"/>
+                </a:ext>
+              </a:extLst>
+            </p:cNvPr>
+            <p:cNvSpPr txBox="1"/>
+            <p:nvPr/>
+          </p:nvSpPr>
+          <p:spPr>
+            <a:xfrm>
+              <a:off x="7432423" y="1781796"/>
+              <a:ext cx="2002471" cy="3770263"/>
+            </a:xfrm>
+            <a:prstGeom prst="rect">
+              <a:avLst/>
+            </a:prstGeom>
+            <a:noFill/>
+          </p:spPr>
+          <p:txBody>
+            <a:bodyPr wrap="none" rtlCol="0">
+              <a:spAutoFit/>
+            </a:bodyPr>
+            <a:lstStyle/>
+            <a:p>
+              <a:pPr algn="ctr"/>
+              <a:r>
+                <a:rPr lang="en-GB" sz="23900" dirty="0">
+                  <a:solidFill>
+                    <a:schemeClr val="bg1"/>
+                  </a:solidFill>
+                  <a:latin typeface="Bebas Neue" panose="020B0606020202050201" pitchFamily="34" charset="0"/>
+                </a:rPr>
+                <a:t>AI</a:t>
+              </a:r>
+            </a:p>
+          </p:txBody>
+        </p:sp>
+        <p:sp>
+          <p:nvSpPr>
+            <p:cNvPr id="37" name="TextBox 36">
+              <a:extLst>
+                <a:ext uri="{FF2B5EF4-FFF2-40B4-BE49-F238E27FC236}">
+                  <a16:creationId xmlns:a16="http://schemas.microsoft.com/office/drawing/2014/main" id="{4DED0D4A-94E0-7FB9-AD44-94F9AF7FB30F}"/>
+                </a:ext>
+              </a:extLst>
+            </p:cNvPr>
+            <p:cNvSpPr txBox="1"/>
+            <p:nvPr/>
+          </p:nvSpPr>
+          <p:spPr>
+            <a:xfrm>
+              <a:off x="7564002" y="1691226"/>
+              <a:ext cx="1739311" cy="646331"/>
+            </a:xfrm>
+            <a:prstGeom prst="rect">
+              <a:avLst/>
+            </a:prstGeom>
+            <a:noFill/>
+          </p:spPr>
+          <p:txBody>
+            <a:bodyPr wrap="square" rtlCol="0">
+              <a:spAutoFit/>
+            </a:bodyPr>
+            <a:lstStyle/>
+            <a:p>
+              <a:pPr algn="ctr"/>
+              <a:r>
+                <a:rPr lang="en-GB" sz="3600" b="1" dirty="0">
+                  <a:solidFill>
+                    <a:srgbClr val="FFC000"/>
+                  </a:solidFill>
+                  <a:effectLst>
+                    <a:outerShdw blurRad="127000" dist="63500" dir="2700000" algn="tl" rotWithShape="0">
+                      <a:prstClr val="black">
+                        <a:alpha val="40000"/>
+                      </a:prstClr>
+                    </a:outerShdw>
+                  </a:effectLst>
+                  <a:latin typeface="Montserrat" panose="00000500000000000000" pitchFamily="50" charset="0"/>
+                </a:rPr>
+                <a:t>USING</a:t>
+              </a:r>
+            </a:p>
+          </p:txBody>
+        </p:sp>
+        <p:sp>
+          <p:nvSpPr>
+            <p:cNvPr id="38" name="TextBox 37">
+              <a:extLst>
+                <a:ext uri="{FF2B5EF4-FFF2-40B4-BE49-F238E27FC236}">
+                  <a16:creationId xmlns:a16="http://schemas.microsoft.com/office/drawing/2014/main" id="{A62DF980-3BBA-30A4-D701-8D74DE6A9B9B}"/>
+                </a:ext>
+              </a:extLst>
+            </p:cNvPr>
+            <p:cNvSpPr txBox="1"/>
+            <p:nvPr/>
+          </p:nvSpPr>
+          <p:spPr>
+            <a:xfrm>
+              <a:off x="6841936" y="4692946"/>
+              <a:ext cx="3170490" cy="400110"/>
+            </a:xfrm>
+            <a:prstGeom prst="rect">
+              <a:avLst/>
+            </a:prstGeom>
+            <a:noFill/>
+          </p:spPr>
+          <p:txBody>
+            <a:bodyPr wrap="square" rtlCol="0">
+              <a:spAutoFit/>
+            </a:bodyPr>
+            <a:lstStyle/>
+            <a:p>
+              <a:pPr algn="ctr"/>
+              <a:r>
+                <a:rPr lang="en-GB" sz="2000" b="1" dirty="0">
+                  <a:solidFill>
+                    <a:srgbClr val="FFC000"/>
+                  </a:solidFill>
+                  <a:effectLst>
+                    <a:outerShdw blurRad="127000" dist="63500" dir="2700000" algn="tl" rotWithShape="0">
+                      <a:prstClr val="black">
+                        <a:alpha val="40000"/>
+                      </a:prstClr>
+                    </a:outerShdw>
+                  </a:effectLst>
+                  <a:latin typeface="Montserrat" panose="00000500000000000000" pitchFamily="50" charset="0"/>
+                </a:rPr>
+                <a:t>IN YOUR TEACHING</a:t>
+              </a:r>
+            </a:p>
+          </p:txBody>
+        </p:sp>
+      </p:grpSp>
+      <p:sp>
+        <p:nvSpPr>
+          <p:cNvPr id="39" name="TextBox 38">
+            <a:extLst>
+              <a:ext uri="{FF2B5EF4-FFF2-40B4-BE49-F238E27FC236}">
+                <a16:creationId xmlns:a16="http://schemas.microsoft.com/office/drawing/2014/main" id="{AE87A0C0-D836-332C-DD54-A275910C39CE}"/>
+              </a:ext>
+            </a:extLst>
+          </p:cNvPr>
+          <p:cNvSpPr txBox="1"/>
+          <p:nvPr/>
+        </p:nvSpPr>
+        <p:spPr>
+          <a:xfrm>
+            <a:off x="8123558" y="5359416"/>
+            <a:ext cx="3529413" cy="369332"/>
+          </a:xfrm>
+          <a:prstGeom prst="rect">
+            <a:avLst/>
+          </a:prstGeom>
+          <a:noFill/>
+        </p:spPr>
+        <p:txBody>
+          <a:bodyPr wrap="square" rtlCol="0">
+            <a:spAutoFit/>
+          </a:bodyPr>
+          <a:lstStyle/>
+          <a:p>
+            <a:pPr algn="ctr"/>
+            <a:r>
+              <a:rPr lang="en-GB" dirty="0">
+                <a:solidFill>
+                  <a:srgbClr val="FFC000"/>
+                </a:solidFill>
+                <a:latin typeface="Montserrat" panose="00000500000000000000" pitchFamily="50" charset="0"/>
+              </a:rPr>
+              <a:t>R. Treharne &amp; J. Foster</a:t>
+            </a:r>
+          </a:p>
+        </p:txBody>
+      </p:sp>
+      <p:sp>
+        <p:nvSpPr>
+          <p:cNvPr id="16" name="TextBox 15">
+            <a:extLst>
+              <a:ext uri="{FF2B5EF4-FFF2-40B4-BE49-F238E27FC236}">
+                <a16:creationId xmlns:a16="http://schemas.microsoft.com/office/drawing/2014/main" id="{09E5BD87-1E53-A3F1-C5F2-9CAB717D868D}"/>
+              </a:ext>
+            </a:extLst>
+          </p:cNvPr>
+          <p:cNvSpPr txBox="1"/>
+          <p:nvPr/>
+        </p:nvSpPr>
+        <p:spPr>
+          <a:xfrm>
+            <a:off x="7686802" y="5875132"/>
+            <a:ext cx="4396951" cy="276999"/>
+          </a:xfrm>
+          <a:prstGeom prst="rect">
+            <a:avLst/>
+          </a:prstGeom>
+          <a:noFill/>
+        </p:spPr>
+        <p:txBody>
+          <a:bodyPr wrap="square">
+            <a:spAutoFit/>
+          </a:bodyPr>
+          <a:lstStyle/>
+          <a:p>
+            <a:pPr algn="ctr"/>
+            <a:r>
+              <a:rPr lang="en-GB" sz="1200" dirty="0">
+                <a:solidFill>
+                  <a:srgbClr val="FFC000"/>
+                </a:solidFill>
+                <a:hlinkClick r:id="rId6">
+                  <a:extLst>
+                    <a:ext uri="{A12FA001-AC4F-418D-AE19-62706E023703}">
+                      <ahyp:hlinkClr xmlns:ahyp="http://schemas.microsoft.com/office/drawing/2018/hyperlinkcolor" val="tx"/>
+                    </a:ext>
+                  </a:extLst>
+                </a:hlinkClick>
+              </a:rPr>
+              <a:t>https://tinyurl.com/teaching-with-ai</a:t>
+            </a:r>
+            <a:endParaRPr lang="en-GB" sz="1200" dirty="0">
+              <a:solidFill>
+                <a:srgbClr val="FFC000"/>
+              </a:solidFill>
+            </a:endParaRPr>
+          </a:p>
+        </p:txBody>
+      </p:sp>
+      <p:pic>
+        <p:nvPicPr>
+          <p:cNvPr id="20" name="Picture 19">
+            <a:hlinkClick r:id="rId7"/>
+            <a:extLst>
+              <a:ext uri="{FF2B5EF4-FFF2-40B4-BE49-F238E27FC236}">
+                <a16:creationId xmlns:a16="http://schemas.microsoft.com/office/drawing/2014/main" id="{6BC0AC22-6439-EE38-5700-0420C43E8A2A}"/>
+              </a:ext>
+            </a:extLst>
+          </p:cNvPr>
+          <p:cNvPicPr>
+            <a:picLocks noChangeAspect="1"/>
+          </p:cNvPicPr>
+          <p:nvPr/>
+        </p:nvPicPr>
+        <p:blipFill>
+          <a:blip r:embed="rId8"/>
+          <a:stretch>
+            <a:fillRect/>
+          </a:stretch>
+        </p:blipFill>
+        <p:spPr>
+          <a:xfrm>
+            <a:off x="850665" y="1159761"/>
+            <a:ext cx="6793660" cy="4992370"/>
+          </a:xfrm>
+          <a:prstGeom prst="rect">
+            <a:avLst/>
+          </a:prstGeom>
+        </p:spPr>
+      </p:pic>
+    </p:spTree>
+    <p:extLst>
+      <p:ext uri="{BB962C8B-B14F-4D97-AF65-F5344CB8AC3E}">
+        <p14:creationId xmlns:p14="http://schemas.microsoft.com/office/powerpoint/2010/main" val="1482455721"/>
+      </p:ext>
+    </p:extLst>
+  </p:cSld>
+  <p:clrMapOvr>
+    <a:masterClrMapping/>
+  </p:clrMapOvr>
+  <mc:AlternateContent xmlns:mc="http://schemas.openxmlformats.org/markup-compatibility/2006">
+    <mc:Choice xmlns:p159="http://schemas.microsoft.com/office/powerpoint/2015/09/main" Requires="p159">
+      <p:transition xmlns:p14="http://schemas.microsoft.com/office/powerpoint/2010/main" spd="slow" p14:dur="2000">
+        <p159:morph option="byObject"/>
+      </p:transition>
+    </mc:Choice>
+    <mc:Fallback>
+      <p:transition spd="slow">
+        <p:fade/>
+      </p:transition>
+    </mc:Fallback>
+  </mc:AlternateContent>
+</p:sld>
+</file>
+
+<file path=ppt/slides/slide7.xml><?xml version="1.0" encoding="utf-8"?>
 <p:sld xmlns:a="http://schemas.openxmlformats.org/drawingml/2006/main" xmlns:r="http://schemas.openxmlformats.org/officeDocument/2006/relationships" xmlns:p="http://schemas.openxmlformats.org/presentationml/2006/main" show="0">
   <p:cSld>
     <p:bg>
@@ -15112,7 +18215,7 @@
 </p:sld>
 </file>
 
-<file path=ppt/slides/slide7.xml><?xml version="1.0" encoding="utf-8"?>
+<file path=ppt/slides/slide8.xml><?xml version="1.0" encoding="utf-8"?>
 <p:sld xmlns:a="http://schemas.openxmlformats.org/drawingml/2006/main" xmlns:r="http://schemas.openxmlformats.org/officeDocument/2006/relationships" xmlns:p="http://schemas.openxmlformats.org/presentationml/2006/main" show="0">
   <p:cSld>
     <p:bg>
@@ -15672,7 +18775,7 @@
 </p:sld>
 </file>
 
-<file path=ppt/slides/slide8.xml><?xml version="1.0" encoding="utf-8"?>
+<file path=ppt/slides/slide9.xml><?xml version="1.0" encoding="utf-8"?>
 <p:sld xmlns:a="http://schemas.openxmlformats.org/drawingml/2006/main" xmlns:r="http://schemas.openxmlformats.org/officeDocument/2006/relationships" xmlns:p="http://schemas.openxmlformats.org/presentationml/2006/main" show="0">
   <p:cSld>
     <p:bg>
@@ -16173,562 +19276,6 @@
     <p:extLst>
       <p:ext uri="{BB962C8B-B14F-4D97-AF65-F5344CB8AC3E}">
         <p14:creationId xmlns:p14="http://schemas.microsoft.com/office/powerpoint/2010/main" val="356601164"/>
-      </p:ext>
-    </p:extLst>
-  </p:cSld>
-  <p:clrMapOvr>
-    <a:masterClrMapping/>
-  </p:clrMapOvr>
-</p:sld>
-</file>
-
-<file path=ppt/slides/slide9.xml><?xml version="1.0" encoding="utf-8"?>
-<p:sld xmlns:a="http://schemas.openxmlformats.org/drawingml/2006/main" xmlns:r="http://schemas.openxmlformats.org/officeDocument/2006/relationships" xmlns:p="http://schemas.openxmlformats.org/presentationml/2006/main" show="0">
-  <p:cSld>
-    <p:bg>
-      <p:bgPr>
-        <a:solidFill>
-          <a:srgbClr val="002836"/>
-        </a:solidFill>
-        <a:effectLst/>
-      </p:bgPr>
-    </p:bg>
-    <p:spTree>
-      <p:nvGrpSpPr>
-        <p:cNvPr id="1" name=""/>
-        <p:cNvGrpSpPr/>
-        <p:nvPr/>
-      </p:nvGrpSpPr>
-      <p:grpSpPr>
-        <a:xfrm>
-          <a:off x="0" y="0"/>
-          <a:ext cx="0" cy="0"/>
-          <a:chOff x="0" y="0"/>
-          <a:chExt cx="0" cy="0"/>
-        </a:xfrm>
-      </p:grpSpPr>
-      <p:grpSp>
-        <p:nvGrpSpPr>
-          <p:cNvPr id="8" name="Group 7">
-            <a:extLst>
-              <a:ext uri="{FF2B5EF4-FFF2-40B4-BE49-F238E27FC236}">
-                <a16:creationId xmlns:a16="http://schemas.microsoft.com/office/drawing/2014/main" id="{327B9284-D89D-0309-EF51-91905CAA8B01}"/>
-              </a:ext>
-            </a:extLst>
-          </p:cNvPr>
-          <p:cNvGrpSpPr/>
-          <p:nvPr/>
-        </p:nvGrpSpPr>
-        <p:grpSpPr>
-          <a:xfrm>
-            <a:off x="0" y="0"/>
-            <a:ext cx="11480101" cy="6862224"/>
-            <a:chOff x="0" y="0"/>
-            <a:chExt cx="11480101" cy="6862224"/>
-          </a:xfrm>
-        </p:grpSpPr>
-        <p:grpSp>
-          <p:nvGrpSpPr>
-            <p:cNvPr id="7" name="Group 6">
-              <a:extLst>
-                <a:ext uri="{FF2B5EF4-FFF2-40B4-BE49-F238E27FC236}">
-                  <a16:creationId xmlns:a16="http://schemas.microsoft.com/office/drawing/2014/main" id="{20808E9E-D844-8B08-D7FB-ED1F8DD9EE85}"/>
-                </a:ext>
-              </a:extLst>
-            </p:cNvPr>
-            <p:cNvGrpSpPr/>
-            <p:nvPr/>
-          </p:nvGrpSpPr>
-          <p:grpSpPr>
-            <a:xfrm>
-              <a:off x="0" y="0"/>
-              <a:ext cx="11480101" cy="6858000"/>
-              <a:chOff x="0" y="0"/>
-              <a:chExt cx="11480101" cy="6858000"/>
-            </a:xfrm>
-          </p:grpSpPr>
-          <p:sp>
-            <p:nvSpPr>
-              <p:cNvPr id="2" name="Freeform: Shape 1">
-                <a:extLst>
-                  <a:ext uri="{FF2B5EF4-FFF2-40B4-BE49-F238E27FC236}">
-                    <a16:creationId xmlns:a16="http://schemas.microsoft.com/office/drawing/2014/main" id="{8148ABF2-4113-ACF5-E9FF-FD4B096EC754}"/>
-                  </a:ext>
-                </a:extLst>
-              </p:cNvPr>
-              <p:cNvSpPr/>
-              <p:nvPr/>
-            </p:nvSpPr>
-            <p:spPr>
-              <a:xfrm>
-                <a:off x="0" y="0"/>
-                <a:ext cx="11480101" cy="6858000"/>
-              </a:xfrm>
-              <a:custGeom>
-                <a:avLst/>
-                <a:gdLst>
-                  <a:gd name="connsiteX0" fmla="*/ 0 w 11480101"/>
-                  <a:gd name="connsiteY0" fmla="*/ 0 h 6858000"/>
-                  <a:gd name="connsiteX1" fmla="*/ 10870163 w 11480101"/>
-                  <a:gd name="connsiteY1" fmla="*/ 0 h 6858000"/>
-                  <a:gd name="connsiteX2" fmla="*/ 10870163 w 11480101"/>
-                  <a:gd name="connsiteY2" fmla="*/ 1803138 h 6858000"/>
-                  <a:gd name="connsiteX3" fmla="*/ 11365021 w 11480101"/>
-                  <a:gd name="connsiteY3" fmla="*/ 1803138 h 6858000"/>
-                  <a:gd name="connsiteX4" fmla="*/ 11480101 w 11480101"/>
-                  <a:gd name="connsiteY4" fmla="*/ 1918218 h 6858000"/>
-                  <a:gd name="connsiteX5" fmla="*/ 11480101 w 11480101"/>
-                  <a:gd name="connsiteY5" fmla="*/ 2378524 h 6858000"/>
-                  <a:gd name="connsiteX6" fmla="*/ 11365021 w 11480101"/>
-                  <a:gd name="connsiteY6" fmla="*/ 2493604 h 6858000"/>
-                  <a:gd name="connsiteX7" fmla="*/ 10870163 w 11480101"/>
-                  <a:gd name="connsiteY7" fmla="*/ 2493604 h 6858000"/>
-                  <a:gd name="connsiteX8" fmla="*/ 10870163 w 11480101"/>
-                  <a:gd name="connsiteY8" fmla="*/ 6858000 h 6858000"/>
-                  <a:gd name="connsiteX9" fmla="*/ 0 w 11480101"/>
-                  <a:gd name="connsiteY9" fmla="*/ 6858000 h 6858000"/>
-                </a:gdLst>
-                <a:ahLst/>
-                <a:cxnLst>
-                  <a:cxn ang="0">
-                    <a:pos x="connsiteX0" y="connsiteY0"/>
-                  </a:cxn>
-                  <a:cxn ang="0">
-                    <a:pos x="connsiteX1" y="connsiteY1"/>
-                  </a:cxn>
-                  <a:cxn ang="0">
-                    <a:pos x="connsiteX2" y="connsiteY2"/>
-                  </a:cxn>
-                  <a:cxn ang="0">
-                    <a:pos x="connsiteX3" y="connsiteY3"/>
-                  </a:cxn>
-                  <a:cxn ang="0">
-                    <a:pos x="connsiteX4" y="connsiteY4"/>
-                  </a:cxn>
-                  <a:cxn ang="0">
-                    <a:pos x="connsiteX5" y="connsiteY5"/>
-                  </a:cxn>
-                  <a:cxn ang="0">
-                    <a:pos x="connsiteX6" y="connsiteY6"/>
-                  </a:cxn>
-                  <a:cxn ang="0">
-                    <a:pos x="connsiteX7" y="connsiteY7"/>
-                  </a:cxn>
-                  <a:cxn ang="0">
-                    <a:pos x="connsiteX8" y="connsiteY8"/>
-                  </a:cxn>
-                  <a:cxn ang="0">
-                    <a:pos x="connsiteX9" y="connsiteY9"/>
-                  </a:cxn>
-                </a:cxnLst>
-                <a:rect l="l" t="t" r="r" b="b"/>
-                <a:pathLst>
-                  <a:path w="11480101" h="6858000">
-                    <a:moveTo>
-                      <a:pt x="0" y="0"/>
-                    </a:moveTo>
-                    <a:lnTo>
-                      <a:pt x="10870163" y="0"/>
-                    </a:lnTo>
-                    <a:lnTo>
-                      <a:pt x="10870163" y="1803138"/>
-                    </a:lnTo>
-                    <a:lnTo>
-                      <a:pt x="11365021" y="1803138"/>
-                    </a:lnTo>
-                    <a:cubicBezTo>
-                      <a:pt x="11428578" y="1803138"/>
-                      <a:pt x="11480101" y="1854661"/>
-                      <a:pt x="11480101" y="1918218"/>
-                    </a:cubicBezTo>
-                    <a:lnTo>
-                      <a:pt x="11480101" y="2378524"/>
-                    </a:lnTo>
-                    <a:cubicBezTo>
-                      <a:pt x="11480101" y="2442081"/>
-                      <a:pt x="11428578" y="2493604"/>
-                      <a:pt x="11365021" y="2493604"/>
-                    </a:cubicBezTo>
-                    <a:lnTo>
-                      <a:pt x="10870163" y="2493604"/>
-                    </a:lnTo>
-                    <a:lnTo>
-                      <a:pt x="10870163" y="6858000"/>
-                    </a:lnTo>
-                    <a:lnTo>
-                      <a:pt x="0" y="6858000"/>
-                    </a:lnTo>
-                    <a:close/>
-                  </a:path>
-                </a:pathLst>
-              </a:custGeom>
-              <a:solidFill>
-                <a:srgbClr val="75DBFF"/>
-              </a:solidFill>
-              <a:ln>
-                <a:noFill/>
-              </a:ln>
-              <a:effectLst>
-                <a:outerShdw blurRad="127000" dist="63500" algn="l" rotWithShape="0">
-                  <a:prstClr val="black">
-                    <a:alpha val="40000"/>
-                  </a:prstClr>
-                </a:outerShdw>
-              </a:effectLst>
-            </p:spPr>
-            <p:style>
-              <a:lnRef idx="2">
-                <a:schemeClr val="accent1">
-                  <a:shade val="15000"/>
-                </a:schemeClr>
-              </a:lnRef>
-              <a:fillRef idx="1">
-                <a:schemeClr val="accent1"/>
-              </a:fillRef>
-              <a:effectRef idx="0">
-                <a:schemeClr val="accent1"/>
-              </a:effectRef>
-              <a:fontRef idx="minor">
-                <a:schemeClr val="lt1"/>
-              </a:fontRef>
-            </p:style>
-            <p:txBody>
-              <a:bodyPr wrap="square" rtlCol="0" anchor="ctr">
-                <a:noAutofit/>
-              </a:bodyPr>
-              <a:lstStyle/>
-              <a:p>
-                <a:pPr algn="ctr"/>
-                <a:endParaRPr lang="en-GB" dirty="0"/>
-              </a:p>
-            </p:txBody>
-          </p:sp>
-          <p:sp>
-            <p:nvSpPr>
-              <p:cNvPr id="4" name="TextBox 3">
-                <a:extLst>
-                  <a:ext uri="{FF2B5EF4-FFF2-40B4-BE49-F238E27FC236}">
-                    <a16:creationId xmlns:a16="http://schemas.microsoft.com/office/drawing/2014/main" id="{7E8C6D06-E460-95C5-BF7D-ED2300C74A49}"/>
-                  </a:ext>
-                </a:extLst>
-              </p:cNvPr>
-              <p:cNvSpPr txBox="1"/>
-              <p:nvPr/>
-            </p:nvSpPr>
-            <p:spPr>
-              <a:xfrm>
-                <a:off x="7240562" y="438539"/>
-                <a:ext cx="2724539" cy="1862048"/>
-              </a:xfrm>
-              <a:prstGeom prst="rect">
-                <a:avLst/>
-              </a:prstGeom>
-              <a:noFill/>
-            </p:spPr>
-            <p:txBody>
-              <a:bodyPr wrap="square" rtlCol="0">
-                <a:spAutoFit/>
-              </a:bodyPr>
-              <a:lstStyle/>
-              <a:p>
-                <a:r>
-                  <a:rPr lang="en-GB" sz="11500" b="1" dirty="0">
-                    <a:solidFill>
-                      <a:schemeClr val="bg1">
-                        <a:alpha val="25000"/>
-                      </a:schemeClr>
-                    </a:solidFill>
-                    <a:latin typeface="Montserrat" panose="00000500000000000000" pitchFamily="50" charset="0"/>
-                  </a:rPr>
-                  <a:t>04</a:t>
-                </a:r>
-              </a:p>
-            </p:txBody>
-          </p:sp>
-          <p:sp>
-            <p:nvSpPr>
-              <p:cNvPr id="5" name="TextBox 4">
-                <a:extLst>
-                  <a:ext uri="{FF2B5EF4-FFF2-40B4-BE49-F238E27FC236}">
-                    <a16:creationId xmlns:a16="http://schemas.microsoft.com/office/drawing/2014/main" id="{8DB17E6E-F5C2-A2D0-DFDB-ABE53822E589}"/>
-                  </a:ext>
-                </a:extLst>
-              </p:cNvPr>
-              <p:cNvSpPr txBox="1"/>
-              <p:nvPr/>
-            </p:nvSpPr>
-            <p:spPr>
-              <a:xfrm>
-                <a:off x="7128593" y="1724218"/>
-                <a:ext cx="2724539" cy="369332"/>
-              </a:xfrm>
-              <a:prstGeom prst="rect">
-                <a:avLst/>
-              </a:prstGeom>
-              <a:noFill/>
-            </p:spPr>
-            <p:txBody>
-              <a:bodyPr wrap="square" rtlCol="0">
-                <a:spAutoFit/>
-              </a:bodyPr>
-              <a:lstStyle/>
-              <a:p>
-                <a:r>
-                  <a:rPr lang="en-GB" b="1" dirty="0">
-                    <a:solidFill>
-                      <a:schemeClr val="bg1"/>
-                    </a:solidFill>
-                    <a:latin typeface="Montserrat" panose="00000500000000000000" pitchFamily="50" charset="0"/>
-                  </a:rPr>
-                  <a:t>Assistive Feedback</a:t>
-                </a:r>
-              </a:p>
-            </p:txBody>
-          </p:sp>
-          <p:sp>
-            <p:nvSpPr>
-              <p:cNvPr id="6" name="TextBox 5">
-                <a:extLst>
-                  <a:ext uri="{FF2B5EF4-FFF2-40B4-BE49-F238E27FC236}">
-                    <a16:creationId xmlns:a16="http://schemas.microsoft.com/office/drawing/2014/main" id="{7D07DC9C-8C1B-4F69-EBB8-C9F615890FE0}"/>
-                  </a:ext>
-                </a:extLst>
-              </p:cNvPr>
-              <p:cNvSpPr txBox="1"/>
-              <p:nvPr/>
-            </p:nvSpPr>
-            <p:spPr>
-              <a:xfrm>
-                <a:off x="10935478" y="1908884"/>
-                <a:ext cx="516633" cy="523220"/>
-              </a:xfrm>
-              <a:prstGeom prst="rect">
-                <a:avLst/>
-              </a:prstGeom>
-              <a:noFill/>
-            </p:spPr>
-            <p:txBody>
-              <a:bodyPr wrap="square" rtlCol="0">
-                <a:spAutoFit/>
-              </a:bodyPr>
-              <a:lstStyle/>
-              <a:p>
-                <a:r>
-                  <a:rPr lang="en-GB" sz="2800" b="1" dirty="0">
-                    <a:solidFill>
-                      <a:srgbClr val="19C3FF"/>
-                    </a:solidFill>
-                    <a:latin typeface="Montserrat" panose="00000500000000000000" pitchFamily="50" charset="0"/>
-                  </a:rPr>
-                  <a:t>4</a:t>
-                </a:r>
-              </a:p>
-            </p:txBody>
-          </p:sp>
-        </p:grpSp>
-        <p:sp>
-          <p:nvSpPr>
-            <p:cNvPr id="3" name="TextBox 2">
-              <a:extLst>
-                <a:ext uri="{FF2B5EF4-FFF2-40B4-BE49-F238E27FC236}">
-                  <a16:creationId xmlns:a16="http://schemas.microsoft.com/office/drawing/2014/main" id="{D5F64C22-B776-F021-5B24-3D080A8BFB3E}"/>
-                </a:ext>
-              </a:extLst>
-            </p:cNvPr>
-            <p:cNvSpPr txBox="1"/>
-            <p:nvPr/>
-          </p:nvSpPr>
-          <p:spPr>
-            <a:xfrm>
-              <a:off x="6755363" y="2337909"/>
-              <a:ext cx="3592285" cy="4524315"/>
-            </a:xfrm>
-            <a:prstGeom prst="rect">
-              <a:avLst/>
-            </a:prstGeom>
-            <a:noFill/>
-          </p:spPr>
-          <p:txBody>
-            <a:bodyPr wrap="square" rtlCol="0">
-              <a:spAutoFit/>
-            </a:bodyPr>
-            <a:lstStyle/>
-            <a:p>
-              <a:pPr algn="ctr"/>
-              <a:r>
-                <a:rPr lang="en-GB" sz="1600" dirty="0">
-                  <a:solidFill>
-                    <a:schemeClr val="bg1"/>
-                  </a:solidFill>
-                  <a:latin typeface="Montserrat" panose="00000500000000000000" pitchFamily="50" charset="0"/>
-                </a:rPr>
-                <a:t>Automate feedback provided on coursework submissions via Canvas/ChatGPT.</a:t>
-              </a:r>
-            </a:p>
-            <a:p>
-              <a:pPr algn="ctr"/>
-              <a:endParaRPr lang="en-GB" sz="1600" dirty="0">
-                <a:solidFill>
-                  <a:schemeClr val="bg1"/>
-                </a:solidFill>
-                <a:latin typeface="Montserrat" panose="00000500000000000000" pitchFamily="50" charset="0"/>
-              </a:endParaRPr>
-            </a:p>
-            <a:p>
-              <a:pPr algn="ctr"/>
-              <a:r>
-                <a:rPr lang="en-GB" sz="1600" dirty="0">
-                  <a:solidFill>
-                    <a:schemeClr val="bg1"/>
-                  </a:solidFill>
-                  <a:latin typeface="Montserrat" panose="00000500000000000000" pitchFamily="50" charset="0"/>
-                </a:rPr>
-                <a:t>Referencing criteria only!</a:t>
-              </a:r>
-            </a:p>
-            <a:p>
-              <a:pPr algn="ctr"/>
-              <a:endParaRPr lang="en-GB" sz="1600" dirty="0">
-                <a:solidFill>
-                  <a:schemeClr val="bg1"/>
-                </a:solidFill>
-                <a:latin typeface="Montserrat" panose="00000500000000000000" pitchFamily="50" charset="0"/>
-              </a:endParaRPr>
-            </a:p>
-            <a:p>
-              <a:pPr algn="ctr"/>
-              <a:r>
-                <a:rPr lang="en-GB" sz="1600" dirty="0">
-                  <a:solidFill>
-                    <a:schemeClr val="bg1"/>
-                  </a:solidFill>
-                  <a:latin typeface="Montserrat" panose="00000500000000000000" pitchFamily="50" charset="0"/>
-                </a:rPr>
-                <a:t>Improving student experience.</a:t>
-              </a:r>
-            </a:p>
-            <a:p>
-              <a:pPr algn="ctr"/>
-              <a:endParaRPr lang="en-GB" sz="1600" dirty="0">
-                <a:solidFill>
-                  <a:schemeClr val="bg1"/>
-                </a:solidFill>
-                <a:latin typeface="Montserrat" panose="00000500000000000000" pitchFamily="50" charset="0"/>
-              </a:endParaRPr>
-            </a:p>
-            <a:p>
-              <a:pPr algn="ctr"/>
-              <a:r>
-                <a:rPr lang="en-GB" sz="1600" dirty="0">
-                  <a:solidFill>
-                    <a:schemeClr val="bg1"/>
-                  </a:solidFill>
-                  <a:latin typeface="Montserrat" panose="00000500000000000000" pitchFamily="50" charset="0"/>
-                </a:rPr>
-                <a:t>Increasing consistency across large groups of markers.</a:t>
-              </a:r>
-            </a:p>
-            <a:p>
-              <a:pPr algn="ctr"/>
-              <a:endParaRPr lang="en-GB" sz="1600" dirty="0">
-                <a:solidFill>
-                  <a:schemeClr val="bg1"/>
-                </a:solidFill>
-                <a:latin typeface="Montserrat" panose="00000500000000000000" pitchFamily="50" charset="0"/>
-              </a:endParaRPr>
-            </a:p>
-            <a:p>
-              <a:pPr algn="ctr"/>
-              <a:r>
-                <a:rPr lang="en-GB" sz="1600" b="1" dirty="0">
-                  <a:solidFill>
-                    <a:schemeClr val="bg1"/>
-                  </a:solidFill>
-                  <a:latin typeface="Montserrat" panose="00000500000000000000" pitchFamily="50" charset="0"/>
-                </a:rPr>
-                <a:t>Example: Assistive Feedback Tool</a:t>
-              </a:r>
-            </a:p>
-            <a:p>
-              <a:pPr algn="ctr"/>
-              <a:endParaRPr lang="en-GB" sz="1600" dirty="0">
-                <a:solidFill>
-                  <a:schemeClr val="bg1"/>
-                </a:solidFill>
-                <a:latin typeface="Montserrat" panose="00000500000000000000" pitchFamily="50" charset="0"/>
-              </a:endParaRPr>
-            </a:p>
-            <a:p>
-              <a:pPr algn="ctr"/>
-              <a:r>
-                <a:rPr lang="en-GB" sz="1600" dirty="0">
-                  <a:solidFill>
-                    <a:schemeClr val="bg1"/>
-                  </a:solidFill>
-                  <a:latin typeface="Montserrat" panose="00000500000000000000" pitchFamily="50" charset="0"/>
-                </a:rPr>
-                <a:t>[</a:t>
-              </a:r>
-              <a:r>
-                <a:rPr lang="en-GB" sz="1600" dirty="0">
-                  <a:solidFill>
-                    <a:schemeClr val="bg1"/>
-                  </a:solidFill>
-                  <a:latin typeface="Montserrat" panose="00000500000000000000" pitchFamily="50" charset="0"/>
-                  <a:hlinkClick r:id="rId2">
-                    <a:extLst>
-                      <a:ext uri="{A12FA001-AC4F-418D-AE19-62706E023703}">
-                        <ahyp:hlinkClr xmlns:ahyp="http://schemas.microsoft.com/office/drawing/2018/hyperlinkcolor" val="tx"/>
-                      </a:ext>
-                    </a:extLst>
-                  </a:hlinkClick>
-                </a:rPr>
-                <a:t>Link to Video Overview</a:t>
-              </a:r>
-              <a:r>
-                <a:rPr lang="en-GB" sz="1600" dirty="0">
-                  <a:solidFill>
-                    <a:schemeClr val="bg1"/>
-                  </a:solidFill>
-                  <a:latin typeface="Montserrat" panose="00000500000000000000" pitchFamily="50" charset="0"/>
-                </a:rPr>
-                <a:t>]</a:t>
-              </a:r>
-            </a:p>
-            <a:p>
-              <a:pPr algn="ctr"/>
-              <a:endParaRPr lang="en-GB" sz="1600" dirty="0">
-                <a:solidFill>
-                  <a:schemeClr val="bg1"/>
-                </a:solidFill>
-                <a:latin typeface="Montserrat" panose="00000500000000000000" pitchFamily="50" charset="0"/>
-              </a:endParaRPr>
-            </a:p>
-            <a:p>
-              <a:pPr algn="ctr"/>
-              <a:endParaRPr lang="en-GB" sz="1600" dirty="0">
-                <a:solidFill>
-                  <a:schemeClr val="bg1"/>
-                </a:solidFill>
-                <a:latin typeface="Montserrat" panose="00000500000000000000" pitchFamily="50" charset="0"/>
-              </a:endParaRPr>
-            </a:p>
-            <a:p>
-              <a:pPr algn="ctr"/>
-              <a:endParaRPr lang="en-GB" sz="1600" dirty="0">
-                <a:solidFill>
-                  <a:schemeClr val="bg1"/>
-                </a:solidFill>
-                <a:latin typeface="Montserrat" panose="00000500000000000000" pitchFamily="50" charset="0"/>
-              </a:endParaRPr>
-            </a:p>
-          </p:txBody>
-        </p:sp>
-      </p:grpSp>
-    </p:spTree>
-    <p:extLst>
-      <p:ext uri="{BB962C8B-B14F-4D97-AF65-F5344CB8AC3E}">
-        <p14:creationId xmlns:p14="http://schemas.microsoft.com/office/powerpoint/2010/main" val="1778377519"/>
       </p:ext>
     </p:extLst>
   </p:cSld>

--- a/teaching-with-ai.pptx
+++ b/teaching-with-ai.pptx
@@ -1,6 +1,6 @@
 
 <file path=ppt/presentation.xml><?xml version="1.0" encoding="utf-8"?>
-<p:presentation xmlns:a="http://schemas.openxmlformats.org/drawingml/2006/main" xmlns:r="http://schemas.openxmlformats.org/officeDocument/2006/relationships" xmlns:p="http://schemas.openxmlformats.org/presentationml/2006/main" saveSubsetFonts="1">
+<p:presentation xmlns:a="http://schemas.openxmlformats.org/drawingml/2006/main" xmlns:r="http://schemas.openxmlformats.org/officeDocument/2006/relationships" xmlns:p="http://schemas.openxmlformats.org/presentationml/2006/main" embedTrueTypeFonts="1">
   <p:sldMasterIdLst>
     <p:sldMasterId id="2147483648" r:id="rId1"/>
   </p:sldMasterIdLst>
@@ -18,6 +18,19 @@
   </p:sldIdLst>
   <p:sldSz cx="12192000" cy="6858000"/>
   <p:notesSz cx="6858000" cy="9144000"/>
+  <p:embeddedFontLst>
+    <p:embeddedFont>
+      <p:font typeface="Bebas Neue" panose="020B0606020202050201" pitchFamily="34" charset="0"/>
+      <p:regular r:id="rId12"/>
+    </p:embeddedFont>
+    <p:embeddedFont>
+      <p:font typeface="Montserrat" panose="00000500000000000000" pitchFamily="50" charset="0"/>
+      <p:regular r:id="rId13"/>
+      <p:bold r:id="rId14"/>
+      <p:italic r:id="rId15"/>
+      <p:boldItalic r:id="rId16"/>
+    </p:embeddedFont>
+  </p:embeddedFontLst>
   <p:defaultTextStyle>
     <a:defPPr>
       <a:defRPr lang="en-US"/>
@@ -8430,13 +8443,13 @@
   <p:clrMapOvr>
     <a:masterClrMapping/>
   </p:clrMapOvr>
-  <mc:AlternateContent xmlns:mc="http://schemas.openxmlformats.org/markup-compatibility/2006">
-    <mc:Choice xmlns:p159="http://schemas.microsoft.com/office/powerpoint/2015/09/main" Requires="p159">
+  <mc:AlternateContent xmlns:mc="http://schemas.openxmlformats.org/markup-compatibility/2006" xmlns:p159="http://schemas.microsoft.com/office/powerpoint/2015/09/main">
+    <mc:Choice Requires="p159">
       <p:transition xmlns:p14="http://schemas.microsoft.com/office/powerpoint/2010/main" spd="slow" p14:dur="2000">
         <p159:morph option="byObject"/>
       </p:transition>
     </mc:Choice>
-    <mc:Fallback>
+    <mc:Fallback xmlns="">
       <p:transition spd="slow">
         <p:fade/>
       </p:transition>
@@ -10737,13 +10750,13 @@
   <p:clrMapOvr>
     <a:masterClrMapping/>
   </p:clrMapOvr>
-  <mc:AlternateContent xmlns:mc="http://schemas.openxmlformats.org/markup-compatibility/2006">
-    <mc:Choice xmlns:p159="http://schemas.microsoft.com/office/powerpoint/2015/09/main" Requires="p159">
+  <mc:AlternateContent xmlns:mc="http://schemas.openxmlformats.org/markup-compatibility/2006" xmlns:p159="http://schemas.microsoft.com/office/powerpoint/2015/09/main">
+    <mc:Choice Requires="p159">
       <p:transition xmlns:p14="http://schemas.microsoft.com/office/powerpoint/2010/main" spd="slow" p14:dur="2000">
         <p159:morph option="byObject"/>
       </p:transition>
     </mc:Choice>
-    <mc:Fallback>
+    <mc:Fallback xmlns="">
       <p:transition spd="slow">
         <p:fade/>
       </p:transition>
@@ -12003,8 +12016,8 @@
             </p:nvSpPr>
             <p:spPr>
               <a:xfrm>
-                <a:off x="7324529" y="475861"/>
-                <a:ext cx="2052734" cy="1862048"/>
+                <a:off x="6440222" y="475861"/>
+                <a:ext cx="3914247" cy="1862048"/>
               </a:xfrm>
               <a:prstGeom prst="rect">
                 <a:avLst/>
@@ -12017,6 +12030,7 @@
               </a:bodyPr>
               <a:lstStyle/>
               <a:p>
+                <a:pPr algn="ctr"/>
                 <a:r>
                   <a:rPr lang="en-GB" sz="11500" b="1" dirty="0">
                     <a:solidFill>
@@ -12045,8 +12059,8 @@
             </p:nvSpPr>
             <p:spPr>
               <a:xfrm>
-                <a:off x="6643400" y="1791478"/>
-                <a:ext cx="3704248" cy="369332"/>
+                <a:off x="6433401" y="1791478"/>
+                <a:ext cx="3914247" cy="369332"/>
               </a:xfrm>
               <a:prstGeom prst="rect">
                 <a:avLst/>
@@ -12059,6 +12073,7 @@
               </a:bodyPr>
               <a:lstStyle/>
               <a:p>
+                <a:pPr algn="ctr"/>
                 <a:r>
                   <a:rPr lang="en-GB" b="1" dirty="0">
                     <a:solidFill>
@@ -13044,13 +13059,13 @@
   <p:clrMapOvr>
     <a:masterClrMapping/>
   </p:clrMapOvr>
-  <mc:AlternateContent xmlns:mc="http://schemas.openxmlformats.org/markup-compatibility/2006">
-    <mc:Choice xmlns:p159="http://schemas.microsoft.com/office/powerpoint/2015/09/main" Requires="p159">
+  <mc:AlternateContent xmlns:mc="http://schemas.openxmlformats.org/markup-compatibility/2006" xmlns:p159="http://schemas.microsoft.com/office/powerpoint/2015/09/main">
+    <mc:Choice Requires="p159">
       <p:transition xmlns:p14="http://schemas.microsoft.com/office/powerpoint/2010/main" spd="slow" p14:dur="2000">
         <p159:morph option="byObject"/>
       </p:transition>
     </mc:Choice>
-    <mc:Fallback>
+    <mc:Fallback xmlns="">
       <p:transition spd="slow">
         <p:fade/>
       </p:transition>
@@ -14782,8 +14797,8 @@
             </p:nvSpPr>
             <p:spPr>
               <a:xfrm>
-                <a:off x="7240562" y="438539"/>
-                <a:ext cx="2724539" cy="1862048"/>
+                <a:off x="6580912" y="438539"/>
+                <a:ext cx="3997862" cy="1862048"/>
               </a:xfrm>
               <a:prstGeom prst="rect">
                 <a:avLst/>
@@ -14796,6 +14811,7 @@
               </a:bodyPr>
               <a:lstStyle/>
               <a:p>
+                <a:pPr algn="ctr"/>
                 <a:r>
                   <a:rPr lang="en-GB" sz="11500" b="1" dirty="0">
                     <a:solidFill>
@@ -14824,8 +14840,8 @@
             </p:nvSpPr>
             <p:spPr>
               <a:xfrm>
-                <a:off x="7128593" y="1724218"/>
-                <a:ext cx="2724539" cy="369332"/>
+                <a:off x="6724347" y="1724218"/>
+                <a:ext cx="3854427" cy="369332"/>
               </a:xfrm>
               <a:prstGeom prst="rect">
                 <a:avLst/>
@@ -14838,6 +14854,7 @@
               </a:bodyPr>
               <a:lstStyle/>
               <a:p>
+                <a:pPr algn="ctr"/>
                 <a:r>
                   <a:rPr lang="en-GB" b="1" dirty="0">
                     <a:solidFill>
@@ -15351,13 +15368,13 @@
   <p:clrMapOvr>
     <a:masterClrMapping/>
   </p:clrMapOvr>
-  <mc:AlternateContent xmlns:mc="http://schemas.openxmlformats.org/markup-compatibility/2006">
-    <mc:Choice xmlns:p159="http://schemas.microsoft.com/office/powerpoint/2015/09/main" Requires="p159">
+  <mc:AlternateContent xmlns:mc="http://schemas.openxmlformats.org/markup-compatibility/2006" xmlns:p159="http://schemas.microsoft.com/office/powerpoint/2015/09/main">
+    <mc:Choice Requires="p159">
       <p:transition xmlns:p14="http://schemas.microsoft.com/office/powerpoint/2010/main" spd="slow" p14:dur="2000">
         <p159:morph option="byObject"/>
       </p:transition>
     </mc:Choice>
-    <mc:Fallback>
+    <mc:Fallback xmlns="">
       <p:transition spd="slow">
         <p:fade/>
       </p:transition>
@@ -17689,13 +17706,13 @@
   <p:clrMapOvr>
     <a:masterClrMapping/>
   </p:clrMapOvr>
-  <mc:AlternateContent xmlns:mc="http://schemas.openxmlformats.org/markup-compatibility/2006">
-    <mc:Choice xmlns:p159="http://schemas.microsoft.com/office/powerpoint/2015/09/main" Requires="p159">
+  <mc:AlternateContent xmlns:mc="http://schemas.openxmlformats.org/markup-compatibility/2006" xmlns:p159="http://schemas.microsoft.com/office/powerpoint/2015/09/main">
+    <mc:Choice Requires="p159">
       <p:transition xmlns:p14="http://schemas.microsoft.com/office/powerpoint/2010/main" spd="slow" p14:dur="2000">
         <p159:morph option="byObject"/>
       </p:transition>
     </mc:Choice>
-    <mc:Fallback>
+    <mc:Fallback xmlns="">
       <p:transition spd="slow">
         <p:fade/>
       </p:transition>

--- a/teaching-with-ai.pptx
+++ b/teaching-with-ai.pptx
@@ -283,7 +283,7 @@
           <a:p>
             <a:fld id="{EB636AA6-72B5-42F0-8282-8CBD373B88BE}" type="datetimeFigureOut">
               <a:rPr lang="en-GB" smtClean="0"/>
-              <a:t>06/03/2024</a:t>
+              <a:t>07/03/2024</a:t>
             </a:fld>
             <a:endParaRPr lang="en-GB"/>
           </a:p>
@@ -483,7 +483,7 @@
           <a:p>
             <a:fld id="{EB636AA6-72B5-42F0-8282-8CBD373B88BE}" type="datetimeFigureOut">
               <a:rPr lang="en-GB" smtClean="0"/>
-              <a:t>06/03/2024</a:t>
+              <a:t>07/03/2024</a:t>
             </a:fld>
             <a:endParaRPr lang="en-GB"/>
           </a:p>
@@ -693,7 +693,7 @@
           <a:p>
             <a:fld id="{EB636AA6-72B5-42F0-8282-8CBD373B88BE}" type="datetimeFigureOut">
               <a:rPr lang="en-GB" smtClean="0"/>
-              <a:t>06/03/2024</a:t>
+              <a:t>07/03/2024</a:t>
             </a:fld>
             <a:endParaRPr lang="en-GB"/>
           </a:p>
@@ -893,7 +893,7 @@
           <a:p>
             <a:fld id="{EB636AA6-72B5-42F0-8282-8CBD373B88BE}" type="datetimeFigureOut">
               <a:rPr lang="en-GB" smtClean="0"/>
-              <a:t>06/03/2024</a:t>
+              <a:t>07/03/2024</a:t>
             </a:fld>
             <a:endParaRPr lang="en-GB"/>
           </a:p>
@@ -1169,7 +1169,7 @@
           <a:p>
             <a:fld id="{EB636AA6-72B5-42F0-8282-8CBD373B88BE}" type="datetimeFigureOut">
               <a:rPr lang="en-GB" smtClean="0"/>
-              <a:t>06/03/2024</a:t>
+              <a:t>07/03/2024</a:t>
             </a:fld>
             <a:endParaRPr lang="en-GB"/>
           </a:p>
@@ -1437,7 +1437,7 @@
           <a:p>
             <a:fld id="{EB636AA6-72B5-42F0-8282-8CBD373B88BE}" type="datetimeFigureOut">
               <a:rPr lang="en-GB" smtClean="0"/>
-              <a:t>06/03/2024</a:t>
+              <a:t>07/03/2024</a:t>
             </a:fld>
             <a:endParaRPr lang="en-GB"/>
           </a:p>
@@ -1852,7 +1852,7 @@
           <a:p>
             <a:fld id="{EB636AA6-72B5-42F0-8282-8CBD373B88BE}" type="datetimeFigureOut">
               <a:rPr lang="en-GB" smtClean="0"/>
-              <a:t>06/03/2024</a:t>
+              <a:t>07/03/2024</a:t>
             </a:fld>
             <a:endParaRPr lang="en-GB"/>
           </a:p>
@@ -1994,7 +1994,7 @@
           <a:p>
             <a:fld id="{EB636AA6-72B5-42F0-8282-8CBD373B88BE}" type="datetimeFigureOut">
               <a:rPr lang="en-GB" smtClean="0"/>
-              <a:t>06/03/2024</a:t>
+              <a:t>07/03/2024</a:t>
             </a:fld>
             <a:endParaRPr lang="en-GB"/>
           </a:p>
@@ -2107,7 +2107,7 @@
           <a:p>
             <a:fld id="{EB636AA6-72B5-42F0-8282-8CBD373B88BE}" type="datetimeFigureOut">
               <a:rPr lang="en-GB" smtClean="0"/>
-              <a:t>06/03/2024</a:t>
+              <a:t>07/03/2024</a:t>
             </a:fld>
             <a:endParaRPr lang="en-GB"/>
           </a:p>
@@ -2420,7 +2420,7 @@
           <a:p>
             <a:fld id="{EB636AA6-72B5-42F0-8282-8CBD373B88BE}" type="datetimeFigureOut">
               <a:rPr lang="en-GB" smtClean="0"/>
-              <a:t>06/03/2024</a:t>
+              <a:t>07/03/2024</a:t>
             </a:fld>
             <a:endParaRPr lang="en-GB"/>
           </a:p>
@@ -2709,7 +2709,7 @@
           <a:p>
             <a:fld id="{EB636AA6-72B5-42F0-8282-8CBD373B88BE}" type="datetimeFigureOut">
               <a:rPr lang="en-GB" smtClean="0"/>
-              <a:t>06/03/2024</a:t>
+              <a:t>07/03/2024</a:t>
             </a:fld>
             <a:endParaRPr lang="en-GB"/>
           </a:p>
@@ -2952,7 +2952,7 @@
           <a:p>
             <a:fld id="{EB636AA6-72B5-42F0-8282-8CBD373B88BE}" type="datetimeFigureOut">
               <a:rPr lang="en-GB" smtClean="0"/>
-              <a:t>06/03/2024</a:t>
+              <a:t>07/03/2024</a:t>
             </a:fld>
             <a:endParaRPr lang="en-GB"/>
           </a:p>
@@ -12295,9 +12295,9 @@
         <p:grpSpPr>
           <a:xfrm>
             <a:off x="-10305705" y="-4224"/>
-            <a:ext cx="11480101" cy="6862224"/>
+            <a:ext cx="11480101" cy="7108446"/>
             <a:chOff x="0" y="0"/>
-            <a:chExt cx="11480101" cy="6862224"/>
+            <a:chExt cx="11480101" cy="7108446"/>
           </a:xfrm>
         </p:grpSpPr>
         <p:grpSp>
@@ -12614,7 +12614,7 @@
           <p:spPr>
             <a:xfrm>
               <a:off x="6755363" y="2337909"/>
-              <a:ext cx="3592285" cy="4524315"/>
+              <a:ext cx="3592285" cy="4770537"/>
             </a:xfrm>
             <a:prstGeom prst="rect">
               <a:avLst/>
@@ -12724,7 +12724,7 @@
             </a:p>
             <a:p>
               <a:pPr algn="ctr"/>
-              <a:endParaRPr lang="en-GB" sz="1600" dirty="0">
+              <a:endParaRPr lang="en-GB" sz="1600" b="1" dirty="0">
                 <a:solidFill>
                   <a:schemeClr val="bg1"/>
                 </a:solidFill>
@@ -12734,7 +12734,7 @@
             <a:p>
               <a:pPr algn="ctr"/>
               <a:r>
-                <a:rPr lang="en-GB" sz="1600" dirty="0">
+                <a:rPr lang="en-GB" sz="1600" b="1" dirty="0">
                   <a:solidFill>
                     <a:schemeClr val="bg1"/>
                   </a:solidFill>
@@ -12743,7 +12743,7 @@
                 <a:t>[</a:t>
               </a:r>
               <a:r>
-                <a:rPr lang="en-GB" sz="1600" dirty="0">
+                <a:rPr lang="en-GB" sz="1600" b="1" dirty="0">
                   <a:solidFill>
                     <a:schemeClr val="bg1"/>
                   </a:solidFill>
@@ -12759,7 +12759,44 @@
                 <a:t>Link to Video Overview</a:t>
               </a:r>
               <a:r>
-                <a:rPr lang="en-GB" sz="1600" dirty="0">
+                <a:rPr lang="en-GB" sz="1600" b="1" dirty="0">
+                  <a:solidFill>
+                    <a:schemeClr val="bg1"/>
+                  </a:solidFill>
+                  <a:latin typeface="Montserrat" panose="00000500000000000000" pitchFamily="50" charset="0"/>
+                </a:rPr>
+                <a:t>]</a:t>
+              </a:r>
+            </a:p>
+            <a:p>
+              <a:pPr algn="ctr"/>
+              <a:r>
+                <a:rPr lang="en-GB" sz="1600" b="1" dirty="0">
+                  <a:solidFill>
+                    <a:schemeClr val="bg1"/>
+                  </a:solidFill>
+                  <a:latin typeface="Montserrat" panose="00000500000000000000" pitchFamily="50" charset="0"/>
+                </a:rPr>
+                <a:t>[</a:t>
+              </a:r>
+              <a:r>
+                <a:rPr lang="en-GB" sz="1600" b="1" dirty="0">
+                  <a:solidFill>
+                    <a:schemeClr val="bg1"/>
+                  </a:solidFill>
+                  <a:latin typeface="Montserrat" panose="00000500000000000000" pitchFamily="50" charset="0"/>
+                  <a:hlinkClick r:id="rId6">
+                    <a:extLst>
+                      <a:ext uri="{A12FA001-AC4F-418D-AE19-62706E023703}">
+                        <ahyp:hlinkClr xmlns:ahyp="http://schemas.microsoft.com/office/drawing/2018/hyperlinkcolor" val="tx"/>
+                      </a:ext>
+                    </a:extLst>
+                  </a:hlinkClick>
+                </a:rPr>
+                <a:t>Link to Tool</a:t>
+              </a:r>
+              <a:r>
+                <a:rPr lang="en-GB" sz="1600" b="1" dirty="0">
                   <a:solidFill>
                     <a:schemeClr val="bg1"/>
                   </a:solidFill>
@@ -13031,7 +13068,7 @@
                 <a:solidFill>
                   <a:srgbClr val="FFC000"/>
                 </a:solidFill>
-                <a:hlinkClick r:id="rId6">
+                <a:hlinkClick r:id="rId7">
                   <a:extLst>
                     <a:ext uri="{A12FA001-AC4F-418D-AE19-62706E023703}">
                       <ahyp:hlinkClr xmlns:ahyp="http://schemas.microsoft.com/office/drawing/2018/hyperlinkcolor" val="tx"/>

--- a/teaching-with-ai.pptx
+++ b/teaching-with-ai.pptx
@@ -11,24 +11,25 @@
     <p:sldId id="266" r:id="rId5"/>
     <p:sldId id="267" r:id="rId6"/>
     <p:sldId id="268" r:id="rId7"/>
-    <p:sldId id="263" r:id="rId8"/>
-    <p:sldId id="257" r:id="rId9"/>
-    <p:sldId id="258" r:id="rId10"/>
-    <p:sldId id="259" r:id="rId11"/>
+    <p:sldId id="269" r:id="rId8"/>
+    <p:sldId id="263" r:id="rId9"/>
+    <p:sldId id="257" r:id="rId10"/>
+    <p:sldId id="258" r:id="rId11"/>
+    <p:sldId id="259" r:id="rId12"/>
   </p:sldIdLst>
   <p:sldSz cx="12192000" cy="6858000"/>
   <p:notesSz cx="6858000" cy="9144000"/>
   <p:embeddedFontLst>
     <p:embeddedFont>
       <p:font typeface="Bebas Neue" panose="020B0606020202050201" pitchFamily="34" charset="0"/>
-      <p:regular r:id="rId12"/>
+      <p:regular r:id="rId13"/>
     </p:embeddedFont>
     <p:embeddedFont>
       <p:font typeface="Montserrat" panose="00000500000000000000" pitchFamily="50" charset="0"/>
-      <p:regular r:id="rId13"/>
-      <p:bold r:id="rId14"/>
-      <p:italic r:id="rId15"/>
-      <p:boldItalic r:id="rId16"/>
+      <p:regular r:id="rId14"/>
+      <p:bold r:id="rId15"/>
+      <p:italic r:id="rId16"/>
+      <p:boldItalic r:id="rId17"/>
     </p:embeddedFont>
   </p:embeddedFontLst>
   <p:defaultTextStyle>
@@ -5625,6 +5626,516 @@
           <p:cNvPr id="8" name="Group 7">
             <a:extLst>
               <a:ext uri="{FF2B5EF4-FFF2-40B4-BE49-F238E27FC236}">
+                <a16:creationId xmlns:a16="http://schemas.microsoft.com/office/drawing/2014/main" id="{A6687605-A492-0BE3-8107-A0C3ECC76FE2}"/>
+              </a:ext>
+            </a:extLst>
+          </p:cNvPr>
+          <p:cNvGrpSpPr/>
+          <p:nvPr/>
+        </p:nvGrpSpPr>
+        <p:grpSpPr>
+          <a:xfrm>
+            <a:off x="0" y="0"/>
+            <a:ext cx="11480101" cy="6862224"/>
+            <a:chOff x="0" y="0"/>
+            <a:chExt cx="11480101" cy="6862224"/>
+          </a:xfrm>
+        </p:grpSpPr>
+        <p:grpSp>
+          <p:nvGrpSpPr>
+            <p:cNvPr id="7" name="Group 6">
+              <a:extLst>
+                <a:ext uri="{FF2B5EF4-FFF2-40B4-BE49-F238E27FC236}">
+                  <a16:creationId xmlns:a16="http://schemas.microsoft.com/office/drawing/2014/main" id="{120A299A-363A-4BA0-F093-836398284B56}"/>
+                </a:ext>
+              </a:extLst>
+            </p:cNvPr>
+            <p:cNvGrpSpPr/>
+            <p:nvPr/>
+          </p:nvGrpSpPr>
+          <p:grpSpPr>
+            <a:xfrm>
+              <a:off x="0" y="0"/>
+              <a:ext cx="11480101" cy="6858000"/>
+              <a:chOff x="0" y="0"/>
+              <a:chExt cx="11480101" cy="6858000"/>
+            </a:xfrm>
+          </p:grpSpPr>
+          <p:sp>
+            <p:nvSpPr>
+              <p:cNvPr id="2" name="Freeform: Shape 1">
+                <a:extLst>
+                  <a:ext uri="{FF2B5EF4-FFF2-40B4-BE49-F238E27FC236}">
+                    <a16:creationId xmlns:a16="http://schemas.microsoft.com/office/drawing/2014/main" id="{1AE4C965-F26F-FF6B-ADC5-95E514BAE718}"/>
+                  </a:ext>
+                </a:extLst>
+              </p:cNvPr>
+              <p:cNvSpPr/>
+              <p:nvPr/>
+            </p:nvSpPr>
+            <p:spPr>
+              <a:xfrm>
+                <a:off x="0" y="0"/>
+                <a:ext cx="11480101" cy="6858000"/>
+              </a:xfrm>
+              <a:custGeom>
+                <a:avLst/>
+                <a:gdLst>
+                  <a:gd name="connsiteX0" fmla="*/ 0 w 11480101"/>
+                  <a:gd name="connsiteY0" fmla="*/ 0 h 6858000"/>
+                  <a:gd name="connsiteX1" fmla="*/ 10870163 w 11480101"/>
+                  <a:gd name="connsiteY1" fmla="*/ 0 h 6858000"/>
+                  <a:gd name="connsiteX2" fmla="*/ 10870163 w 11480101"/>
+                  <a:gd name="connsiteY2" fmla="*/ 2738534 h 6858000"/>
+                  <a:gd name="connsiteX3" fmla="*/ 11365021 w 11480101"/>
+                  <a:gd name="connsiteY3" fmla="*/ 2738534 h 6858000"/>
+                  <a:gd name="connsiteX4" fmla="*/ 11480101 w 11480101"/>
+                  <a:gd name="connsiteY4" fmla="*/ 2853614 h 6858000"/>
+                  <a:gd name="connsiteX5" fmla="*/ 11480101 w 11480101"/>
+                  <a:gd name="connsiteY5" fmla="*/ 3313920 h 6858000"/>
+                  <a:gd name="connsiteX6" fmla="*/ 11365021 w 11480101"/>
+                  <a:gd name="connsiteY6" fmla="*/ 3429000 h 6858000"/>
+                  <a:gd name="connsiteX7" fmla="*/ 10870163 w 11480101"/>
+                  <a:gd name="connsiteY7" fmla="*/ 3429000 h 6858000"/>
+                  <a:gd name="connsiteX8" fmla="*/ 10870163 w 11480101"/>
+                  <a:gd name="connsiteY8" fmla="*/ 6858000 h 6858000"/>
+                  <a:gd name="connsiteX9" fmla="*/ 0 w 11480101"/>
+                  <a:gd name="connsiteY9" fmla="*/ 6858000 h 6858000"/>
+                </a:gdLst>
+                <a:ahLst/>
+                <a:cxnLst>
+                  <a:cxn ang="0">
+                    <a:pos x="connsiteX0" y="connsiteY0"/>
+                  </a:cxn>
+                  <a:cxn ang="0">
+                    <a:pos x="connsiteX1" y="connsiteY1"/>
+                  </a:cxn>
+                  <a:cxn ang="0">
+                    <a:pos x="connsiteX2" y="connsiteY2"/>
+                  </a:cxn>
+                  <a:cxn ang="0">
+                    <a:pos x="connsiteX3" y="connsiteY3"/>
+                  </a:cxn>
+                  <a:cxn ang="0">
+                    <a:pos x="connsiteX4" y="connsiteY4"/>
+                  </a:cxn>
+                  <a:cxn ang="0">
+                    <a:pos x="connsiteX5" y="connsiteY5"/>
+                  </a:cxn>
+                  <a:cxn ang="0">
+                    <a:pos x="connsiteX6" y="connsiteY6"/>
+                  </a:cxn>
+                  <a:cxn ang="0">
+                    <a:pos x="connsiteX7" y="connsiteY7"/>
+                  </a:cxn>
+                  <a:cxn ang="0">
+                    <a:pos x="connsiteX8" y="connsiteY8"/>
+                  </a:cxn>
+                  <a:cxn ang="0">
+                    <a:pos x="connsiteX9" y="connsiteY9"/>
+                  </a:cxn>
+                </a:cxnLst>
+                <a:rect l="l" t="t" r="r" b="b"/>
+                <a:pathLst>
+                  <a:path w="11480101" h="6858000">
+                    <a:moveTo>
+                      <a:pt x="0" y="0"/>
+                    </a:moveTo>
+                    <a:lnTo>
+                      <a:pt x="10870163" y="0"/>
+                    </a:lnTo>
+                    <a:lnTo>
+                      <a:pt x="10870163" y="2738534"/>
+                    </a:lnTo>
+                    <a:lnTo>
+                      <a:pt x="11365021" y="2738534"/>
+                    </a:lnTo>
+                    <a:cubicBezTo>
+                      <a:pt x="11428578" y="2738534"/>
+                      <a:pt x="11480101" y="2790057"/>
+                      <a:pt x="11480101" y="2853614"/>
+                    </a:cubicBezTo>
+                    <a:lnTo>
+                      <a:pt x="11480101" y="3313920"/>
+                    </a:lnTo>
+                    <a:cubicBezTo>
+                      <a:pt x="11480101" y="3377477"/>
+                      <a:pt x="11428578" y="3429000"/>
+                      <a:pt x="11365021" y="3429000"/>
+                    </a:cubicBezTo>
+                    <a:lnTo>
+                      <a:pt x="10870163" y="3429000"/>
+                    </a:lnTo>
+                    <a:lnTo>
+                      <a:pt x="10870163" y="6858000"/>
+                    </a:lnTo>
+                    <a:lnTo>
+                      <a:pt x="0" y="6858000"/>
+                    </a:lnTo>
+                    <a:close/>
+                  </a:path>
+                </a:pathLst>
+              </a:custGeom>
+              <a:solidFill>
+                <a:srgbClr val="19C3FF"/>
+              </a:solidFill>
+              <a:ln>
+                <a:noFill/>
+              </a:ln>
+              <a:effectLst>
+                <a:outerShdw blurRad="127000" dist="63500" algn="l" rotWithShape="0">
+                  <a:prstClr val="black">
+                    <a:alpha val="40000"/>
+                  </a:prstClr>
+                </a:outerShdw>
+              </a:effectLst>
+            </p:spPr>
+            <p:style>
+              <a:lnRef idx="2">
+                <a:schemeClr val="accent1">
+                  <a:shade val="15000"/>
+                </a:schemeClr>
+              </a:lnRef>
+              <a:fillRef idx="1">
+                <a:schemeClr val="accent1"/>
+              </a:fillRef>
+              <a:effectRef idx="0">
+                <a:schemeClr val="accent1"/>
+              </a:effectRef>
+              <a:fontRef idx="minor">
+                <a:schemeClr val="lt1"/>
+              </a:fontRef>
+            </p:style>
+            <p:txBody>
+              <a:bodyPr wrap="square" rtlCol="0" anchor="ctr">
+                <a:noAutofit/>
+              </a:bodyPr>
+              <a:lstStyle/>
+              <a:p>
+                <a:pPr algn="ctr"/>
+                <a:endParaRPr lang="en-GB" dirty="0"/>
+              </a:p>
+            </p:txBody>
+          </p:sp>
+          <p:sp>
+            <p:nvSpPr>
+              <p:cNvPr id="4" name="TextBox 3">
+                <a:extLst>
+                  <a:ext uri="{FF2B5EF4-FFF2-40B4-BE49-F238E27FC236}">
+                    <a16:creationId xmlns:a16="http://schemas.microsoft.com/office/drawing/2014/main" id="{63A97CE5-0A63-6D80-97EF-A6700E941D72}"/>
+                  </a:ext>
+                </a:extLst>
+              </p:cNvPr>
+              <p:cNvSpPr txBox="1"/>
+              <p:nvPr/>
+            </p:nvSpPr>
+            <p:spPr>
+              <a:xfrm>
+                <a:off x="7324529" y="475861"/>
+                <a:ext cx="2052734" cy="1862048"/>
+              </a:xfrm>
+              <a:prstGeom prst="rect">
+                <a:avLst/>
+              </a:prstGeom>
+              <a:noFill/>
+            </p:spPr>
+            <p:txBody>
+              <a:bodyPr wrap="square" rtlCol="0">
+                <a:spAutoFit/>
+              </a:bodyPr>
+              <a:lstStyle/>
+              <a:p>
+                <a:r>
+                  <a:rPr lang="en-GB" sz="11500" b="1" dirty="0">
+                    <a:solidFill>
+                      <a:schemeClr val="bg1">
+                        <a:alpha val="25000"/>
+                      </a:schemeClr>
+                    </a:solidFill>
+                    <a:latin typeface="Montserrat" panose="00000500000000000000" pitchFamily="50" charset="0"/>
+                  </a:rPr>
+                  <a:t>03</a:t>
+                </a:r>
+              </a:p>
+            </p:txBody>
+          </p:sp>
+          <p:sp>
+            <p:nvSpPr>
+              <p:cNvPr id="5" name="TextBox 4">
+                <a:extLst>
+                  <a:ext uri="{FF2B5EF4-FFF2-40B4-BE49-F238E27FC236}">
+                    <a16:creationId xmlns:a16="http://schemas.microsoft.com/office/drawing/2014/main" id="{530DE6A7-0222-169F-BF6C-2C974CFFFE3E}"/>
+                  </a:ext>
+                </a:extLst>
+              </p:cNvPr>
+              <p:cNvSpPr txBox="1"/>
+              <p:nvPr/>
+            </p:nvSpPr>
+            <p:spPr>
+              <a:xfrm>
+                <a:off x="6643400" y="1791478"/>
+                <a:ext cx="3704248" cy="369332"/>
+              </a:xfrm>
+              <a:prstGeom prst="rect">
+                <a:avLst/>
+              </a:prstGeom>
+              <a:noFill/>
+            </p:spPr>
+            <p:txBody>
+              <a:bodyPr wrap="square" rtlCol="0">
+                <a:spAutoFit/>
+              </a:bodyPr>
+              <a:lstStyle/>
+              <a:p>
+                <a:r>
+                  <a:rPr lang="en-GB" b="1" dirty="0">
+                    <a:solidFill>
+                      <a:schemeClr val="bg1"/>
+                    </a:solidFill>
+                    <a:latin typeface="Montserrat" panose="00000500000000000000" pitchFamily="50" charset="0"/>
+                  </a:rPr>
+                  <a:t>Develop Teaching Resources</a:t>
+                </a:r>
+              </a:p>
+            </p:txBody>
+          </p:sp>
+          <p:sp>
+            <p:nvSpPr>
+              <p:cNvPr id="6" name="TextBox 5">
+                <a:extLst>
+                  <a:ext uri="{FF2B5EF4-FFF2-40B4-BE49-F238E27FC236}">
+                    <a16:creationId xmlns:a16="http://schemas.microsoft.com/office/drawing/2014/main" id="{353C5090-AA48-9F90-D568-AA37146AD9AA}"/>
+                  </a:ext>
+                </a:extLst>
+              </p:cNvPr>
+              <p:cNvSpPr txBox="1"/>
+              <p:nvPr/>
+            </p:nvSpPr>
+            <p:spPr>
+              <a:xfrm>
+                <a:off x="10966915" y="2817846"/>
+                <a:ext cx="438539" cy="523220"/>
+              </a:xfrm>
+              <a:prstGeom prst="rect">
+                <a:avLst/>
+              </a:prstGeom>
+              <a:noFill/>
+            </p:spPr>
+            <p:txBody>
+              <a:bodyPr wrap="square" rtlCol="0">
+                <a:spAutoFit/>
+              </a:bodyPr>
+              <a:lstStyle/>
+              <a:p>
+                <a:r>
+                  <a:rPr lang="en-GB" sz="2800" b="1" dirty="0">
+                    <a:solidFill>
+                      <a:srgbClr val="3A7E96"/>
+                    </a:solidFill>
+                    <a:latin typeface="Montserrat" panose="00000500000000000000" pitchFamily="50" charset="0"/>
+                  </a:rPr>
+                  <a:t>3</a:t>
+                </a:r>
+              </a:p>
+            </p:txBody>
+          </p:sp>
+        </p:grpSp>
+        <p:sp>
+          <p:nvSpPr>
+            <p:cNvPr id="3" name="TextBox 2">
+              <a:extLst>
+                <a:ext uri="{FF2B5EF4-FFF2-40B4-BE49-F238E27FC236}">
+                  <a16:creationId xmlns:a16="http://schemas.microsoft.com/office/drawing/2014/main" id="{589DC8CA-1C9A-C0F9-7655-7D0AF9EB16B6}"/>
+                </a:ext>
+              </a:extLst>
+            </p:cNvPr>
+            <p:cNvSpPr txBox="1"/>
+            <p:nvPr/>
+          </p:nvSpPr>
+          <p:spPr>
+            <a:xfrm>
+              <a:off x="6755363" y="2337909"/>
+              <a:ext cx="3592285" cy="4524315"/>
+            </a:xfrm>
+            <a:prstGeom prst="rect">
+              <a:avLst/>
+            </a:prstGeom>
+            <a:noFill/>
+          </p:spPr>
+          <p:txBody>
+            <a:bodyPr wrap="square" rtlCol="0">
+              <a:spAutoFit/>
+            </a:bodyPr>
+            <a:lstStyle/>
+            <a:p>
+              <a:pPr algn="ctr"/>
+              <a:r>
+                <a:rPr lang="en-GB" sz="1600" dirty="0">
+                  <a:solidFill>
+                    <a:schemeClr val="bg1"/>
+                  </a:solidFill>
+                  <a:latin typeface="Montserrat" panose="00000500000000000000" pitchFamily="50" charset="0"/>
+                </a:rPr>
+                <a:t>Quickly develop a structured resource on ANY topic for students.</a:t>
+              </a:r>
+            </a:p>
+            <a:p>
+              <a:pPr algn="ctr"/>
+              <a:endParaRPr lang="en-GB" sz="1600" dirty="0">
+                <a:solidFill>
+                  <a:schemeClr val="bg1"/>
+                </a:solidFill>
+                <a:latin typeface="Montserrat" panose="00000500000000000000" pitchFamily="50" charset="0"/>
+              </a:endParaRPr>
+            </a:p>
+            <a:p>
+              <a:pPr algn="ctr"/>
+              <a:r>
+                <a:rPr lang="en-GB" sz="1600" dirty="0">
+                  <a:solidFill>
+                    <a:schemeClr val="bg1"/>
+                  </a:solidFill>
+                  <a:latin typeface="Montserrat" panose="00000500000000000000" pitchFamily="50" charset="0"/>
+                </a:rPr>
+                <a:t>Swallow your pride.</a:t>
+              </a:r>
+            </a:p>
+            <a:p>
+              <a:pPr algn="ctr"/>
+              <a:endParaRPr lang="en-GB" sz="1600" dirty="0">
+                <a:solidFill>
+                  <a:schemeClr val="bg1"/>
+                </a:solidFill>
+                <a:latin typeface="Montserrat" panose="00000500000000000000" pitchFamily="50" charset="0"/>
+              </a:endParaRPr>
+            </a:p>
+            <a:p>
+              <a:pPr algn="ctr"/>
+              <a:r>
+                <a:rPr lang="en-GB" sz="1600" dirty="0">
+                  <a:solidFill>
+                    <a:schemeClr val="bg1"/>
+                  </a:solidFill>
+                  <a:latin typeface="Montserrat" panose="00000500000000000000" pitchFamily="50" charset="0"/>
+                </a:rPr>
+                <a:t>Use ChatGPT to build a resource that’s twice as good in half the time.</a:t>
+              </a:r>
+            </a:p>
+            <a:p>
+              <a:pPr algn="ctr"/>
+              <a:endParaRPr lang="en-GB" sz="1600" dirty="0">
+                <a:solidFill>
+                  <a:schemeClr val="bg1"/>
+                </a:solidFill>
+                <a:latin typeface="Montserrat" panose="00000500000000000000" pitchFamily="50" charset="0"/>
+              </a:endParaRPr>
+            </a:p>
+            <a:p>
+              <a:pPr algn="ctr"/>
+              <a:r>
+                <a:rPr lang="en-GB" sz="1600" b="1" dirty="0">
+                  <a:solidFill>
+                    <a:schemeClr val="bg1"/>
+                  </a:solidFill>
+                  <a:latin typeface="Montserrat" panose="00000500000000000000" pitchFamily="50" charset="0"/>
+                </a:rPr>
+                <a:t>Example: Active Learning Workshop.</a:t>
+              </a:r>
+            </a:p>
+            <a:p>
+              <a:pPr algn="ctr"/>
+              <a:endParaRPr lang="en-GB" sz="1600" dirty="0">
+                <a:solidFill>
+                  <a:schemeClr val="bg1"/>
+                </a:solidFill>
+                <a:latin typeface="Montserrat" panose="00000500000000000000" pitchFamily="50" charset="0"/>
+              </a:endParaRPr>
+            </a:p>
+            <a:p>
+              <a:pPr algn="ctr"/>
+              <a:r>
+                <a:rPr lang="en-GB" sz="1600" dirty="0">
+                  <a:solidFill>
+                    <a:schemeClr val="bg1"/>
+                  </a:solidFill>
+                  <a:latin typeface="Montserrat" panose="00000500000000000000" pitchFamily="50" charset="0"/>
+                </a:rPr>
+                <a:t>Introduction to Visualisation using R and Ggplot2.</a:t>
+              </a:r>
+            </a:p>
+            <a:p>
+              <a:pPr algn="ctr"/>
+              <a:endParaRPr lang="en-GB" sz="1600" dirty="0">
+                <a:solidFill>
+                  <a:schemeClr val="bg1"/>
+                </a:solidFill>
+                <a:latin typeface="Montserrat" panose="00000500000000000000" pitchFamily="50" charset="0"/>
+              </a:endParaRPr>
+            </a:p>
+            <a:p>
+              <a:pPr algn="ctr"/>
+              <a:endParaRPr lang="en-GB" sz="1600" dirty="0">
+                <a:solidFill>
+                  <a:schemeClr val="bg1"/>
+                </a:solidFill>
+                <a:latin typeface="Montserrat" panose="00000500000000000000" pitchFamily="50" charset="0"/>
+              </a:endParaRPr>
+            </a:p>
+            <a:p>
+              <a:pPr algn="ctr"/>
+              <a:endParaRPr lang="en-GB" sz="1600" dirty="0">
+                <a:solidFill>
+                  <a:schemeClr val="bg1"/>
+                </a:solidFill>
+                <a:latin typeface="Montserrat" panose="00000500000000000000" pitchFamily="50" charset="0"/>
+              </a:endParaRPr>
+            </a:p>
+          </p:txBody>
+        </p:sp>
+      </p:grpSp>
+    </p:spTree>
+    <p:extLst>
+      <p:ext uri="{BB962C8B-B14F-4D97-AF65-F5344CB8AC3E}">
+        <p14:creationId xmlns:p14="http://schemas.microsoft.com/office/powerpoint/2010/main" val="356601164"/>
+      </p:ext>
+    </p:extLst>
+  </p:cSld>
+  <p:clrMapOvr>
+    <a:masterClrMapping/>
+  </p:clrMapOvr>
+</p:sld>
+</file>
+
+<file path=ppt/slides/slide11.xml><?xml version="1.0" encoding="utf-8"?>
+<p:sld xmlns:a="http://schemas.openxmlformats.org/drawingml/2006/main" xmlns:r="http://schemas.openxmlformats.org/officeDocument/2006/relationships" xmlns:p="http://schemas.openxmlformats.org/presentationml/2006/main" show="0">
+  <p:cSld>
+    <p:bg>
+      <p:bgPr>
+        <a:solidFill>
+          <a:srgbClr val="002836"/>
+        </a:solidFill>
+        <a:effectLst/>
+      </p:bgPr>
+    </p:bg>
+    <p:spTree>
+      <p:nvGrpSpPr>
+        <p:cNvPr id="1" name=""/>
+        <p:cNvGrpSpPr/>
+        <p:nvPr/>
+      </p:nvGrpSpPr>
+      <p:grpSpPr>
+        <a:xfrm>
+          <a:off x="0" y="0"/>
+          <a:ext cx="0" cy="0"/>
+          <a:chOff x="0" y="0"/>
+          <a:chExt cx="0" cy="0"/>
+        </a:xfrm>
+      </p:grpSpPr>
+      <p:grpSp>
+        <p:nvGrpSpPr>
+          <p:cNvPr id="8" name="Group 7">
+            <a:extLst>
+              <a:ext uri="{FF2B5EF4-FFF2-40B4-BE49-F238E27FC236}">
                 <a16:creationId xmlns:a16="http://schemas.microsoft.com/office/drawing/2014/main" id="{327B9284-D89D-0309-EF51-91905CAA8B01}"/>
               </a:ext>
             </a:extLst>
@@ -17759,6 +18270,2518 @@
 </file>
 
 <file path=ppt/slides/slide7.xml><?xml version="1.0" encoding="utf-8"?>
+<p:sld xmlns:a="http://schemas.openxmlformats.org/drawingml/2006/main" xmlns:r="http://schemas.openxmlformats.org/officeDocument/2006/relationships" xmlns:p="http://schemas.openxmlformats.org/presentationml/2006/main">
+  <p:cSld>
+    <p:bg>
+      <p:bgPr>
+        <a:solidFill>
+          <a:srgbClr val="002836"/>
+        </a:solidFill>
+        <a:effectLst/>
+      </p:bgPr>
+    </p:bg>
+    <p:spTree>
+      <p:nvGrpSpPr>
+        <p:cNvPr id="1" name=""/>
+        <p:cNvGrpSpPr/>
+        <p:nvPr/>
+      </p:nvGrpSpPr>
+      <p:grpSpPr>
+        <a:xfrm>
+          <a:off x="0" y="0"/>
+          <a:ext cx="0" cy="0"/>
+          <a:chOff x="0" y="0"/>
+          <a:chExt cx="0" cy="0"/>
+        </a:xfrm>
+      </p:grpSpPr>
+      <p:grpSp>
+        <p:nvGrpSpPr>
+          <p:cNvPr id="7" name="Group 6">
+            <a:extLst>
+              <a:ext uri="{FF2B5EF4-FFF2-40B4-BE49-F238E27FC236}">
+                <a16:creationId xmlns:a16="http://schemas.microsoft.com/office/drawing/2014/main" id="{9ECBC982-A146-8272-E9BF-CA40E2EAB29E}"/>
+              </a:ext>
+            </a:extLst>
+          </p:cNvPr>
+          <p:cNvGrpSpPr/>
+          <p:nvPr/>
+        </p:nvGrpSpPr>
+        <p:grpSpPr>
+          <a:xfrm>
+            <a:off x="-11657349" y="-16896"/>
+            <a:ext cx="11480101" cy="6858000"/>
+            <a:chOff x="0" y="0"/>
+            <a:chExt cx="11480101" cy="6858000"/>
+          </a:xfrm>
+        </p:grpSpPr>
+        <p:grpSp>
+          <p:nvGrpSpPr>
+            <p:cNvPr id="5" name="Group 4">
+              <a:extLst>
+                <a:ext uri="{FF2B5EF4-FFF2-40B4-BE49-F238E27FC236}">
+                  <a16:creationId xmlns:a16="http://schemas.microsoft.com/office/drawing/2014/main" id="{DCB761F9-67BF-1A0A-4731-268BADA8E962}"/>
+                </a:ext>
+              </a:extLst>
+            </p:cNvPr>
+            <p:cNvGrpSpPr/>
+            <p:nvPr/>
+          </p:nvGrpSpPr>
+          <p:grpSpPr>
+            <a:xfrm>
+              <a:off x="0" y="0"/>
+              <a:ext cx="11480101" cy="6858000"/>
+              <a:chOff x="0" y="0"/>
+              <a:chExt cx="11480101" cy="6858000"/>
+            </a:xfrm>
+          </p:grpSpPr>
+          <p:sp>
+            <p:nvSpPr>
+              <p:cNvPr id="14" name="Freeform: Shape 13">
+                <a:extLst>
+                  <a:ext uri="{FF2B5EF4-FFF2-40B4-BE49-F238E27FC236}">
+                    <a16:creationId xmlns:a16="http://schemas.microsoft.com/office/drawing/2014/main" id="{B11829CD-9726-5777-E8C3-CDCBAF2765FA}"/>
+                  </a:ext>
+                </a:extLst>
+              </p:cNvPr>
+              <p:cNvSpPr/>
+              <p:nvPr/>
+            </p:nvSpPr>
+            <p:spPr>
+              <a:xfrm>
+                <a:off x="0" y="0"/>
+                <a:ext cx="11480101" cy="6858000"/>
+              </a:xfrm>
+              <a:custGeom>
+                <a:avLst/>
+                <a:gdLst>
+                  <a:gd name="connsiteX0" fmla="*/ 0 w 11480101"/>
+                  <a:gd name="connsiteY0" fmla="*/ 0 h 6858000"/>
+                  <a:gd name="connsiteX1" fmla="*/ 10870163 w 11480101"/>
+                  <a:gd name="connsiteY1" fmla="*/ 0 h 6858000"/>
+                  <a:gd name="connsiteX2" fmla="*/ 10870163 w 11480101"/>
+                  <a:gd name="connsiteY2" fmla="*/ 4607768 h 6858000"/>
+                  <a:gd name="connsiteX3" fmla="*/ 11365021 w 11480101"/>
+                  <a:gd name="connsiteY3" fmla="*/ 4607768 h 6858000"/>
+                  <a:gd name="connsiteX4" fmla="*/ 11480101 w 11480101"/>
+                  <a:gd name="connsiteY4" fmla="*/ 4722848 h 6858000"/>
+                  <a:gd name="connsiteX5" fmla="*/ 11480101 w 11480101"/>
+                  <a:gd name="connsiteY5" fmla="*/ 5183154 h 6858000"/>
+                  <a:gd name="connsiteX6" fmla="*/ 11365021 w 11480101"/>
+                  <a:gd name="connsiteY6" fmla="*/ 5298234 h 6858000"/>
+                  <a:gd name="connsiteX7" fmla="*/ 10870163 w 11480101"/>
+                  <a:gd name="connsiteY7" fmla="*/ 5298234 h 6858000"/>
+                  <a:gd name="connsiteX8" fmla="*/ 10870163 w 11480101"/>
+                  <a:gd name="connsiteY8" fmla="*/ 6858000 h 6858000"/>
+                  <a:gd name="connsiteX9" fmla="*/ 0 w 11480101"/>
+                  <a:gd name="connsiteY9" fmla="*/ 6858000 h 6858000"/>
+                </a:gdLst>
+                <a:ahLst/>
+                <a:cxnLst>
+                  <a:cxn ang="0">
+                    <a:pos x="connsiteX0" y="connsiteY0"/>
+                  </a:cxn>
+                  <a:cxn ang="0">
+                    <a:pos x="connsiteX1" y="connsiteY1"/>
+                  </a:cxn>
+                  <a:cxn ang="0">
+                    <a:pos x="connsiteX2" y="connsiteY2"/>
+                  </a:cxn>
+                  <a:cxn ang="0">
+                    <a:pos x="connsiteX3" y="connsiteY3"/>
+                  </a:cxn>
+                  <a:cxn ang="0">
+                    <a:pos x="connsiteX4" y="connsiteY4"/>
+                  </a:cxn>
+                  <a:cxn ang="0">
+                    <a:pos x="connsiteX5" y="connsiteY5"/>
+                  </a:cxn>
+                  <a:cxn ang="0">
+                    <a:pos x="connsiteX6" y="connsiteY6"/>
+                  </a:cxn>
+                  <a:cxn ang="0">
+                    <a:pos x="connsiteX7" y="connsiteY7"/>
+                  </a:cxn>
+                  <a:cxn ang="0">
+                    <a:pos x="connsiteX8" y="connsiteY8"/>
+                  </a:cxn>
+                  <a:cxn ang="0">
+                    <a:pos x="connsiteX9" y="connsiteY9"/>
+                  </a:cxn>
+                </a:cxnLst>
+                <a:rect l="l" t="t" r="r" b="b"/>
+                <a:pathLst>
+                  <a:path w="11480101" h="6858000">
+                    <a:moveTo>
+                      <a:pt x="0" y="0"/>
+                    </a:moveTo>
+                    <a:lnTo>
+                      <a:pt x="10870163" y="0"/>
+                    </a:lnTo>
+                    <a:lnTo>
+                      <a:pt x="10870163" y="4607768"/>
+                    </a:lnTo>
+                    <a:lnTo>
+                      <a:pt x="11365021" y="4607768"/>
+                    </a:lnTo>
+                    <a:cubicBezTo>
+                      <a:pt x="11428578" y="4607768"/>
+                      <a:pt x="11480101" y="4659291"/>
+                      <a:pt x="11480101" y="4722848"/>
+                    </a:cubicBezTo>
+                    <a:lnTo>
+                      <a:pt x="11480101" y="5183154"/>
+                    </a:lnTo>
+                    <a:cubicBezTo>
+                      <a:pt x="11480101" y="5246711"/>
+                      <a:pt x="11428578" y="5298234"/>
+                      <a:pt x="11365021" y="5298234"/>
+                    </a:cubicBezTo>
+                    <a:lnTo>
+                      <a:pt x="10870163" y="5298234"/>
+                    </a:lnTo>
+                    <a:lnTo>
+                      <a:pt x="10870163" y="6858000"/>
+                    </a:lnTo>
+                    <a:lnTo>
+                      <a:pt x="0" y="6858000"/>
+                    </a:lnTo>
+                    <a:close/>
+                  </a:path>
+                </a:pathLst>
+              </a:custGeom>
+              <a:solidFill>
+                <a:srgbClr val="005674"/>
+              </a:solidFill>
+              <a:ln>
+                <a:noFill/>
+              </a:ln>
+              <a:effectLst>
+                <a:outerShdw blurRad="127000" dist="63500" algn="l" rotWithShape="0">
+                  <a:prstClr val="black">
+                    <a:alpha val="40000"/>
+                  </a:prstClr>
+                </a:outerShdw>
+              </a:effectLst>
+            </p:spPr>
+            <p:style>
+              <a:lnRef idx="2">
+                <a:schemeClr val="accent1">
+                  <a:shade val="15000"/>
+                </a:schemeClr>
+              </a:lnRef>
+              <a:fillRef idx="1">
+                <a:schemeClr val="accent1"/>
+              </a:fillRef>
+              <a:effectRef idx="0">
+                <a:schemeClr val="accent1"/>
+              </a:effectRef>
+              <a:fontRef idx="minor">
+                <a:schemeClr val="lt1"/>
+              </a:fontRef>
+            </p:style>
+            <p:txBody>
+              <a:bodyPr wrap="square" rtlCol="0" anchor="ctr">
+                <a:noAutofit/>
+              </a:bodyPr>
+              <a:lstStyle/>
+              <a:p>
+                <a:pPr algn="ctr"/>
+                <a:endParaRPr lang="en-GB" dirty="0"/>
+              </a:p>
+            </p:txBody>
+          </p:sp>
+          <p:sp>
+            <p:nvSpPr>
+              <p:cNvPr id="2" name="TextBox 1">
+                <a:extLst>
+                  <a:ext uri="{FF2B5EF4-FFF2-40B4-BE49-F238E27FC236}">
+                    <a16:creationId xmlns:a16="http://schemas.microsoft.com/office/drawing/2014/main" id="{588A4EF3-72D8-27F8-0610-BBFF271A8908}"/>
+                  </a:ext>
+                </a:extLst>
+              </p:cNvPr>
+              <p:cNvSpPr txBox="1"/>
+              <p:nvPr/>
+            </p:nvSpPr>
+            <p:spPr>
+              <a:xfrm>
+                <a:off x="6755364" y="475861"/>
+                <a:ext cx="3592284" cy="1862048"/>
+              </a:xfrm>
+              <a:prstGeom prst="rect">
+                <a:avLst/>
+              </a:prstGeom>
+              <a:noFill/>
+            </p:spPr>
+            <p:txBody>
+              <a:bodyPr wrap="square" rtlCol="0">
+                <a:spAutoFit/>
+              </a:bodyPr>
+              <a:lstStyle/>
+              <a:p>
+                <a:pPr algn="ctr"/>
+                <a:r>
+                  <a:rPr lang="en-GB" sz="11500" b="1" dirty="0">
+                    <a:solidFill>
+                      <a:schemeClr val="bg1">
+                        <a:alpha val="25000"/>
+                      </a:schemeClr>
+                    </a:solidFill>
+                    <a:latin typeface="Montserrat" panose="00000500000000000000" pitchFamily="50" charset="0"/>
+                  </a:rPr>
+                  <a:t>01</a:t>
+                </a:r>
+              </a:p>
+            </p:txBody>
+          </p:sp>
+          <p:sp>
+            <p:nvSpPr>
+              <p:cNvPr id="3" name="TextBox 2">
+                <a:extLst>
+                  <a:ext uri="{FF2B5EF4-FFF2-40B4-BE49-F238E27FC236}">
+                    <a16:creationId xmlns:a16="http://schemas.microsoft.com/office/drawing/2014/main" id="{4BB9088E-81CF-CDE9-573B-3710FDB006F2}"/>
+                  </a:ext>
+                </a:extLst>
+              </p:cNvPr>
+              <p:cNvSpPr txBox="1"/>
+              <p:nvPr/>
+            </p:nvSpPr>
+            <p:spPr>
+              <a:xfrm>
+                <a:off x="6755363" y="1726164"/>
+                <a:ext cx="3592285" cy="369332"/>
+              </a:xfrm>
+              <a:prstGeom prst="rect">
+                <a:avLst/>
+              </a:prstGeom>
+              <a:noFill/>
+            </p:spPr>
+            <p:txBody>
+              <a:bodyPr wrap="square" rtlCol="0">
+                <a:spAutoFit/>
+              </a:bodyPr>
+              <a:lstStyle/>
+              <a:p>
+                <a:pPr algn="ctr"/>
+                <a:r>
+                  <a:rPr lang="en-GB" b="1" dirty="0">
+                    <a:solidFill>
+                      <a:schemeClr val="bg1"/>
+                    </a:solidFill>
+                    <a:latin typeface="Montserrat" panose="00000500000000000000" pitchFamily="50" charset="0"/>
+                  </a:rPr>
+                  <a:t>Enhancing Lectures</a:t>
+                </a:r>
+              </a:p>
+            </p:txBody>
+          </p:sp>
+          <p:sp>
+            <p:nvSpPr>
+              <p:cNvPr id="4" name="TextBox 3">
+                <a:extLst>
+                  <a:ext uri="{FF2B5EF4-FFF2-40B4-BE49-F238E27FC236}">
+                    <a16:creationId xmlns:a16="http://schemas.microsoft.com/office/drawing/2014/main" id="{50EF9BF3-9438-9A9B-78DA-DB11D9FC7914}"/>
+                  </a:ext>
+                </a:extLst>
+              </p:cNvPr>
+              <p:cNvSpPr txBox="1"/>
+              <p:nvPr/>
+            </p:nvSpPr>
+            <p:spPr>
+              <a:xfrm>
+                <a:off x="10994910" y="4693298"/>
+                <a:ext cx="438539" cy="523220"/>
+              </a:xfrm>
+              <a:prstGeom prst="rect">
+                <a:avLst/>
+              </a:prstGeom>
+              <a:noFill/>
+            </p:spPr>
+            <p:txBody>
+              <a:bodyPr wrap="square" rtlCol="0">
+                <a:spAutoFit/>
+              </a:bodyPr>
+              <a:lstStyle/>
+              <a:p>
+                <a:r>
+                  <a:rPr lang="en-GB" sz="2800" b="1" dirty="0">
+                    <a:solidFill>
+                      <a:srgbClr val="002836"/>
+                    </a:solidFill>
+                    <a:latin typeface="Montserrat" panose="00000500000000000000" pitchFamily="50" charset="0"/>
+                  </a:rPr>
+                  <a:t>1</a:t>
+                </a:r>
+              </a:p>
+            </p:txBody>
+          </p:sp>
+        </p:grpSp>
+        <p:sp>
+          <p:nvSpPr>
+            <p:cNvPr id="6" name="TextBox 5">
+              <a:extLst>
+                <a:ext uri="{FF2B5EF4-FFF2-40B4-BE49-F238E27FC236}">
+                  <a16:creationId xmlns:a16="http://schemas.microsoft.com/office/drawing/2014/main" id="{43088E54-C83D-438E-0998-8971AE8A7BB7}"/>
+                </a:ext>
+              </a:extLst>
+            </p:cNvPr>
+            <p:cNvSpPr txBox="1"/>
+            <p:nvPr/>
+          </p:nvSpPr>
+          <p:spPr>
+            <a:xfrm>
+              <a:off x="6755363" y="2337909"/>
+              <a:ext cx="3592285" cy="3970318"/>
+            </a:xfrm>
+            <a:prstGeom prst="rect">
+              <a:avLst/>
+            </a:prstGeom>
+            <a:noFill/>
+          </p:spPr>
+          <p:txBody>
+            <a:bodyPr wrap="square" rtlCol="0">
+              <a:spAutoFit/>
+            </a:bodyPr>
+            <a:lstStyle/>
+            <a:p>
+              <a:pPr algn="ctr"/>
+              <a:r>
+                <a:rPr lang="en-GB" sz="1600" dirty="0">
+                  <a:solidFill>
+                    <a:schemeClr val="bg1"/>
+                  </a:solidFill>
+                  <a:latin typeface="Montserrat" panose="00000500000000000000" pitchFamily="50" charset="0"/>
+                </a:rPr>
+                <a:t>Quickly develop in-class polls/quizzes using ChatGPT and Poll Everywhere/Kahoot.</a:t>
+              </a:r>
+            </a:p>
+            <a:p>
+              <a:pPr algn="ctr"/>
+              <a:endParaRPr lang="en-GB" sz="1600" dirty="0">
+                <a:solidFill>
+                  <a:schemeClr val="bg1"/>
+                </a:solidFill>
+                <a:latin typeface="Montserrat" panose="00000500000000000000" pitchFamily="50" charset="0"/>
+              </a:endParaRPr>
+            </a:p>
+            <a:p>
+              <a:pPr algn="ctr"/>
+              <a:r>
+                <a:rPr lang="en-GB" sz="1600" dirty="0">
+                  <a:solidFill>
+                    <a:schemeClr val="bg1"/>
+                  </a:solidFill>
+                  <a:latin typeface="Montserrat" panose="00000500000000000000" pitchFamily="50" charset="0"/>
+                </a:rPr>
+                <a:t>Reinforce student understanding of lecture content.</a:t>
+              </a:r>
+            </a:p>
+            <a:p>
+              <a:pPr algn="ctr"/>
+              <a:endParaRPr lang="en-GB" sz="1600" dirty="0">
+                <a:solidFill>
+                  <a:schemeClr val="bg1"/>
+                </a:solidFill>
+                <a:latin typeface="Montserrat" panose="00000500000000000000" pitchFamily="50" charset="0"/>
+              </a:endParaRPr>
+            </a:p>
+            <a:p>
+              <a:pPr algn="ctr"/>
+              <a:r>
+                <a:rPr lang="en-GB" sz="1600" dirty="0">
+                  <a:solidFill>
+                    <a:schemeClr val="bg1"/>
+                  </a:solidFill>
+                  <a:latin typeface="Montserrat" panose="00000500000000000000" pitchFamily="50" charset="0"/>
+                </a:rPr>
+                <a:t>Increase student engagement.</a:t>
+              </a:r>
+            </a:p>
+            <a:p>
+              <a:pPr algn="ctr"/>
+              <a:endParaRPr lang="en-GB" sz="1600" dirty="0">
+                <a:solidFill>
+                  <a:schemeClr val="bg1"/>
+                </a:solidFill>
+                <a:latin typeface="Montserrat" panose="00000500000000000000" pitchFamily="50" charset="0"/>
+              </a:endParaRPr>
+            </a:p>
+            <a:p>
+              <a:pPr algn="ctr"/>
+              <a:r>
+                <a:rPr lang="en-GB" sz="1600" dirty="0">
+                  <a:solidFill>
+                    <a:schemeClr val="bg1"/>
+                  </a:solidFill>
+                  <a:latin typeface="Montserrat" panose="00000500000000000000" pitchFamily="50" charset="0"/>
+                </a:rPr>
+                <a:t>Example: LIFE748 Structural Bioinformatics Lecture</a:t>
+              </a:r>
+            </a:p>
+            <a:p>
+              <a:pPr algn="ctr"/>
+              <a:endParaRPr lang="en-GB" sz="1600" dirty="0">
+                <a:solidFill>
+                  <a:schemeClr val="bg1"/>
+                </a:solidFill>
+                <a:latin typeface="Montserrat" panose="00000500000000000000" pitchFamily="50" charset="0"/>
+              </a:endParaRPr>
+            </a:p>
+            <a:p>
+              <a:pPr algn="ctr"/>
+              <a:r>
+                <a:rPr lang="en-GB" sz="1400" b="1" dirty="0">
+                  <a:solidFill>
+                    <a:schemeClr val="bg1"/>
+                  </a:solidFill>
+                  <a:latin typeface="Montserrat" panose="00000500000000000000" pitchFamily="50" charset="0"/>
+                  <a:hlinkClick r:id="rId2">
+                    <a:extLst>
+                      <a:ext uri="{A12FA001-AC4F-418D-AE19-62706E023703}">
+                        <ahyp:hlinkClr xmlns:ahyp="http://schemas.microsoft.com/office/drawing/2018/hyperlinkcolor" val="tx"/>
+                      </a:ext>
+                    </a:extLst>
+                  </a:hlinkClick>
+                </a:rPr>
+                <a:t>[How to Video (Poll Everywhere)]</a:t>
+              </a:r>
+              <a:endParaRPr lang="en-GB" sz="1400" b="1" dirty="0">
+                <a:solidFill>
+                  <a:schemeClr val="bg1"/>
+                </a:solidFill>
+                <a:latin typeface="Montserrat" panose="00000500000000000000" pitchFamily="50" charset="0"/>
+              </a:endParaRPr>
+            </a:p>
+            <a:p>
+              <a:pPr algn="ctr"/>
+              <a:r>
+                <a:rPr lang="en-GB" sz="1400" b="1" dirty="0">
+                  <a:solidFill>
+                    <a:schemeClr val="bg1"/>
+                  </a:solidFill>
+                  <a:latin typeface="Montserrat" panose="00000500000000000000" pitchFamily="50" charset="0"/>
+                  <a:hlinkClick r:id="rId3">
+                    <a:extLst>
+                      <a:ext uri="{A12FA001-AC4F-418D-AE19-62706E023703}">
+                        <ahyp:hlinkClr xmlns:ahyp="http://schemas.microsoft.com/office/drawing/2018/hyperlinkcolor" val="tx"/>
+                      </a:ext>
+                    </a:extLst>
+                  </a:hlinkClick>
+                </a:rPr>
+                <a:t>[How to Video (Kahoot)]</a:t>
+              </a:r>
+              <a:endParaRPr lang="en-GB" sz="1400" b="1" dirty="0">
+                <a:solidFill>
+                  <a:schemeClr val="bg1"/>
+                </a:solidFill>
+                <a:latin typeface="Montserrat" panose="00000500000000000000" pitchFamily="50" charset="0"/>
+              </a:endParaRPr>
+            </a:p>
+            <a:p>
+              <a:pPr algn="ctr"/>
+              <a:endParaRPr lang="en-GB" sz="1600" dirty="0">
+                <a:solidFill>
+                  <a:schemeClr val="bg1"/>
+                </a:solidFill>
+                <a:latin typeface="Montserrat" panose="00000500000000000000" pitchFamily="50" charset="0"/>
+              </a:endParaRPr>
+            </a:p>
+          </p:txBody>
+        </p:sp>
+      </p:grpSp>
+      <p:grpSp>
+        <p:nvGrpSpPr>
+          <p:cNvPr id="8" name="Group 7">
+            <a:extLst>
+              <a:ext uri="{FF2B5EF4-FFF2-40B4-BE49-F238E27FC236}">
+                <a16:creationId xmlns:a16="http://schemas.microsoft.com/office/drawing/2014/main" id="{6CF0A573-DD84-3772-8197-974D9B1976B5}"/>
+              </a:ext>
+            </a:extLst>
+          </p:cNvPr>
+          <p:cNvGrpSpPr/>
+          <p:nvPr/>
+        </p:nvGrpSpPr>
+        <p:grpSpPr>
+          <a:xfrm>
+            <a:off x="-12324409" y="-4224"/>
+            <a:ext cx="11480101" cy="6858000"/>
+            <a:chOff x="0" y="0"/>
+            <a:chExt cx="11480101" cy="6858000"/>
+          </a:xfrm>
+        </p:grpSpPr>
+        <p:grpSp>
+          <p:nvGrpSpPr>
+            <p:cNvPr id="9" name="Group 8">
+              <a:extLst>
+                <a:ext uri="{FF2B5EF4-FFF2-40B4-BE49-F238E27FC236}">
+                  <a16:creationId xmlns:a16="http://schemas.microsoft.com/office/drawing/2014/main" id="{A73D87D1-D5B2-4719-92F2-45F9BB330035}"/>
+                </a:ext>
+              </a:extLst>
+            </p:cNvPr>
+            <p:cNvGrpSpPr/>
+            <p:nvPr/>
+          </p:nvGrpSpPr>
+          <p:grpSpPr>
+            <a:xfrm>
+              <a:off x="0" y="0"/>
+              <a:ext cx="11480101" cy="6858000"/>
+              <a:chOff x="0" y="0"/>
+              <a:chExt cx="11480101" cy="6858000"/>
+            </a:xfrm>
+          </p:grpSpPr>
+          <p:sp>
+            <p:nvSpPr>
+              <p:cNvPr id="13" name="Freeform: Shape 12">
+                <a:extLst>
+                  <a:ext uri="{FF2B5EF4-FFF2-40B4-BE49-F238E27FC236}">
+                    <a16:creationId xmlns:a16="http://schemas.microsoft.com/office/drawing/2014/main" id="{DEE9D4C7-57B4-21E7-4199-3DC87BEDBE37}"/>
+                  </a:ext>
+                </a:extLst>
+              </p:cNvPr>
+              <p:cNvSpPr/>
+              <p:nvPr/>
+            </p:nvSpPr>
+            <p:spPr>
+              <a:xfrm>
+                <a:off x="0" y="0"/>
+                <a:ext cx="11480101" cy="6858000"/>
+              </a:xfrm>
+              <a:custGeom>
+                <a:avLst/>
+                <a:gdLst>
+                  <a:gd name="connsiteX0" fmla="*/ 0 w 11480101"/>
+                  <a:gd name="connsiteY0" fmla="*/ 0 h 6858000"/>
+                  <a:gd name="connsiteX1" fmla="*/ 10870163 w 11480101"/>
+                  <a:gd name="connsiteY1" fmla="*/ 0 h 6858000"/>
+                  <a:gd name="connsiteX2" fmla="*/ 10870163 w 11480101"/>
+                  <a:gd name="connsiteY2" fmla="*/ 3673151 h 6858000"/>
+                  <a:gd name="connsiteX3" fmla="*/ 11365021 w 11480101"/>
+                  <a:gd name="connsiteY3" fmla="*/ 3673151 h 6858000"/>
+                  <a:gd name="connsiteX4" fmla="*/ 11480101 w 11480101"/>
+                  <a:gd name="connsiteY4" fmla="*/ 3788231 h 6858000"/>
+                  <a:gd name="connsiteX5" fmla="*/ 11480101 w 11480101"/>
+                  <a:gd name="connsiteY5" fmla="*/ 4248537 h 6858000"/>
+                  <a:gd name="connsiteX6" fmla="*/ 11365021 w 11480101"/>
+                  <a:gd name="connsiteY6" fmla="*/ 4363617 h 6858000"/>
+                  <a:gd name="connsiteX7" fmla="*/ 10870163 w 11480101"/>
+                  <a:gd name="connsiteY7" fmla="*/ 4363617 h 6858000"/>
+                  <a:gd name="connsiteX8" fmla="*/ 10870163 w 11480101"/>
+                  <a:gd name="connsiteY8" fmla="*/ 6858000 h 6858000"/>
+                  <a:gd name="connsiteX9" fmla="*/ 0 w 11480101"/>
+                  <a:gd name="connsiteY9" fmla="*/ 6858000 h 6858000"/>
+                </a:gdLst>
+                <a:ahLst/>
+                <a:cxnLst>
+                  <a:cxn ang="0">
+                    <a:pos x="connsiteX0" y="connsiteY0"/>
+                  </a:cxn>
+                  <a:cxn ang="0">
+                    <a:pos x="connsiteX1" y="connsiteY1"/>
+                  </a:cxn>
+                  <a:cxn ang="0">
+                    <a:pos x="connsiteX2" y="connsiteY2"/>
+                  </a:cxn>
+                  <a:cxn ang="0">
+                    <a:pos x="connsiteX3" y="connsiteY3"/>
+                  </a:cxn>
+                  <a:cxn ang="0">
+                    <a:pos x="connsiteX4" y="connsiteY4"/>
+                  </a:cxn>
+                  <a:cxn ang="0">
+                    <a:pos x="connsiteX5" y="connsiteY5"/>
+                  </a:cxn>
+                  <a:cxn ang="0">
+                    <a:pos x="connsiteX6" y="connsiteY6"/>
+                  </a:cxn>
+                  <a:cxn ang="0">
+                    <a:pos x="connsiteX7" y="connsiteY7"/>
+                  </a:cxn>
+                  <a:cxn ang="0">
+                    <a:pos x="connsiteX8" y="connsiteY8"/>
+                  </a:cxn>
+                  <a:cxn ang="0">
+                    <a:pos x="connsiteX9" y="connsiteY9"/>
+                  </a:cxn>
+                </a:cxnLst>
+                <a:rect l="l" t="t" r="r" b="b"/>
+                <a:pathLst>
+                  <a:path w="11480101" h="6858000">
+                    <a:moveTo>
+                      <a:pt x="0" y="0"/>
+                    </a:moveTo>
+                    <a:lnTo>
+                      <a:pt x="10870163" y="0"/>
+                    </a:lnTo>
+                    <a:lnTo>
+                      <a:pt x="10870163" y="3673151"/>
+                    </a:lnTo>
+                    <a:lnTo>
+                      <a:pt x="11365021" y="3673151"/>
+                    </a:lnTo>
+                    <a:cubicBezTo>
+                      <a:pt x="11428578" y="3673151"/>
+                      <a:pt x="11480101" y="3724674"/>
+                      <a:pt x="11480101" y="3788231"/>
+                    </a:cubicBezTo>
+                    <a:lnTo>
+                      <a:pt x="11480101" y="4248537"/>
+                    </a:lnTo>
+                    <a:cubicBezTo>
+                      <a:pt x="11480101" y="4312094"/>
+                      <a:pt x="11428578" y="4363617"/>
+                      <a:pt x="11365021" y="4363617"/>
+                    </a:cubicBezTo>
+                    <a:lnTo>
+                      <a:pt x="10870163" y="4363617"/>
+                    </a:lnTo>
+                    <a:lnTo>
+                      <a:pt x="10870163" y="6858000"/>
+                    </a:lnTo>
+                    <a:lnTo>
+                      <a:pt x="0" y="6858000"/>
+                    </a:lnTo>
+                    <a:close/>
+                  </a:path>
+                </a:pathLst>
+              </a:custGeom>
+              <a:solidFill>
+                <a:srgbClr val="0088B8"/>
+              </a:solidFill>
+              <a:ln>
+                <a:noFill/>
+              </a:ln>
+              <a:effectLst>
+                <a:outerShdw blurRad="127000" dist="63500" algn="l" rotWithShape="0">
+                  <a:prstClr val="black">
+                    <a:alpha val="40000"/>
+                  </a:prstClr>
+                </a:outerShdw>
+              </a:effectLst>
+            </p:spPr>
+            <p:style>
+              <a:lnRef idx="2">
+                <a:schemeClr val="accent1">
+                  <a:shade val="15000"/>
+                </a:schemeClr>
+              </a:lnRef>
+              <a:fillRef idx="1">
+                <a:schemeClr val="accent1"/>
+              </a:fillRef>
+              <a:effectRef idx="0">
+                <a:schemeClr val="accent1"/>
+              </a:effectRef>
+              <a:fontRef idx="minor">
+                <a:schemeClr val="lt1"/>
+              </a:fontRef>
+            </p:style>
+            <p:txBody>
+              <a:bodyPr wrap="square" rtlCol="0" anchor="ctr">
+                <a:noAutofit/>
+              </a:bodyPr>
+              <a:lstStyle/>
+              <a:p>
+                <a:pPr algn="ctr"/>
+                <a:endParaRPr lang="en-GB"/>
+              </a:p>
+            </p:txBody>
+          </p:sp>
+          <p:sp>
+            <p:nvSpPr>
+              <p:cNvPr id="15" name="TextBox 14">
+                <a:extLst>
+                  <a:ext uri="{FF2B5EF4-FFF2-40B4-BE49-F238E27FC236}">
+                    <a16:creationId xmlns:a16="http://schemas.microsoft.com/office/drawing/2014/main" id="{12FEF98E-37C8-53E1-6ADD-9D2A5B69EB7E}"/>
+                  </a:ext>
+                </a:extLst>
+              </p:cNvPr>
+              <p:cNvSpPr txBox="1"/>
+              <p:nvPr/>
+            </p:nvSpPr>
+            <p:spPr>
+              <a:xfrm>
+                <a:off x="10966915" y="3769568"/>
+                <a:ext cx="438539" cy="523220"/>
+              </a:xfrm>
+              <a:prstGeom prst="rect">
+                <a:avLst/>
+              </a:prstGeom>
+              <a:noFill/>
+            </p:spPr>
+            <p:txBody>
+              <a:bodyPr wrap="square" rtlCol="0">
+                <a:spAutoFit/>
+              </a:bodyPr>
+              <a:lstStyle/>
+              <a:p>
+                <a:r>
+                  <a:rPr lang="en-GB" sz="2800" b="1" dirty="0">
+                    <a:solidFill>
+                      <a:srgbClr val="002836"/>
+                    </a:solidFill>
+                    <a:latin typeface="Montserrat" panose="00000500000000000000" pitchFamily="50" charset="0"/>
+                  </a:rPr>
+                  <a:t>2</a:t>
+                </a:r>
+              </a:p>
+            </p:txBody>
+          </p:sp>
+        </p:grpSp>
+        <p:sp>
+          <p:nvSpPr>
+            <p:cNvPr id="10" name="TextBox 9">
+              <a:extLst>
+                <a:ext uri="{FF2B5EF4-FFF2-40B4-BE49-F238E27FC236}">
+                  <a16:creationId xmlns:a16="http://schemas.microsoft.com/office/drawing/2014/main" id="{77C2C928-434A-B74C-C05F-DA4754478EDF}"/>
+                </a:ext>
+              </a:extLst>
+            </p:cNvPr>
+            <p:cNvSpPr txBox="1"/>
+            <p:nvPr/>
+          </p:nvSpPr>
+          <p:spPr>
+            <a:xfrm>
+              <a:off x="6755363" y="2337909"/>
+              <a:ext cx="3592285" cy="3293209"/>
+            </a:xfrm>
+            <a:prstGeom prst="rect">
+              <a:avLst/>
+            </a:prstGeom>
+            <a:noFill/>
+          </p:spPr>
+          <p:txBody>
+            <a:bodyPr wrap="square" rtlCol="0">
+              <a:spAutoFit/>
+            </a:bodyPr>
+            <a:lstStyle/>
+            <a:p>
+              <a:pPr algn="ctr"/>
+              <a:r>
+                <a:rPr lang="en-GB" sz="1600" dirty="0">
+                  <a:solidFill>
+                    <a:schemeClr val="bg1"/>
+                  </a:solidFill>
+                  <a:latin typeface="Montserrat" panose="00000500000000000000" pitchFamily="50" charset="0"/>
+                </a:rPr>
+                <a:t>Quickly build formative quizzes for Canvas.</a:t>
+              </a:r>
+            </a:p>
+            <a:p>
+              <a:pPr algn="ctr"/>
+              <a:endParaRPr lang="en-GB" sz="1600" dirty="0">
+                <a:solidFill>
+                  <a:schemeClr val="bg1"/>
+                </a:solidFill>
+                <a:latin typeface="Montserrat" panose="00000500000000000000" pitchFamily="50" charset="0"/>
+              </a:endParaRPr>
+            </a:p>
+            <a:p>
+              <a:pPr algn="ctr"/>
+              <a:r>
+                <a:rPr lang="en-GB" sz="1600" dirty="0">
+                  <a:solidFill>
+                    <a:schemeClr val="bg1"/>
+                  </a:solidFill>
+                  <a:latin typeface="Montserrat" panose="00000500000000000000" pitchFamily="50" charset="0"/>
+                </a:rPr>
+                <a:t>Support student comprehension.</a:t>
+              </a:r>
+            </a:p>
+            <a:p>
+              <a:pPr algn="ctr"/>
+              <a:endParaRPr lang="en-GB" sz="1600" dirty="0">
+                <a:solidFill>
+                  <a:schemeClr val="bg1"/>
+                </a:solidFill>
+                <a:latin typeface="Montserrat" panose="00000500000000000000" pitchFamily="50" charset="0"/>
+              </a:endParaRPr>
+            </a:p>
+            <a:p>
+              <a:pPr algn="ctr"/>
+              <a:r>
+                <a:rPr lang="en-GB" sz="1600" dirty="0">
+                  <a:solidFill>
+                    <a:schemeClr val="bg1"/>
+                  </a:solidFill>
+                  <a:latin typeface="Montserrat" panose="00000500000000000000" pitchFamily="50" charset="0"/>
+                </a:rPr>
+                <a:t>Increase student engagement.</a:t>
+              </a:r>
+            </a:p>
+            <a:p>
+              <a:pPr algn="ctr"/>
+              <a:endParaRPr lang="en-GB" sz="1600" dirty="0">
+                <a:solidFill>
+                  <a:schemeClr val="bg1"/>
+                </a:solidFill>
+                <a:latin typeface="Montserrat" panose="00000500000000000000" pitchFamily="50" charset="0"/>
+              </a:endParaRPr>
+            </a:p>
+            <a:p>
+              <a:pPr algn="ctr"/>
+              <a:r>
+                <a:rPr lang="en-GB" sz="1600" dirty="0">
+                  <a:solidFill>
+                    <a:schemeClr val="bg1"/>
+                  </a:solidFill>
+                  <a:latin typeface="Montserrat" panose="00000500000000000000" pitchFamily="50" charset="0"/>
+                </a:rPr>
+                <a:t>Prompt critical thinking.</a:t>
+              </a:r>
+            </a:p>
+            <a:p>
+              <a:pPr algn="ctr"/>
+              <a:endParaRPr lang="en-GB" sz="1600" dirty="0">
+                <a:solidFill>
+                  <a:schemeClr val="bg1"/>
+                </a:solidFill>
+                <a:latin typeface="Montserrat" panose="00000500000000000000" pitchFamily="50" charset="0"/>
+              </a:endParaRPr>
+            </a:p>
+            <a:p>
+              <a:pPr algn="ctr"/>
+              <a:r>
+                <a:rPr lang="en-GB" sz="1600" dirty="0">
+                  <a:solidFill>
+                    <a:schemeClr val="bg1"/>
+                  </a:solidFill>
+                  <a:latin typeface="Montserrat" panose="00000500000000000000" pitchFamily="50" charset="0"/>
+                </a:rPr>
+                <a:t>Example: Paper Comprehension</a:t>
+              </a:r>
+            </a:p>
+            <a:p>
+              <a:pPr algn="ctr"/>
+              <a:endParaRPr lang="en-GB" sz="1600" dirty="0">
+                <a:solidFill>
+                  <a:schemeClr val="bg1"/>
+                </a:solidFill>
+                <a:latin typeface="Montserrat" panose="00000500000000000000" pitchFamily="50" charset="0"/>
+              </a:endParaRPr>
+            </a:p>
+            <a:p>
+              <a:pPr algn="ctr"/>
+              <a:r>
+                <a:rPr lang="en-GB" sz="1600" b="1" dirty="0">
+                  <a:solidFill>
+                    <a:schemeClr val="bg1"/>
+                  </a:solidFill>
+                  <a:latin typeface="Montserrat" panose="00000500000000000000" pitchFamily="50" charset="0"/>
+                  <a:hlinkClick r:id="rId2">
+                    <a:extLst>
+                      <a:ext uri="{A12FA001-AC4F-418D-AE19-62706E023703}">
+                        <ahyp:hlinkClr xmlns:ahyp="http://schemas.microsoft.com/office/drawing/2018/hyperlinkcolor" val="tx"/>
+                      </a:ext>
+                    </a:extLst>
+                  </a:hlinkClick>
+                </a:rPr>
+                <a:t>[</a:t>
+              </a:r>
+              <a:r>
+                <a:rPr lang="en-GB" sz="1600" b="1" dirty="0">
+                  <a:solidFill>
+                    <a:schemeClr val="bg1"/>
+                  </a:solidFill>
+                  <a:latin typeface="Montserrat" panose="00000500000000000000" pitchFamily="50" charset="0"/>
+                  <a:hlinkClick r:id="rId4">
+                    <a:extLst>
+                      <a:ext uri="{A12FA001-AC4F-418D-AE19-62706E023703}">
+                        <ahyp:hlinkClr xmlns:ahyp="http://schemas.microsoft.com/office/drawing/2018/hyperlinkcolor" val="tx"/>
+                      </a:ext>
+                    </a:extLst>
+                  </a:hlinkClick>
+                </a:rPr>
+                <a:t>How to video</a:t>
+              </a:r>
+              <a:r>
+                <a:rPr lang="en-GB" sz="1600" b="1" dirty="0">
+                  <a:solidFill>
+                    <a:schemeClr val="bg1"/>
+                  </a:solidFill>
+                  <a:latin typeface="Montserrat" panose="00000500000000000000" pitchFamily="50" charset="0"/>
+                  <a:hlinkClick r:id="rId3">
+                    <a:extLst>
+                      <a:ext uri="{A12FA001-AC4F-418D-AE19-62706E023703}">
+                        <ahyp:hlinkClr xmlns:ahyp="http://schemas.microsoft.com/office/drawing/2018/hyperlinkcolor" val="tx"/>
+                      </a:ext>
+                    </a:extLst>
+                  </a:hlinkClick>
+                </a:rPr>
+                <a:t>]</a:t>
+              </a:r>
+              <a:endParaRPr lang="en-GB" sz="1600" b="1" dirty="0">
+                <a:solidFill>
+                  <a:schemeClr val="bg1"/>
+                </a:solidFill>
+                <a:latin typeface="Montserrat" panose="00000500000000000000" pitchFamily="50" charset="0"/>
+              </a:endParaRPr>
+            </a:p>
+            <a:p>
+              <a:pPr algn="ctr"/>
+              <a:endParaRPr lang="en-GB" sz="1600" dirty="0">
+                <a:solidFill>
+                  <a:schemeClr val="bg1"/>
+                </a:solidFill>
+                <a:latin typeface="Montserrat" panose="00000500000000000000" pitchFamily="50" charset="0"/>
+              </a:endParaRPr>
+            </a:p>
+          </p:txBody>
+        </p:sp>
+        <p:sp>
+          <p:nvSpPr>
+            <p:cNvPr id="11" name="TextBox 10">
+              <a:extLst>
+                <a:ext uri="{FF2B5EF4-FFF2-40B4-BE49-F238E27FC236}">
+                  <a16:creationId xmlns:a16="http://schemas.microsoft.com/office/drawing/2014/main" id="{2E4A1E3A-2E30-4C95-EC18-E27C1F1A3355}"/>
+                </a:ext>
+              </a:extLst>
+            </p:cNvPr>
+            <p:cNvSpPr txBox="1"/>
+            <p:nvPr/>
+          </p:nvSpPr>
+          <p:spPr>
+            <a:xfrm>
+              <a:off x="6755364" y="475861"/>
+              <a:ext cx="3592284" cy="1862048"/>
+            </a:xfrm>
+            <a:prstGeom prst="rect">
+              <a:avLst/>
+            </a:prstGeom>
+            <a:noFill/>
+          </p:spPr>
+          <p:txBody>
+            <a:bodyPr wrap="square" rtlCol="0">
+              <a:spAutoFit/>
+            </a:bodyPr>
+            <a:lstStyle/>
+            <a:p>
+              <a:pPr algn="ctr"/>
+              <a:r>
+                <a:rPr lang="en-GB" sz="11500" b="1" dirty="0">
+                  <a:solidFill>
+                    <a:schemeClr val="bg1">
+                      <a:alpha val="25000"/>
+                    </a:schemeClr>
+                  </a:solidFill>
+                  <a:latin typeface="Montserrat" panose="00000500000000000000" pitchFamily="50" charset="0"/>
+                </a:rPr>
+                <a:t>02</a:t>
+              </a:r>
+            </a:p>
+          </p:txBody>
+        </p:sp>
+        <p:sp>
+          <p:nvSpPr>
+            <p:cNvPr id="12" name="TextBox 11">
+              <a:extLst>
+                <a:ext uri="{FF2B5EF4-FFF2-40B4-BE49-F238E27FC236}">
+                  <a16:creationId xmlns:a16="http://schemas.microsoft.com/office/drawing/2014/main" id="{D638BEC4-61AE-AD89-82D3-EB4D01C82E4B}"/>
+                </a:ext>
+              </a:extLst>
+            </p:cNvPr>
+            <p:cNvSpPr txBox="1"/>
+            <p:nvPr/>
+          </p:nvSpPr>
+          <p:spPr>
+            <a:xfrm>
+              <a:off x="6224631" y="1726164"/>
+              <a:ext cx="4479721" cy="369332"/>
+            </a:xfrm>
+            <a:prstGeom prst="rect">
+              <a:avLst/>
+            </a:prstGeom>
+            <a:noFill/>
+          </p:spPr>
+          <p:txBody>
+            <a:bodyPr wrap="square" rtlCol="0">
+              <a:spAutoFit/>
+            </a:bodyPr>
+            <a:lstStyle/>
+            <a:p>
+              <a:pPr algn="ctr"/>
+              <a:r>
+                <a:rPr lang="en-GB" b="1" dirty="0">
+                  <a:solidFill>
+                    <a:schemeClr val="bg1"/>
+                  </a:solidFill>
+                  <a:latin typeface="Montserrat" panose="00000500000000000000" pitchFamily="50" charset="0"/>
+                </a:rPr>
+                <a:t>Building Formative Activities</a:t>
+              </a:r>
+            </a:p>
+          </p:txBody>
+        </p:sp>
+      </p:grpSp>
+      <p:grpSp>
+        <p:nvGrpSpPr>
+          <p:cNvPr id="23" name="Group 22">
+            <a:extLst>
+              <a:ext uri="{FF2B5EF4-FFF2-40B4-BE49-F238E27FC236}">
+                <a16:creationId xmlns:a16="http://schemas.microsoft.com/office/drawing/2014/main" id="{127CA7DA-4DCC-4F49-2B57-8BFBD8E22326}"/>
+              </a:ext>
+            </a:extLst>
+          </p:cNvPr>
+          <p:cNvGrpSpPr/>
+          <p:nvPr/>
+        </p:nvGrpSpPr>
+        <p:grpSpPr>
+          <a:xfrm>
+            <a:off x="-12969176" y="-4224"/>
+            <a:ext cx="11480101" cy="6862224"/>
+            <a:chOff x="0" y="0"/>
+            <a:chExt cx="11480101" cy="6862224"/>
+          </a:xfrm>
+        </p:grpSpPr>
+        <p:grpSp>
+          <p:nvGrpSpPr>
+            <p:cNvPr id="24" name="Group 23">
+              <a:extLst>
+                <a:ext uri="{FF2B5EF4-FFF2-40B4-BE49-F238E27FC236}">
+                  <a16:creationId xmlns:a16="http://schemas.microsoft.com/office/drawing/2014/main" id="{8FA6D2AD-B485-3324-9629-A863C26650B7}"/>
+                </a:ext>
+              </a:extLst>
+            </p:cNvPr>
+            <p:cNvGrpSpPr/>
+            <p:nvPr/>
+          </p:nvGrpSpPr>
+          <p:grpSpPr>
+            <a:xfrm>
+              <a:off x="0" y="0"/>
+              <a:ext cx="11480101" cy="6858000"/>
+              <a:chOff x="0" y="0"/>
+              <a:chExt cx="11480101" cy="6858000"/>
+            </a:xfrm>
+          </p:grpSpPr>
+          <p:sp>
+            <p:nvSpPr>
+              <p:cNvPr id="26" name="Freeform: Shape 25">
+                <a:extLst>
+                  <a:ext uri="{FF2B5EF4-FFF2-40B4-BE49-F238E27FC236}">
+                    <a16:creationId xmlns:a16="http://schemas.microsoft.com/office/drawing/2014/main" id="{A5EBC391-9CBA-FB39-137D-0B214161B721}"/>
+                  </a:ext>
+                </a:extLst>
+              </p:cNvPr>
+              <p:cNvSpPr/>
+              <p:nvPr/>
+            </p:nvSpPr>
+            <p:spPr>
+              <a:xfrm>
+                <a:off x="0" y="0"/>
+                <a:ext cx="11480101" cy="6858000"/>
+              </a:xfrm>
+              <a:custGeom>
+                <a:avLst/>
+                <a:gdLst>
+                  <a:gd name="connsiteX0" fmla="*/ 0 w 11480101"/>
+                  <a:gd name="connsiteY0" fmla="*/ 0 h 6858000"/>
+                  <a:gd name="connsiteX1" fmla="*/ 10870163 w 11480101"/>
+                  <a:gd name="connsiteY1" fmla="*/ 0 h 6858000"/>
+                  <a:gd name="connsiteX2" fmla="*/ 10870163 w 11480101"/>
+                  <a:gd name="connsiteY2" fmla="*/ 2738534 h 6858000"/>
+                  <a:gd name="connsiteX3" fmla="*/ 11365021 w 11480101"/>
+                  <a:gd name="connsiteY3" fmla="*/ 2738534 h 6858000"/>
+                  <a:gd name="connsiteX4" fmla="*/ 11480101 w 11480101"/>
+                  <a:gd name="connsiteY4" fmla="*/ 2853614 h 6858000"/>
+                  <a:gd name="connsiteX5" fmla="*/ 11480101 w 11480101"/>
+                  <a:gd name="connsiteY5" fmla="*/ 3313920 h 6858000"/>
+                  <a:gd name="connsiteX6" fmla="*/ 11365021 w 11480101"/>
+                  <a:gd name="connsiteY6" fmla="*/ 3429000 h 6858000"/>
+                  <a:gd name="connsiteX7" fmla="*/ 10870163 w 11480101"/>
+                  <a:gd name="connsiteY7" fmla="*/ 3429000 h 6858000"/>
+                  <a:gd name="connsiteX8" fmla="*/ 10870163 w 11480101"/>
+                  <a:gd name="connsiteY8" fmla="*/ 6858000 h 6858000"/>
+                  <a:gd name="connsiteX9" fmla="*/ 0 w 11480101"/>
+                  <a:gd name="connsiteY9" fmla="*/ 6858000 h 6858000"/>
+                </a:gdLst>
+                <a:ahLst/>
+                <a:cxnLst>
+                  <a:cxn ang="0">
+                    <a:pos x="connsiteX0" y="connsiteY0"/>
+                  </a:cxn>
+                  <a:cxn ang="0">
+                    <a:pos x="connsiteX1" y="connsiteY1"/>
+                  </a:cxn>
+                  <a:cxn ang="0">
+                    <a:pos x="connsiteX2" y="connsiteY2"/>
+                  </a:cxn>
+                  <a:cxn ang="0">
+                    <a:pos x="connsiteX3" y="connsiteY3"/>
+                  </a:cxn>
+                  <a:cxn ang="0">
+                    <a:pos x="connsiteX4" y="connsiteY4"/>
+                  </a:cxn>
+                  <a:cxn ang="0">
+                    <a:pos x="connsiteX5" y="connsiteY5"/>
+                  </a:cxn>
+                  <a:cxn ang="0">
+                    <a:pos x="connsiteX6" y="connsiteY6"/>
+                  </a:cxn>
+                  <a:cxn ang="0">
+                    <a:pos x="connsiteX7" y="connsiteY7"/>
+                  </a:cxn>
+                  <a:cxn ang="0">
+                    <a:pos x="connsiteX8" y="connsiteY8"/>
+                  </a:cxn>
+                  <a:cxn ang="0">
+                    <a:pos x="connsiteX9" y="connsiteY9"/>
+                  </a:cxn>
+                </a:cxnLst>
+                <a:rect l="l" t="t" r="r" b="b"/>
+                <a:pathLst>
+                  <a:path w="11480101" h="6858000">
+                    <a:moveTo>
+                      <a:pt x="0" y="0"/>
+                    </a:moveTo>
+                    <a:lnTo>
+                      <a:pt x="10870163" y="0"/>
+                    </a:lnTo>
+                    <a:lnTo>
+                      <a:pt x="10870163" y="2738534"/>
+                    </a:lnTo>
+                    <a:lnTo>
+                      <a:pt x="11365021" y="2738534"/>
+                    </a:lnTo>
+                    <a:cubicBezTo>
+                      <a:pt x="11428578" y="2738534"/>
+                      <a:pt x="11480101" y="2790057"/>
+                      <a:pt x="11480101" y="2853614"/>
+                    </a:cubicBezTo>
+                    <a:lnTo>
+                      <a:pt x="11480101" y="3313920"/>
+                    </a:lnTo>
+                    <a:cubicBezTo>
+                      <a:pt x="11480101" y="3377477"/>
+                      <a:pt x="11428578" y="3429000"/>
+                      <a:pt x="11365021" y="3429000"/>
+                    </a:cubicBezTo>
+                    <a:lnTo>
+                      <a:pt x="10870163" y="3429000"/>
+                    </a:lnTo>
+                    <a:lnTo>
+                      <a:pt x="10870163" y="6858000"/>
+                    </a:lnTo>
+                    <a:lnTo>
+                      <a:pt x="0" y="6858000"/>
+                    </a:lnTo>
+                    <a:close/>
+                  </a:path>
+                </a:pathLst>
+              </a:custGeom>
+              <a:solidFill>
+                <a:srgbClr val="19C3FF"/>
+              </a:solidFill>
+              <a:ln>
+                <a:noFill/>
+              </a:ln>
+              <a:effectLst>
+                <a:outerShdw blurRad="127000" dist="63500" algn="l" rotWithShape="0">
+                  <a:prstClr val="black">
+                    <a:alpha val="40000"/>
+                  </a:prstClr>
+                </a:outerShdw>
+              </a:effectLst>
+            </p:spPr>
+            <p:style>
+              <a:lnRef idx="2">
+                <a:schemeClr val="accent1">
+                  <a:shade val="15000"/>
+                </a:schemeClr>
+              </a:lnRef>
+              <a:fillRef idx="1">
+                <a:schemeClr val="accent1"/>
+              </a:fillRef>
+              <a:effectRef idx="0">
+                <a:schemeClr val="accent1"/>
+              </a:effectRef>
+              <a:fontRef idx="minor">
+                <a:schemeClr val="lt1"/>
+              </a:fontRef>
+            </p:style>
+            <p:txBody>
+              <a:bodyPr wrap="square" rtlCol="0" anchor="ctr">
+                <a:noAutofit/>
+              </a:bodyPr>
+              <a:lstStyle/>
+              <a:p>
+                <a:pPr algn="ctr"/>
+                <a:endParaRPr lang="en-GB" dirty="0"/>
+              </a:p>
+            </p:txBody>
+          </p:sp>
+          <p:sp>
+            <p:nvSpPr>
+              <p:cNvPr id="27" name="TextBox 26">
+                <a:extLst>
+                  <a:ext uri="{FF2B5EF4-FFF2-40B4-BE49-F238E27FC236}">
+                    <a16:creationId xmlns:a16="http://schemas.microsoft.com/office/drawing/2014/main" id="{1B3EF742-A9C5-FDFC-CD37-087E6FBB296A}"/>
+                  </a:ext>
+                </a:extLst>
+              </p:cNvPr>
+              <p:cNvSpPr txBox="1"/>
+              <p:nvPr/>
+            </p:nvSpPr>
+            <p:spPr>
+              <a:xfrm>
+                <a:off x="7324529" y="475861"/>
+                <a:ext cx="2052734" cy="1862048"/>
+              </a:xfrm>
+              <a:prstGeom prst="rect">
+                <a:avLst/>
+              </a:prstGeom>
+              <a:noFill/>
+            </p:spPr>
+            <p:txBody>
+              <a:bodyPr wrap="square" rtlCol="0">
+                <a:spAutoFit/>
+              </a:bodyPr>
+              <a:lstStyle/>
+              <a:p>
+                <a:r>
+                  <a:rPr lang="en-GB" sz="11500" b="1" dirty="0">
+                    <a:solidFill>
+                      <a:schemeClr val="bg1">
+                        <a:alpha val="25000"/>
+                      </a:schemeClr>
+                    </a:solidFill>
+                    <a:latin typeface="Montserrat" panose="00000500000000000000" pitchFamily="50" charset="0"/>
+                  </a:rPr>
+                  <a:t>03</a:t>
+                </a:r>
+              </a:p>
+            </p:txBody>
+          </p:sp>
+          <p:sp>
+            <p:nvSpPr>
+              <p:cNvPr id="28" name="TextBox 27">
+                <a:extLst>
+                  <a:ext uri="{FF2B5EF4-FFF2-40B4-BE49-F238E27FC236}">
+                    <a16:creationId xmlns:a16="http://schemas.microsoft.com/office/drawing/2014/main" id="{C548288C-A165-DAD2-D8CA-4F0D4862DF7A}"/>
+                  </a:ext>
+                </a:extLst>
+              </p:cNvPr>
+              <p:cNvSpPr txBox="1"/>
+              <p:nvPr/>
+            </p:nvSpPr>
+            <p:spPr>
+              <a:xfrm>
+                <a:off x="6643400" y="1791478"/>
+                <a:ext cx="3704248" cy="369332"/>
+              </a:xfrm>
+              <a:prstGeom prst="rect">
+                <a:avLst/>
+              </a:prstGeom>
+              <a:noFill/>
+            </p:spPr>
+            <p:txBody>
+              <a:bodyPr wrap="square" rtlCol="0">
+                <a:spAutoFit/>
+              </a:bodyPr>
+              <a:lstStyle/>
+              <a:p>
+                <a:r>
+                  <a:rPr lang="en-GB" b="1" dirty="0">
+                    <a:solidFill>
+                      <a:schemeClr val="bg1"/>
+                    </a:solidFill>
+                    <a:latin typeface="Montserrat" panose="00000500000000000000" pitchFamily="50" charset="0"/>
+                  </a:rPr>
+                  <a:t>Develop Teaching Resources</a:t>
+                </a:r>
+              </a:p>
+            </p:txBody>
+          </p:sp>
+          <p:sp>
+            <p:nvSpPr>
+              <p:cNvPr id="29" name="TextBox 28">
+                <a:extLst>
+                  <a:ext uri="{FF2B5EF4-FFF2-40B4-BE49-F238E27FC236}">
+                    <a16:creationId xmlns:a16="http://schemas.microsoft.com/office/drawing/2014/main" id="{0DFCA3A7-7586-C9C3-3036-DC0FEC2A2A09}"/>
+                  </a:ext>
+                </a:extLst>
+              </p:cNvPr>
+              <p:cNvSpPr txBox="1"/>
+              <p:nvPr/>
+            </p:nvSpPr>
+            <p:spPr>
+              <a:xfrm>
+                <a:off x="10966915" y="2817846"/>
+                <a:ext cx="438539" cy="523220"/>
+              </a:xfrm>
+              <a:prstGeom prst="rect">
+                <a:avLst/>
+              </a:prstGeom>
+              <a:noFill/>
+            </p:spPr>
+            <p:txBody>
+              <a:bodyPr wrap="square" rtlCol="0">
+                <a:spAutoFit/>
+              </a:bodyPr>
+              <a:lstStyle/>
+              <a:p>
+                <a:r>
+                  <a:rPr lang="en-GB" sz="2800" b="1" dirty="0">
+                    <a:solidFill>
+                      <a:srgbClr val="3A7E96"/>
+                    </a:solidFill>
+                    <a:latin typeface="Montserrat" panose="00000500000000000000" pitchFamily="50" charset="0"/>
+                  </a:rPr>
+                  <a:t>3</a:t>
+                </a:r>
+              </a:p>
+            </p:txBody>
+          </p:sp>
+        </p:grpSp>
+        <p:sp>
+          <p:nvSpPr>
+            <p:cNvPr id="25" name="TextBox 24">
+              <a:extLst>
+                <a:ext uri="{FF2B5EF4-FFF2-40B4-BE49-F238E27FC236}">
+                  <a16:creationId xmlns:a16="http://schemas.microsoft.com/office/drawing/2014/main" id="{C1BC3291-56E9-4C22-1526-1E6B642C10C1}"/>
+                </a:ext>
+              </a:extLst>
+            </p:cNvPr>
+            <p:cNvSpPr txBox="1"/>
+            <p:nvPr/>
+          </p:nvSpPr>
+          <p:spPr>
+            <a:xfrm>
+              <a:off x="6755363" y="2337909"/>
+              <a:ext cx="3592285" cy="4524315"/>
+            </a:xfrm>
+            <a:prstGeom prst="rect">
+              <a:avLst/>
+            </a:prstGeom>
+            <a:noFill/>
+          </p:spPr>
+          <p:txBody>
+            <a:bodyPr wrap="square" rtlCol="0">
+              <a:spAutoFit/>
+            </a:bodyPr>
+            <a:lstStyle/>
+            <a:p>
+              <a:pPr algn="ctr"/>
+              <a:r>
+                <a:rPr lang="en-GB" sz="1600" dirty="0">
+                  <a:solidFill>
+                    <a:schemeClr val="bg1"/>
+                  </a:solidFill>
+                  <a:latin typeface="Montserrat" panose="00000500000000000000" pitchFamily="50" charset="0"/>
+                </a:rPr>
+                <a:t>Quickly develop a structured resource on ANY topic for students.</a:t>
+              </a:r>
+            </a:p>
+            <a:p>
+              <a:pPr algn="ctr"/>
+              <a:endParaRPr lang="en-GB" sz="1600" dirty="0">
+                <a:solidFill>
+                  <a:schemeClr val="bg1"/>
+                </a:solidFill>
+                <a:latin typeface="Montserrat" panose="00000500000000000000" pitchFamily="50" charset="0"/>
+              </a:endParaRPr>
+            </a:p>
+            <a:p>
+              <a:pPr algn="ctr"/>
+              <a:r>
+                <a:rPr lang="en-GB" sz="1600" dirty="0">
+                  <a:solidFill>
+                    <a:schemeClr val="bg1"/>
+                  </a:solidFill>
+                  <a:latin typeface="Montserrat" panose="00000500000000000000" pitchFamily="50" charset="0"/>
+                </a:rPr>
+                <a:t>Swallow your pride.</a:t>
+              </a:r>
+            </a:p>
+            <a:p>
+              <a:pPr algn="ctr"/>
+              <a:endParaRPr lang="en-GB" sz="1600" dirty="0">
+                <a:solidFill>
+                  <a:schemeClr val="bg1"/>
+                </a:solidFill>
+                <a:latin typeface="Montserrat" panose="00000500000000000000" pitchFamily="50" charset="0"/>
+              </a:endParaRPr>
+            </a:p>
+            <a:p>
+              <a:pPr algn="ctr"/>
+              <a:r>
+                <a:rPr lang="en-GB" sz="1600" dirty="0">
+                  <a:solidFill>
+                    <a:schemeClr val="bg1"/>
+                  </a:solidFill>
+                  <a:latin typeface="Montserrat" panose="00000500000000000000" pitchFamily="50" charset="0"/>
+                </a:rPr>
+                <a:t>Use ChatGPT to build a resource that’s twice as good in half the time.</a:t>
+              </a:r>
+            </a:p>
+            <a:p>
+              <a:pPr algn="ctr"/>
+              <a:endParaRPr lang="en-GB" sz="1600" dirty="0">
+                <a:solidFill>
+                  <a:schemeClr val="bg1"/>
+                </a:solidFill>
+                <a:latin typeface="Montserrat" panose="00000500000000000000" pitchFamily="50" charset="0"/>
+              </a:endParaRPr>
+            </a:p>
+            <a:p>
+              <a:pPr algn="ctr"/>
+              <a:r>
+                <a:rPr lang="en-GB" sz="1600" b="1" dirty="0">
+                  <a:solidFill>
+                    <a:schemeClr val="bg1"/>
+                  </a:solidFill>
+                  <a:latin typeface="Montserrat" panose="00000500000000000000" pitchFamily="50" charset="0"/>
+                </a:rPr>
+                <a:t>Example: Active Learning Workshop.</a:t>
+              </a:r>
+            </a:p>
+            <a:p>
+              <a:pPr algn="ctr"/>
+              <a:endParaRPr lang="en-GB" sz="1600" dirty="0">
+                <a:solidFill>
+                  <a:schemeClr val="bg1"/>
+                </a:solidFill>
+                <a:latin typeface="Montserrat" panose="00000500000000000000" pitchFamily="50" charset="0"/>
+              </a:endParaRPr>
+            </a:p>
+            <a:p>
+              <a:pPr algn="ctr"/>
+              <a:r>
+                <a:rPr lang="en-GB" sz="1600" dirty="0">
+                  <a:solidFill>
+                    <a:schemeClr val="bg1"/>
+                  </a:solidFill>
+                  <a:latin typeface="Montserrat" panose="00000500000000000000" pitchFamily="50" charset="0"/>
+                </a:rPr>
+                <a:t>Introduction to Visualisation using R and Ggplot2.</a:t>
+              </a:r>
+            </a:p>
+            <a:p>
+              <a:pPr algn="ctr"/>
+              <a:endParaRPr lang="en-GB" sz="1600" dirty="0">
+                <a:solidFill>
+                  <a:schemeClr val="bg1"/>
+                </a:solidFill>
+                <a:latin typeface="Montserrat" panose="00000500000000000000" pitchFamily="50" charset="0"/>
+              </a:endParaRPr>
+            </a:p>
+            <a:p>
+              <a:pPr algn="ctr"/>
+              <a:endParaRPr lang="en-GB" sz="1600" dirty="0">
+                <a:solidFill>
+                  <a:schemeClr val="bg1"/>
+                </a:solidFill>
+                <a:latin typeface="Montserrat" panose="00000500000000000000" pitchFamily="50" charset="0"/>
+              </a:endParaRPr>
+            </a:p>
+            <a:p>
+              <a:pPr algn="ctr"/>
+              <a:endParaRPr lang="en-GB" sz="1600" dirty="0">
+                <a:solidFill>
+                  <a:schemeClr val="bg1"/>
+                </a:solidFill>
+                <a:latin typeface="Montserrat" panose="00000500000000000000" pitchFamily="50" charset="0"/>
+              </a:endParaRPr>
+            </a:p>
+          </p:txBody>
+        </p:sp>
+      </p:grpSp>
+      <p:grpSp>
+        <p:nvGrpSpPr>
+          <p:cNvPr id="30" name="Group 29">
+            <a:extLst>
+              <a:ext uri="{FF2B5EF4-FFF2-40B4-BE49-F238E27FC236}">
+                <a16:creationId xmlns:a16="http://schemas.microsoft.com/office/drawing/2014/main" id="{84194512-DFC4-C89F-FC9A-519A40516AC2}"/>
+              </a:ext>
+            </a:extLst>
+          </p:cNvPr>
+          <p:cNvGrpSpPr/>
+          <p:nvPr/>
+        </p:nvGrpSpPr>
+        <p:grpSpPr>
+          <a:xfrm>
+            <a:off x="-13627655" y="-12672"/>
+            <a:ext cx="11480101" cy="6862224"/>
+            <a:chOff x="0" y="0"/>
+            <a:chExt cx="11480101" cy="6862224"/>
+          </a:xfrm>
+        </p:grpSpPr>
+        <p:grpSp>
+          <p:nvGrpSpPr>
+            <p:cNvPr id="31" name="Group 30">
+              <a:extLst>
+                <a:ext uri="{FF2B5EF4-FFF2-40B4-BE49-F238E27FC236}">
+                  <a16:creationId xmlns:a16="http://schemas.microsoft.com/office/drawing/2014/main" id="{D52A1BCB-BBD0-016F-0042-81FD2DF2B810}"/>
+                </a:ext>
+              </a:extLst>
+            </p:cNvPr>
+            <p:cNvGrpSpPr/>
+            <p:nvPr/>
+          </p:nvGrpSpPr>
+          <p:grpSpPr>
+            <a:xfrm>
+              <a:off x="0" y="0"/>
+              <a:ext cx="11480101" cy="6858000"/>
+              <a:chOff x="0" y="0"/>
+              <a:chExt cx="11480101" cy="6858000"/>
+            </a:xfrm>
+          </p:grpSpPr>
+          <p:sp>
+            <p:nvSpPr>
+              <p:cNvPr id="33" name="Freeform: Shape 32">
+                <a:extLst>
+                  <a:ext uri="{FF2B5EF4-FFF2-40B4-BE49-F238E27FC236}">
+                    <a16:creationId xmlns:a16="http://schemas.microsoft.com/office/drawing/2014/main" id="{0F5F3939-9EA0-3569-786C-D71895F2F1ED}"/>
+                  </a:ext>
+                </a:extLst>
+              </p:cNvPr>
+              <p:cNvSpPr/>
+              <p:nvPr/>
+            </p:nvSpPr>
+            <p:spPr>
+              <a:xfrm>
+                <a:off x="0" y="0"/>
+                <a:ext cx="11480101" cy="6858000"/>
+              </a:xfrm>
+              <a:custGeom>
+                <a:avLst/>
+                <a:gdLst>
+                  <a:gd name="connsiteX0" fmla="*/ 0 w 11480101"/>
+                  <a:gd name="connsiteY0" fmla="*/ 0 h 6858000"/>
+                  <a:gd name="connsiteX1" fmla="*/ 10870163 w 11480101"/>
+                  <a:gd name="connsiteY1" fmla="*/ 0 h 6858000"/>
+                  <a:gd name="connsiteX2" fmla="*/ 10870163 w 11480101"/>
+                  <a:gd name="connsiteY2" fmla="*/ 1803138 h 6858000"/>
+                  <a:gd name="connsiteX3" fmla="*/ 11365021 w 11480101"/>
+                  <a:gd name="connsiteY3" fmla="*/ 1803138 h 6858000"/>
+                  <a:gd name="connsiteX4" fmla="*/ 11480101 w 11480101"/>
+                  <a:gd name="connsiteY4" fmla="*/ 1918218 h 6858000"/>
+                  <a:gd name="connsiteX5" fmla="*/ 11480101 w 11480101"/>
+                  <a:gd name="connsiteY5" fmla="*/ 2378524 h 6858000"/>
+                  <a:gd name="connsiteX6" fmla="*/ 11365021 w 11480101"/>
+                  <a:gd name="connsiteY6" fmla="*/ 2493604 h 6858000"/>
+                  <a:gd name="connsiteX7" fmla="*/ 10870163 w 11480101"/>
+                  <a:gd name="connsiteY7" fmla="*/ 2493604 h 6858000"/>
+                  <a:gd name="connsiteX8" fmla="*/ 10870163 w 11480101"/>
+                  <a:gd name="connsiteY8" fmla="*/ 6858000 h 6858000"/>
+                  <a:gd name="connsiteX9" fmla="*/ 0 w 11480101"/>
+                  <a:gd name="connsiteY9" fmla="*/ 6858000 h 6858000"/>
+                </a:gdLst>
+                <a:ahLst/>
+                <a:cxnLst>
+                  <a:cxn ang="0">
+                    <a:pos x="connsiteX0" y="connsiteY0"/>
+                  </a:cxn>
+                  <a:cxn ang="0">
+                    <a:pos x="connsiteX1" y="connsiteY1"/>
+                  </a:cxn>
+                  <a:cxn ang="0">
+                    <a:pos x="connsiteX2" y="connsiteY2"/>
+                  </a:cxn>
+                  <a:cxn ang="0">
+                    <a:pos x="connsiteX3" y="connsiteY3"/>
+                  </a:cxn>
+                  <a:cxn ang="0">
+                    <a:pos x="connsiteX4" y="connsiteY4"/>
+                  </a:cxn>
+                  <a:cxn ang="0">
+                    <a:pos x="connsiteX5" y="connsiteY5"/>
+                  </a:cxn>
+                  <a:cxn ang="0">
+                    <a:pos x="connsiteX6" y="connsiteY6"/>
+                  </a:cxn>
+                  <a:cxn ang="0">
+                    <a:pos x="connsiteX7" y="connsiteY7"/>
+                  </a:cxn>
+                  <a:cxn ang="0">
+                    <a:pos x="connsiteX8" y="connsiteY8"/>
+                  </a:cxn>
+                  <a:cxn ang="0">
+                    <a:pos x="connsiteX9" y="connsiteY9"/>
+                  </a:cxn>
+                </a:cxnLst>
+                <a:rect l="l" t="t" r="r" b="b"/>
+                <a:pathLst>
+                  <a:path w="11480101" h="6858000">
+                    <a:moveTo>
+                      <a:pt x="0" y="0"/>
+                    </a:moveTo>
+                    <a:lnTo>
+                      <a:pt x="10870163" y="0"/>
+                    </a:lnTo>
+                    <a:lnTo>
+                      <a:pt x="10870163" y="1803138"/>
+                    </a:lnTo>
+                    <a:lnTo>
+                      <a:pt x="11365021" y="1803138"/>
+                    </a:lnTo>
+                    <a:cubicBezTo>
+                      <a:pt x="11428578" y="1803138"/>
+                      <a:pt x="11480101" y="1854661"/>
+                      <a:pt x="11480101" y="1918218"/>
+                    </a:cubicBezTo>
+                    <a:lnTo>
+                      <a:pt x="11480101" y="2378524"/>
+                    </a:lnTo>
+                    <a:cubicBezTo>
+                      <a:pt x="11480101" y="2442081"/>
+                      <a:pt x="11428578" y="2493604"/>
+                      <a:pt x="11365021" y="2493604"/>
+                    </a:cubicBezTo>
+                    <a:lnTo>
+                      <a:pt x="10870163" y="2493604"/>
+                    </a:lnTo>
+                    <a:lnTo>
+                      <a:pt x="10870163" y="6858000"/>
+                    </a:lnTo>
+                    <a:lnTo>
+                      <a:pt x="0" y="6858000"/>
+                    </a:lnTo>
+                    <a:close/>
+                  </a:path>
+                </a:pathLst>
+              </a:custGeom>
+              <a:solidFill>
+                <a:srgbClr val="75DBFF"/>
+              </a:solidFill>
+              <a:ln>
+                <a:noFill/>
+              </a:ln>
+              <a:effectLst>
+                <a:outerShdw blurRad="127000" dist="63500" algn="l" rotWithShape="0">
+                  <a:prstClr val="black">
+                    <a:alpha val="40000"/>
+                  </a:prstClr>
+                </a:outerShdw>
+              </a:effectLst>
+            </p:spPr>
+            <p:style>
+              <a:lnRef idx="2">
+                <a:schemeClr val="accent1">
+                  <a:shade val="15000"/>
+                </a:schemeClr>
+              </a:lnRef>
+              <a:fillRef idx="1">
+                <a:schemeClr val="accent1"/>
+              </a:fillRef>
+              <a:effectRef idx="0">
+                <a:schemeClr val="accent1"/>
+              </a:effectRef>
+              <a:fontRef idx="minor">
+                <a:schemeClr val="lt1"/>
+              </a:fontRef>
+            </p:style>
+            <p:txBody>
+              <a:bodyPr wrap="square" rtlCol="0" anchor="ctr">
+                <a:noAutofit/>
+              </a:bodyPr>
+              <a:lstStyle/>
+              <a:p>
+                <a:pPr algn="ctr"/>
+                <a:endParaRPr lang="en-GB" dirty="0"/>
+              </a:p>
+            </p:txBody>
+          </p:sp>
+          <p:sp>
+            <p:nvSpPr>
+              <p:cNvPr id="34" name="TextBox 33">
+                <a:extLst>
+                  <a:ext uri="{FF2B5EF4-FFF2-40B4-BE49-F238E27FC236}">
+                    <a16:creationId xmlns:a16="http://schemas.microsoft.com/office/drawing/2014/main" id="{FBF6D771-D648-8893-66A8-72692412F5A2}"/>
+                  </a:ext>
+                </a:extLst>
+              </p:cNvPr>
+              <p:cNvSpPr txBox="1"/>
+              <p:nvPr/>
+            </p:nvSpPr>
+            <p:spPr>
+              <a:xfrm>
+                <a:off x="7240562" y="438539"/>
+                <a:ext cx="2724539" cy="1862048"/>
+              </a:xfrm>
+              <a:prstGeom prst="rect">
+                <a:avLst/>
+              </a:prstGeom>
+              <a:noFill/>
+            </p:spPr>
+            <p:txBody>
+              <a:bodyPr wrap="square" rtlCol="0">
+                <a:spAutoFit/>
+              </a:bodyPr>
+              <a:lstStyle/>
+              <a:p>
+                <a:r>
+                  <a:rPr lang="en-GB" sz="11500" b="1" dirty="0">
+                    <a:solidFill>
+                      <a:schemeClr val="bg1">
+                        <a:alpha val="25000"/>
+                      </a:schemeClr>
+                    </a:solidFill>
+                    <a:latin typeface="Montserrat" panose="00000500000000000000" pitchFamily="50" charset="0"/>
+                  </a:rPr>
+                  <a:t>04</a:t>
+                </a:r>
+              </a:p>
+            </p:txBody>
+          </p:sp>
+          <p:sp>
+            <p:nvSpPr>
+              <p:cNvPr id="35" name="TextBox 34">
+                <a:extLst>
+                  <a:ext uri="{FF2B5EF4-FFF2-40B4-BE49-F238E27FC236}">
+                    <a16:creationId xmlns:a16="http://schemas.microsoft.com/office/drawing/2014/main" id="{E8AC0B00-B267-3FBB-332B-0933372CED3D}"/>
+                  </a:ext>
+                </a:extLst>
+              </p:cNvPr>
+              <p:cNvSpPr txBox="1"/>
+              <p:nvPr/>
+            </p:nvSpPr>
+            <p:spPr>
+              <a:xfrm>
+                <a:off x="7128593" y="1724218"/>
+                <a:ext cx="2724539" cy="369332"/>
+              </a:xfrm>
+              <a:prstGeom prst="rect">
+                <a:avLst/>
+              </a:prstGeom>
+              <a:noFill/>
+            </p:spPr>
+            <p:txBody>
+              <a:bodyPr wrap="square" rtlCol="0">
+                <a:spAutoFit/>
+              </a:bodyPr>
+              <a:lstStyle/>
+              <a:p>
+                <a:r>
+                  <a:rPr lang="en-GB" b="1" dirty="0">
+                    <a:solidFill>
+                      <a:schemeClr val="bg1"/>
+                    </a:solidFill>
+                    <a:latin typeface="Montserrat" panose="00000500000000000000" pitchFamily="50" charset="0"/>
+                  </a:rPr>
+                  <a:t>Assistive Feedback</a:t>
+                </a:r>
+              </a:p>
+            </p:txBody>
+          </p:sp>
+          <p:sp>
+            <p:nvSpPr>
+              <p:cNvPr id="36" name="TextBox 35">
+                <a:extLst>
+                  <a:ext uri="{FF2B5EF4-FFF2-40B4-BE49-F238E27FC236}">
+                    <a16:creationId xmlns:a16="http://schemas.microsoft.com/office/drawing/2014/main" id="{3ED622BD-B286-0322-7046-EF5A77119A72}"/>
+                  </a:ext>
+                </a:extLst>
+              </p:cNvPr>
+              <p:cNvSpPr txBox="1"/>
+              <p:nvPr/>
+            </p:nvSpPr>
+            <p:spPr>
+              <a:xfrm>
+                <a:off x="10935478" y="1908884"/>
+                <a:ext cx="516633" cy="523220"/>
+              </a:xfrm>
+              <a:prstGeom prst="rect">
+                <a:avLst/>
+              </a:prstGeom>
+              <a:noFill/>
+            </p:spPr>
+            <p:txBody>
+              <a:bodyPr wrap="square" rtlCol="0">
+                <a:spAutoFit/>
+              </a:bodyPr>
+              <a:lstStyle/>
+              <a:p>
+                <a:r>
+                  <a:rPr lang="en-GB" sz="2800" b="1" dirty="0">
+                    <a:solidFill>
+                      <a:srgbClr val="19C3FF"/>
+                    </a:solidFill>
+                    <a:latin typeface="Montserrat" panose="00000500000000000000" pitchFamily="50" charset="0"/>
+                  </a:rPr>
+                  <a:t>4</a:t>
+                </a:r>
+              </a:p>
+            </p:txBody>
+          </p:sp>
+        </p:grpSp>
+        <p:sp>
+          <p:nvSpPr>
+            <p:cNvPr id="32" name="TextBox 31">
+              <a:extLst>
+                <a:ext uri="{FF2B5EF4-FFF2-40B4-BE49-F238E27FC236}">
+                  <a16:creationId xmlns:a16="http://schemas.microsoft.com/office/drawing/2014/main" id="{464983AC-4225-732A-B4E2-11F50F0B7680}"/>
+                </a:ext>
+              </a:extLst>
+            </p:cNvPr>
+            <p:cNvSpPr txBox="1"/>
+            <p:nvPr/>
+          </p:nvSpPr>
+          <p:spPr>
+            <a:xfrm>
+              <a:off x="6755363" y="2337909"/>
+              <a:ext cx="3592285" cy="4524315"/>
+            </a:xfrm>
+            <a:prstGeom prst="rect">
+              <a:avLst/>
+            </a:prstGeom>
+            <a:noFill/>
+          </p:spPr>
+          <p:txBody>
+            <a:bodyPr wrap="square" rtlCol="0">
+              <a:spAutoFit/>
+            </a:bodyPr>
+            <a:lstStyle/>
+            <a:p>
+              <a:pPr algn="ctr"/>
+              <a:r>
+                <a:rPr lang="en-GB" sz="1600" dirty="0">
+                  <a:solidFill>
+                    <a:schemeClr val="bg1"/>
+                  </a:solidFill>
+                  <a:latin typeface="Montserrat" panose="00000500000000000000" pitchFamily="50" charset="0"/>
+                </a:rPr>
+                <a:t>Automate feedback provided on coursework submissions via Canvas/ChatGPT.</a:t>
+              </a:r>
+            </a:p>
+            <a:p>
+              <a:pPr algn="ctr"/>
+              <a:endParaRPr lang="en-GB" sz="1600" dirty="0">
+                <a:solidFill>
+                  <a:schemeClr val="bg1"/>
+                </a:solidFill>
+                <a:latin typeface="Montserrat" panose="00000500000000000000" pitchFamily="50" charset="0"/>
+              </a:endParaRPr>
+            </a:p>
+            <a:p>
+              <a:pPr algn="ctr"/>
+              <a:r>
+                <a:rPr lang="en-GB" sz="1600" dirty="0">
+                  <a:solidFill>
+                    <a:schemeClr val="bg1"/>
+                  </a:solidFill>
+                  <a:latin typeface="Montserrat" panose="00000500000000000000" pitchFamily="50" charset="0"/>
+                </a:rPr>
+                <a:t>Referencing criteria only!</a:t>
+              </a:r>
+            </a:p>
+            <a:p>
+              <a:pPr algn="ctr"/>
+              <a:endParaRPr lang="en-GB" sz="1600" dirty="0">
+                <a:solidFill>
+                  <a:schemeClr val="bg1"/>
+                </a:solidFill>
+                <a:latin typeface="Montserrat" panose="00000500000000000000" pitchFamily="50" charset="0"/>
+              </a:endParaRPr>
+            </a:p>
+            <a:p>
+              <a:pPr algn="ctr"/>
+              <a:r>
+                <a:rPr lang="en-GB" sz="1600" dirty="0">
+                  <a:solidFill>
+                    <a:schemeClr val="bg1"/>
+                  </a:solidFill>
+                  <a:latin typeface="Montserrat" panose="00000500000000000000" pitchFamily="50" charset="0"/>
+                </a:rPr>
+                <a:t>Improving student experience.</a:t>
+              </a:r>
+            </a:p>
+            <a:p>
+              <a:pPr algn="ctr"/>
+              <a:endParaRPr lang="en-GB" sz="1600" dirty="0">
+                <a:solidFill>
+                  <a:schemeClr val="bg1"/>
+                </a:solidFill>
+                <a:latin typeface="Montserrat" panose="00000500000000000000" pitchFamily="50" charset="0"/>
+              </a:endParaRPr>
+            </a:p>
+            <a:p>
+              <a:pPr algn="ctr"/>
+              <a:r>
+                <a:rPr lang="en-GB" sz="1600" dirty="0">
+                  <a:solidFill>
+                    <a:schemeClr val="bg1"/>
+                  </a:solidFill>
+                  <a:latin typeface="Montserrat" panose="00000500000000000000" pitchFamily="50" charset="0"/>
+                </a:rPr>
+                <a:t>Increasing consistency across large groups of markers.</a:t>
+              </a:r>
+            </a:p>
+            <a:p>
+              <a:pPr algn="ctr"/>
+              <a:endParaRPr lang="en-GB" sz="1600" dirty="0">
+                <a:solidFill>
+                  <a:schemeClr val="bg1"/>
+                </a:solidFill>
+                <a:latin typeface="Montserrat" panose="00000500000000000000" pitchFamily="50" charset="0"/>
+              </a:endParaRPr>
+            </a:p>
+            <a:p>
+              <a:pPr algn="ctr"/>
+              <a:r>
+                <a:rPr lang="en-GB" sz="1600" b="1" dirty="0">
+                  <a:solidFill>
+                    <a:schemeClr val="bg1"/>
+                  </a:solidFill>
+                  <a:latin typeface="Montserrat" panose="00000500000000000000" pitchFamily="50" charset="0"/>
+                </a:rPr>
+                <a:t>Example: Assistive Feedback Tool</a:t>
+              </a:r>
+            </a:p>
+            <a:p>
+              <a:pPr algn="ctr"/>
+              <a:endParaRPr lang="en-GB" sz="1600" dirty="0">
+                <a:solidFill>
+                  <a:schemeClr val="bg1"/>
+                </a:solidFill>
+                <a:latin typeface="Montserrat" panose="00000500000000000000" pitchFamily="50" charset="0"/>
+              </a:endParaRPr>
+            </a:p>
+            <a:p>
+              <a:pPr algn="ctr"/>
+              <a:r>
+                <a:rPr lang="en-GB" sz="1600" dirty="0">
+                  <a:solidFill>
+                    <a:schemeClr val="bg1"/>
+                  </a:solidFill>
+                  <a:latin typeface="Montserrat" panose="00000500000000000000" pitchFamily="50" charset="0"/>
+                </a:rPr>
+                <a:t>[</a:t>
+              </a:r>
+              <a:r>
+                <a:rPr lang="en-GB" sz="1600" dirty="0">
+                  <a:solidFill>
+                    <a:schemeClr val="bg1"/>
+                  </a:solidFill>
+                  <a:latin typeface="Montserrat" panose="00000500000000000000" pitchFamily="50" charset="0"/>
+                  <a:hlinkClick r:id="rId5">
+                    <a:extLst>
+                      <a:ext uri="{A12FA001-AC4F-418D-AE19-62706E023703}">
+                        <ahyp:hlinkClr xmlns:ahyp="http://schemas.microsoft.com/office/drawing/2018/hyperlinkcolor" val="tx"/>
+                      </a:ext>
+                    </a:extLst>
+                  </a:hlinkClick>
+                </a:rPr>
+                <a:t>Link to Video Overview</a:t>
+              </a:r>
+              <a:r>
+                <a:rPr lang="en-GB" sz="1600" dirty="0">
+                  <a:solidFill>
+                    <a:schemeClr val="bg1"/>
+                  </a:solidFill>
+                  <a:latin typeface="Montserrat" panose="00000500000000000000" pitchFamily="50" charset="0"/>
+                </a:rPr>
+                <a:t>]</a:t>
+              </a:r>
+            </a:p>
+            <a:p>
+              <a:pPr algn="ctr"/>
+              <a:endParaRPr lang="en-GB" sz="1600" dirty="0">
+                <a:solidFill>
+                  <a:schemeClr val="bg1"/>
+                </a:solidFill>
+                <a:latin typeface="Montserrat" panose="00000500000000000000" pitchFamily="50" charset="0"/>
+              </a:endParaRPr>
+            </a:p>
+            <a:p>
+              <a:pPr algn="ctr"/>
+              <a:endParaRPr lang="en-GB" sz="1600" dirty="0">
+                <a:solidFill>
+                  <a:schemeClr val="bg1"/>
+                </a:solidFill>
+                <a:latin typeface="Montserrat" panose="00000500000000000000" pitchFamily="50" charset="0"/>
+              </a:endParaRPr>
+            </a:p>
+            <a:p>
+              <a:pPr algn="ctr"/>
+              <a:endParaRPr lang="en-GB" sz="1600" dirty="0">
+                <a:solidFill>
+                  <a:schemeClr val="bg1"/>
+                </a:solidFill>
+                <a:latin typeface="Montserrat" panose="00000500000000000000" pitchFamily="50" charset="0"/>
+              </a:endParaRPr>
+            </a:p>
+          </p:txBody>
+        </p:sp>
+      </p:grpSp>
+      <p:grpSp>
+        <p:nvGrpSpPr>
+          <p:cNvPr id="21" name="Group 20">
+            <a:extLst>
+              <a:ext uri="{FF2B5EF4-FFF2-40B4-BE49-F238E27FC236}">
+                <a16:creationId xmlns:a16="http://schemas.microsoft.com/office/drawing/2014/main" id="{CEB1F839-D802-0AB5-51B9-5E05C7A21F9B}"/>
+              </a:ext>
+            </a:extLst>
+          </p:cNvPr>
+          <p:cNvGrpSpPr/>
+          <p:nvPr/>
+        </p:nvGrpSpPr>
+        <p:grpSpPr>
+          <a:xfrm>
+            <a:off x="8296544" y="1498583"/>
+            <a:ext cx="3170490" cy="3860833"/>
+            <a:chOff x="6841936" y="1691226"/>
+            <a:chExt cx="3170490" cy="3860833"/>
+          </a:xfrm>
+        </p:grpSpPr>
+        <p:sp>
+          <p:nvSpPr>
+            <p:cNvPr id="22" name="TextBox 21">
+              <a:extLst>
+                <a:ext uri="{FF2B5EF4-FFF2-40B4-BE49-F238E27FC236}">
+                  <a16:creationId xmlns:a16="http://schemas.microsoft.com/office/drawing/2014/main" id="{111D1B05-288E-FA54-3E35-18F621538953}"/>
+                </a:ext>
+              </a:extLst>
+            </p:cNvPr>
+            <p:cNvSpPr txBox="1"/>
+            <p:nvPr/>
+          </p:nvSpPr>
+          <p:spPr>
+            <a:xfrm>
+              <a:off x="7432423" y="1781796"/>
+              <a:ext cx="2002471" cy="3770263"/>
+            </a:xfrm>
+            <a:prstGeom prst="rect">
+              <a:avLst/>
+            </a:prstGeom>
+            <a:noFill/>
+          </p:spPr>
+          <p:txBody>
+            <a:bodyPr wrap="none" rtlCol="0">
+              <a:spAutoFit/>
+            </a:bodyPr>
+            <a:lstStyle/>
+            <a:p>
+              <a:pPr algn="ctr"/>
+              <a:r>
+                <a:rPr lang="en-GB" sz="23900" dirty="0">
+                  <a:solidFill>
+                    <a:schemeClr val="bg1"/>
+                  </a:solidFill>
+                  <a:latin typeface="Bebas Neue" panose="020B0606020202050201" pitchFamily="34" charset="0"/>
+                </a:rPr>
+                <a:t>AI</a:t>
+              </a:r>
+            </a:p>
+          </p:txBody>
+        </p:sp>
+        <p:sp>
+          <p:nvSpPr>
+            <p:cNvPr id="37" name="TextBox 36">
+              <a:extLst>
+                <a:ext uri="{FF2B5EF4-FFF2-40B4-BE49-F238E27FC236}">
+                  <a16:creationId xmlns:a16="http://schemas.microsoft.com/office/drawing/2014/main" id="{4DED0D4A-94E0-7FB9-AD44-94F9AF7FB30F}"/>
+                </a:ext>
+              </a:extLst>
+            </p:cNvPr>
+            <p:cNvSpPr txBox="1"/>
+            <p:nvPr/>
+          </p:nvSpPr>
+          <p:spPr>
+            <a:xfrm>
+              <a:off x="7564002" y="1691226"/>
+              <a:ext cx="1739311" cy="646331"/>
+            </a:xfrm>
+            <a:prstGeom prst="rect">
+              <a:avLst/>
+            </a:prstGeom>
+            <a:noFill/>
+          </p:spPr>
+          <p:txBody>
+            <a:bodyPr wrap="square" rtlCol="0">
+              <a:spAutoFit/>
+            </a:bodyPr>
+            <a:lstStyle/>
+            <a:p>
+              <a:pPr algn="ctr"/>
+              <a:r>
+                <a:rPr lang="en-GB" sz="3600" b="1" dirty="0">
+                  <a:solidFill>
+                    <a:srgbClr val="FFC000"/>
+                  </a:solidFill>
+                  <a:effectLst>
+                    <a:outerShdw blurRad="127000" dist="63500" dir="2700000" algn="tl" rotWithShape="0">
+                      <a:prstClr val="black">
+                        <a:alpha val="40000"/>
+                      </a:prstClr>
+                    </a:outerShdw>
+                  </a:effectLst>
+                  <a:latin typeface="Montserrat" panose="00000500000000000000" pitchFamily="50" charset="0"/>
+                </a:rPr>
+                <a:t>USING</a:t>
+              </a:r>
+            </a:p>
+          </p:txBody>
+        </p:sp>
+        <p:sp>
+          <p:nvSpPr>
+            <p:cNvPr id="38" name="TextBox 37">
+              <a:extLst>
+                <a:ext uri="{FF2B5EF4-FFF2-40B4-BE49-F238E27FC236}">
+                  <a16:creationId xmlns:a16="http://schemas.microsoft.com/office/drawing/2014/main" id="{A62DF980-3BBA-30A4-D701-8D74DE6A9B9B}"/>
+                </a:ext>
+              </a:extLst>
+            </p:cNvPr>
+            <p:cNvSpPr txBox="1"/>
+            <p:nvPr/>
+          </p:nvSpPr>
+          <p:spPr>
+            <a:xfrm>
+              <a:off x="6841936" y="4692946"/>
+              <a:ext cx="3170490" cy="400110"/>
+            </a:xfrm>
+            <a:prstGeom prst="rect">
+              <a:avLst/>
+            </a:prstGeom>
+            <a:noFill/>
+          </p:spPr>
+          <p:txBody>
+            <a:bodyPr wrap="square" rtlCol="0">
+              <a:spAutoFit/>
+            </a:bodyPr>
+            <a:lstStyle/>
+            <a:p>
+              <a:pPr algn="ctr"/>
+              <a:r>
+                <a:rPr lang="en-GB" sz="2000" b="1" dirty="0">
+                  <a:solidFill>
+                    <a:srgbClr val="FFC000"/>
+                  </a:solidFill>
+                  <a:effectLst>
+                    <a:outerShdw blurRad="127000" dist="63500" dir="2700000" algn="tl" rotWithShape="0">
+                      <a:prstClr val="black">
+                        <a:alpha val="40000"/>
+                      </a:prstClr>
+                    </a:outerShdw>
+                  </a:effectLst>
+                  <a:latin typeface="Montserrat" panose="00000500000000000000" pitchFamily="50" charset="0"/>
+                </a:rPr>
+                <a:t>IN YOUR TEACHING</a:t>
+              </a:r>
+            </a:p>
+          </p:txBody>
+        </p:sp>
+      </p:grpSp>
+      <p:sp>
+        <p:nvSpPr>
+          <p:cNvPr id="39" name="TextBox 38">
+            <a:extLst>
+              <a:ext uri="{FF2B5EF4-FFF2-40B4-BE49-F238E27FC236}">
+                <a16:creationId xmlns:a16="http://schemas.microsoft.com/office/drawing/2014/main" id="{AE87A0C0-D836-332C-DD54-A275910C39CE}"/>
+              </a:ext>
+            </a:extLst>
+          </p:cNvPr>
+          <p:cNvSpPr txBox="1"/>
+          <p:nvPr/>
+        </p:nvSpPr>
+        <p:spPr>
+          <a:xfrm>
+            <a:off x="8123558" y="5359416"/>
+            <a:ext cx="3529413" cy="369332"/>
+          </a:xfrm>
+          <a:prstGeom prst="rect">
+            <a:avLst/>
+          </a:prstGeom>
+          <a:noFill/>
+        </p:spPr>
+        <p:txBody>
+          <a:bodyPr wrap="square" rtlCol="0">
+            <a:spAutoFit/>
+          </a:bodyPr>
+          <a:lstStyle/>
+          <a:p>
+            <a:pPr algn="ctr"/>
+            <a:r>
+              <a:rPr lang="en-GB" dirty="0">
+                <a:solidFill>
+                  <a:srgbClr val="FFC000"/>
+                </a:solidFill>
+                <a:latin typeface="Montserrat" panose="00000500000000000000" pitchFamily="50" charset="0"/>
+              </a:rPr>
+              <a:t>R. Treharne &amp; J. Foster</a:t>
+            </a:r>
+          </a:p>
+        </p:txBody>
+      </p:sp>
+      <p:sp>
+        <p:nvSpPr>
+          <p:cNvPr id="16" name="TextBox 15">
+            <a:extLst>
+              <a:ext uri="{FF2B5EF4-FFF2-40B4-BE49-F238E27FC236}">
+                <a16:creationId xmlns:a16="http://schemas.microsoft.com/office/drawing/2014/main" id="{09E5BD87-1E53-A3F1-C5F2-9CAB717D868D}"/>
+              </a:ext>
+            </a:extLst>
+          </p:cNvPr>
+          <p:cNvSpPr txBox="1"/>
+          <p:nvPr/>
+        </p:nvSpPr>
+        <p:spPr>
+          <a:xfrm>
+            <a:off x="7686802" y="5875132"/>
+            <a:ext cx="4396951" cy="276999"/>
+          </a:xfrm>
+          <a:prstGeom prst="rect">
+            <a:avLst/>
+          </a:prstGeom>
+          <a:noFill/>
+        </p:spPr>
+        <p:txBody>
+          <a:bodyPr wrap="square">
+            <a:spAutoFit/>
+          </a:bodyPr>
+          <a:lstStyle/>
+          <a:p>
+            <a:pPr algn="ctr"/>
+            <a:r>
+              <a:rPr lang="en-GB" sz="1200" dirty="0">
+                <a:solidFill>
+                  <a:srgbClr val="FFC000"/>
+                </a:solidFill>
+                <a:hlinkClick r:id="rId6">
+                  <a:extLst>
+                    <a:ext uri="{A12FA001-AC4F-418D-AE19-62706E023703}">
+                      <ahyp:hlinkClr xmlns:ahyp="http://schemas.microsoft.com/office/drawing/2018/hyperlinkcolor" val="tx"/>
+                    </a:ext>
+                  </a:extLst>
+                </a:hlinkClick>
+              </a:rPr>
+              <a:t>https://tinyurl.com/teaching-with-ai</a:t>
+            </a:r>
+            <a:endParaRPr lang="en-GB" sz="1200" dirty="0">
+              <a:solidFill>
+                <a:srgbClr val="FFC000"/>
+              </a:solidFill>
+            </a:endParaRPr>
+          </a:p>
+        </p:txBody>
+      </p:sp>
+      <p:pic>
+        <p:nvPicPr>
+          <p:cNvPr id="18" name="Picture 17">
+            <a:extLst>
+              <a:ext uri="{FF2B5EF4-FFF2-40B4-BE49-F238E27FC236}">
+                <a16:creationId xmlns:a16="http://schemas.microsoft.com/office/drawing/2014/main" id="{3CA8909D-7AEE-DCE7-29EF-875DBA60D812}"/>
+              </a:ext>
+            </a:extLst>
+          </p:cNvPr>
+          <p:cNvPicPr>
+            <a:picLocks noChangeAspect="1"/>
+          </p:cNvPicPr>
+          <p:nvPr/>
+        </p:nvPicPr>
+        <p:blipFill>
+          <a:blip r:embed="rId7"/>
+          <a:stretch>
+            <a:fillRect/>
+          </a:stretch>
+        </p:blipFill>
+        <p:spPr>
+          <a:xfrm>
+            <a:off x="579094" y="1094083"/>
+            <a:ext cx="3780294" cy="5342521"/>
+          </a:xfrm>
+          <a:prstGeom prst="rect">
+            <a:avLst/>
+          </a:prstGeom>
+          <a:ln>
+            <a:solidFill>
+              <a:schemeClr val="bg1"/>
+            </a:solidFill>
+          </a:ln>
+        </p:spPr>
+      </p:pic>
+      <p:sp>
+        <p:nvSpPr>
+          <p:cNvPr id="19" name="TextBox 18">
+            <a:extLst>
+              <a:ext uri="{FF2B5EF4-FFF2-40B4-BE49-F238E27FC236}">
+                <a16:creationId xmlns:a16="http://schemas.microsoft.com/office/drawing/2014/main" id="{12840775-DA7B-4692-8C1B-BDC3D7055B8B}"/>
+              </a:ext>
+            </a:extLst>
+          </p:cNvPr>
+          <p:cNvSpPr txBox="1"/>
+          <p:nvPr/>
+        </p:nvSpPr>
+        <p:spPr>
+          <a:xfrm>
+            <a:off x="4770783" y="1094083"/>
+            <a:ext cx="2693504" cy="1969770"/>
+          </a:xfrm>
+          <a:prstGeom prst="rect">
+            <a:avLst/>
+          </a:prstGeom>
+          <a:noFill/>
+        </p:spPr>
+        <p:txBody>
+          <a:bodyPr wrap="square" rtlCol="0">
+            <a:spAutoFit/>
+          </a:bodyPr>
+          <a:lstStyle/>
+          <a:p>
+            <a:r>
+              <a:rPr lang="en-GB" dirty="0">
+                <a:solidFill>
+                  <a:schemeClr val="bg1"/>
+                </a:solidFill>
+                <a:latin typeface="Montserrat" panose="00000500000000000000" pitchFamily="50" charset="0"/>
+              </a:rPr>
+              <a:t>Mon 8 April. 10 AM.</a:t>
+            </a:r>
+          </a:p>
+          <a:p>
+            <a:endParaRPr lang="en-GB" dirty="0">
+              <a:solidFill>
+                <a:schemeClr val="bg1"/>
+              </a:solidFill>
+              <a:latin typeface="Montserrat" panose="00000500000000000000" pitchFamily="50" charset="0"/>
+            </a:endParaRPr>
+          </a:p>
+          <a:p>
+            <a:r>
+              <a:rPr lang="en-GB" dirty="0">
+                <a:solidFill>
+                  <a:schemeClr val="bg1"/>
+                </a:solidFill>
+                <a:latin typeface="Montserrat" panose="00000500000000000000" pitchFamily="50" charset="0"/>
+              </a:rPr>
+              <a:t>2hr Online Workshop</a:t>
+            </a:r>
+          </a:p>
+          <a:p>
+            <a:endParaRPr lang="en-GB" dirty="0">
+              <a:solidFill>
+                <a:schemeClr val="bg1"/>
+              </a:solidFill>
+              <a:latin typeface="Montserrat" panose="00000500000000000000" pitchFamily="50" charset="0"/>
+            </a:endParaRPr>
+          </a:p>
+          <a:p>
+            <a:r>
+              <a:rPr lang="en-GB" dirty="0">
+                <a:solidFill>
+                  <a:schemeClr val="bg1"/>
+                </a:solidFill>
+                <a:latin typeface="Montserrat" panose="00000500000000000000" pitchFamily="50" charset="0"/>
+              </a:rPr>
+              <a:t>For </a:t>
+            </a:r>
+            <a:r>
+              <a:rPr lang="en-GB" b="1" dirty="0">
+                <a:solidFill>
+                  <a:schemeClr val="bg1"/>
+                </a:solidFill>
+                <a:latin typeface="Montserrat" panose="00000500000000000000" pitchFamily="50" charset="0"/>
+              </a:rPr>
+              <a:t>ALL</a:t>
+            </a:r>
+            <a:r>
+              <a:rPr lang="en-GB" dirty="0">
+                <a:solidFill>
+                  <a:schemeClr val="bg1"/>
+                </a:solidFill>
+                <a:latin typeface="Montserrat" panose="00000500000000000000" pitchFamily="50" charset="0"/>
+              </a:rPr>
+              <a:t> staff.</a:t>
+            </a:r>
+          </a:p>
+          <a:p>
+            <a:endParaRPr lang="en-GB" dirty="0">
+              <a:solidFill>
+                <a:schemeClr val="bg1"/>
+              </a:solidFill>
+              <a:latin typeface="Montserrat" panose="00000500000000000000" pitchFamily="50" charset="0"/>
+            </a:endParaRPr>
+          </a:p>
+          <a:p>
+            <a:r>
+              <a:rPr lang="en-GB" sz="1400" dirty="0">
+                <a:solidFill>
+                  <a:schemeClr val="bg1"/>
+                </a:solidFill>
+                <a:latin typeface="Montserrat" panose="00000500000000000000" pitchFamily="50" charset="0"/>
+                <a:hlinkClick r:id="rId8">
+                  <a:extLst>
+                    <a:ext uri="{A12FA001-AC4F-418D-AE19-62706E023703}">
+                      <ahyp:hlinkClr xmlns:ahyp="http://schemas.microsoft.com/office/drawing/2018/hyperlinkcolor" val="tx"/>
+                    </a:ext>
+                  </a:extLst>
+                </a:hlinkClick>
+              </a:rPr>
+              <a:t>tinyurl.com/leveraging-ai</a:t>
+            </a:r>
+            <a:endParaRPr lang="en-GB" sz="1400" dirty="0">
+              <a:solidFill>
+                <a:schemeClr val="bg1"/>
+              </a:solidFill>
+              <a:latin typeface="Montserrat" panose="00000500000000000000" pitchFamily="50" charset="0"/>
+            </a:endParaRPr>
+          </a:p>
+        </p:txBody>
+      </p:sp>
+      <p:pic>
+        <p:nvPicPr>
+          <p:cNvPr id="41" name="Picture 40" descr="A qr code with black and white squares&#10;&#10;Description automatically generated">
+            <a:hlinkClick r:id="rId8"/>
+            <a:extLst>
+              <a:ext uri="{FF2B5EF4-FFF2-40B4-BE49-F238E27FC236}">
+                <a16:creationId xmlns:a16="http://schemas.microsoft.com/office/drawing/2014/main" id="{70B3C21F-C70F-B255-B415-A1BD0AF94A6F}"/>
+              </a:ext>
+            </a:extLst>
+          </p:cNvPr>
+          <p:cNvPicPr>
+            <a:picLocks noChangeAspect="1"/>
+          </p:cNvPicPr>
+          <p:nvPr/>
+        </p:nvPicPr>
+        <p:blipFill>
+          <a:blip r:embed="rId9">
+            <a:extLst>
+              <a:ext uri="{28A0092B-C50C-407E-A947-70E740481C1C}">
+                <a14:useLocalDpi xmlns:a14="http://schemas.microsoft.com/office/drawing/2010/main" val="0"/>
+              </a:ext>
+            </a:extLst>
+          </a:blip>
+          <a:stretch>
+            <a:fillRect/>
+          </a:stretch>
+        </p:blipFill>
+        <p:spPr>
+          <a:xfrm>
+            <a:off x="4842591" y="3846443"/>
+            <a:ext cx="2520588" cy="2520588"/>
+          </a:xfrm>
+          <a:prstGeom prst="rect">
+            <a:avLst/>
+          </a:prstGeom>
+          <a:ln w="76200">
+            <a:solidFill>
+              <a:schemeClr val="bg1"/>
+            </a:solidFill>
+          </a:ln>
+        </p:spPr>
+      </p:pic>
+    </p:spTree>
+    <p:extLst>
+      <p:ext uri="{BB962C8B-B14F-4D97-AF65-F5344CB8AC3E}">
+        <p14:creationId xmlns:p14="http://schemas.microsoft.com/office/powerpoint/2010/main" val="804710703"/>
+      </p:ext>
+    </p:extLst>
+  </p:cSld>
+  <p:clrMapOvr>
+    <a:masterClrMapping/>
+  </p:clrMapOvr>
+  <mc:AlternateContent xmlns:mc="http://schemas.openxmlformats.org/markup-compatibility/2006">
+    <mc:Choice xmlns:p159="http://schemas.microsoft.com/office/powerpoint/2015/09/main" Requires="p159">
+      <p:transition xmlns:p14="http://schemas.microsoft.com/office/powerpoint/2010/main" spd="slow" p14:dur="2000">
+        <p159:morph option="byObject"/>
+      </p:transition>
+    </mc:Choice>
+    <mc:Fallback>
+      <p:transition spd="slow">
+        <p:fade/>
+      </p:transition>
+    </mc:Fallback>
+  </mc:AlternateContent>
+</p:sld>
+</file>
+
+<file path=ppt/slides/slide8.xml><?xml version="1.0" encoding="utf-8"?>
 <p:sld xmlns:a="http://schemas.openxmlformats.org/drawingml/2006/main" xmlns:r="http://schemas.openxmlformats.org/officeDocument/2006/relationships" xmlns:p="http://schemas.openxmlformats.org/presentationml/2006/main" show="0">
   <p:cSld>
     <p:bg>
@@ -18269,7 +21292,7 @@
 </p:sld>
 </file>
 
-<file path=ppt/slides/slide8.xml><?xml version="1.0" encoding="utf-8"?>
+<file path=ppt/slides/slide9.xml><?xml version="1.0" encoding="utf-8"?>
 <p:sld xmlns:a="http://schemas.openxmlformats.org/drawingml/2006/main" xmlns:r="http://schemas.openxmlformats.org/officeDocument/2006/relationships" xmlns:p="http://schemas.openxmlformats.org/presentationml/2006/main" show="0">
   <p:cSld>
     <p:bg>
@@ -18820,516 +21843,6 @@
     <p:extLst>
       <p:ext uri="{BB962C8B-B14F-4D97-AF65-F5344CB8AC3E}">
         <p14:creationId xmlns:p14="http://schemas.microsoft.com/office/powerpoint/2010/main" val="52462766"/>
-      </p:ext>
-    </p:extLst>
-  </p:cSld>
-  <p:clrMapOvr>
-    <a:masterClrMapping/>
-  </p:clrMapOvr>
-</p:sld>
-</file>
-
-<file path=ppt/slides/slide9.xml><?xml version="1.0" encoding="utf-8"?>
-<p:sld xmlns:a="http://schemas.openxmlformats.org/drawingml/2006/main" xmlns:r="http://schemas.openxmlformats.org/officeDocument/2006/relationships" xmlns:p="http://schemas.openxmlformats.org/presentationml/2006/main" show="0">
-  <p:cSld>
-    <p:bg>
-      <p:bgPr>
-        <a:solidFill>
-          <a:srgbClr val="002836"/>
-        </a:solidFill>
-        <a:effectLst/>
-      </p:bgPr>
-    </p:bg>
-    <p:spTree>
-      <p:nvGrpSpPr>
-        <p:cNvPr id="1" name=""/>
-        <p:cNvGrpSpPr/>
-        <p:nvPr/>
-      </p:nvGrpSpPr>
-      <p:grpSpPr>
-        <a:xfrm>
-          <a:off x="0" y="0"/>
-          <a:ext cx="0" cy="0"/>
-          <a:chOff x="0" y="0"/>
-          <a:chExt cx="0" cy="0"/>
-        </a:xfrm>
-      </p:grpSpPr>
-      <p:grpSp>
-        <p:nvGrpSpPr>
-          <p:cNvPr id="8" name="Group 7">
-            <a:extLst>
-              <a:ext uri="{FF2B5EF4-FFF2-40B4-BE49-F238E27FC236}">
-                <a16:creationId xmlns:a16="http://schemas.microsoft.com/office/drawing/2014/main" id="{A6687605-A492-0BE3-8107-A0C3ECC76FE2}"/>
-              </a:ext>
-            </a:extLst>
-          </p:cNvPr>
-          <p:cNvGrpSpPr/>
-          <p:nvPr/>
-        </p:nvGrpSpPr>
-        <p:grpSpPr>
-          <a:xfrm>
-            <a:off x="0" y="0"/>
-            <a:ext cx="11480101" cy="6862224"/>
-            <a:chOff x="0" y="0"/>
-            <a:chExt cx="11480101" cy="6862224"/>
-          </a:xfrm>
-        </p:grpSpPr>
-        <p:grpSp>
-          <p:nvGrpSpPr>
-            <p:cNvPr id="7" name="Group 6">
-              <a:extLst>
-                <a:ext uri="{FF2B5EF4-FFF2-40B4-BE49-F238E27FC236}">
-                  <a16:creationId xmlns:a16="http://schemas.microsoft.com/office/drawing/2014/main" id="{120A299A-363A-4BA0-F093-836398284B56}"/>
-                </a:ext>
-              </a:extLst>
-            </p:cNvPr>
-            <p:cNvGrpSpPr/>
-            <p:nvPr/>
-          </p:nvGrpSpPr>
-          <p:grpSpPr>
-            <a:xfrm>
-              <a:off x="0" y="0"/>
-              <a:ext cx="11480101" cy="6858000"/>
-              <a:chOff x="0" y="0"/>
-              <a:chExt cx="11480101" cy="6858000"/>
-            </a:xfrm>
-          </p:grpSpPr>
-          <p:sp>
-            <p:nvSpPr>
-              <p:cNvPr id="2" name="Freeform: Shape 1">
-                <a:extLst>
-                  <a:ext uri="{FF2B5EF4-FFF2-40B4-BE49-F238E27FC236}">
-                    <a16:creationId xmlns:a16="http://schemas.microsoft.com/office/drawing/2014/main" id="{1AE4C965-F26F-FF6B-ADC5-95E514BAE718}"/>
-                  </a:ext>
-                </a:extLst>
-              </p:cNvPr>
-              <p:cNvSpPr/>
-              <p:nvPr/>
-            </p:nvSpPr>
-            <p:spPr>
-              <a:xfrm>
-                <a:off x="0" y="0"/>
-                <a:ext cx="11480101" cy="6858000"/>
-              </a:xfrm>
-              <a:custGeom>
-                <a:avLst/>
-                <a:gdLst>
-                  <a:gd name="connsiteX0" fmla="*/ 0 w 11480101"/>
-                  <a:gd name="connsiteY0" fmla="*/ 0 h 6858000"/>
-                  <a:gd name="connsiteX1" fmla="*/ 10870163 w 11480101"/>
-                  <a:gd name="connsiteY1" fmla="*/ 0 h 6858000"/>
-                  <a:gd name="connsiteX2" fmla="*/ 10870163 w 11480101"/>
-                  <a:gd name="connsiteY2" fmla="*/ 2738534 h 6858000"/>
-                  <a:gd name="connsiteX3" fmla="*/ 11365021 w 11480101"/>
-                  <a:gd name="connsiteY3" fmla="*/ 2738534 h 6858000"/>
-                  <a:gd name="connsiteX4" fmla="*/ 11480101 w 11480101"/>
-                  <a:gd name="connsiteY4" fmla="*/ 2853614 h 6858000"/>
-                  <a:gd name="connsiteX5" fmla="*/ 11480101 w 11480101"/>
-                  <a:gd name="connsiteY5" fmla="*/ 3313920 h 6858000"/>
-                  <a:gd name="connsiteX6" fmla="*/ 11365021 w 11480101"/>
-                  <a:gd name="connsiteY6" fmla="*/ 3429000 h 6858000"/>
-                  <a:gd name="connsiteX7" fmla="*/ 10870163 w 11480101"/>
-                  <a:gd name="connsiteY7" fmla="*/ 3429000 h 6858000"/>
-                  <a:gd name="connsiteX8" fmla="*/ 10870163 w 11480101"/>
-                  <a:gd name="connsiteY8" fmla="*/ 6858000 h 6858000"/>
-                  <a:gd name="connsiteX9" fmla="*/ 0 w 11480101"/>
-                  <a:gd name="connsiteY9" fmla="*/ 6858000 h 6858000"/>
-                </a:gdLst>
-                <a:ahLst/>
-                <a:cxnLst>
-                  <a:cxn ang="0">
-                    <a:pos x="connsiteX0" y="connsiteY0"/>
-                  </a:cxn>
-                  <a:cxn ang="0">
-                    <a:pos x="connsiteX1" y="connsiteY1"/>
-                  </a:cxn>
-                  <a:cxn ang="0">
-                    <a:pos x="connsiteX2" y="connsiteY2"/>
-                  </a:cxn>
-                  <a:cxn ang="0">
-                    <a:pos x="connsiteX3" y="connsiteY3"/>
-                  </a:cxn>
-                  <a:cxn ang="0">
-                    <a:pos x="connsiteX4" y="connsiteY4"/>
-                  </a:cxn>
-                  <a:cxn ang="0">
-                    <a:pos x="connsiteX5" y="connsiteY5"/>
-                  </a:cxn>
-                  <a:cxn ang="0">
-                    <a:pos x="connsiteX6" y="connsiteY6"/>
-                  </a:cxn>
-                  <a:cxn ang="0">
-                    <a:pos x="connsiteX7" y="connsiteY7"/>
-                  </a:cxn>
-                  <a:cxn ang="0">
-                    <a:pos x="connsiteX8" y="connsiteY8"/>
-                  </a:cxn>
-                  <a:cxn ang="0">
-                    <a:pos x="connsiteX9" y="connsiteY9"/>
-                  </a:cxn>
-                </a:cxnLst>
-                <a:rect l="l" t="t" r="r" b="b"/>
-                <a:pathLst>
-                  <a:path w="11480101" h="6858000">
-                    <a:moveTo>
-                      <a:pt x="0" y="0"/>
-                    </a:moveTo>
-                    <a:lnTo>
-                      <a:pt x="10870163" y="0"/>
-                    </a:lnTo>
-                    <a:lnTo>
-                      <a:pt x="10870163" y="2738534"/>
-                    </a:lnTo>
-                    <a:lnTo>
-                      <a:pt x="11365021" y="2738534"/>
-                    </a:lnTo>
-                    <a:cubicBezTo>
-                      <a:pt x="11428578" y="2738534"/>
-                      <a:pt x="11480101" y="2790057"/>
-                      <a:pt x="11480101" y="2853614"/>
-                    </a:cubicBezTo>
-                    <a:lnTo>
-                      <a:pt x="11480101" y="3313920"/>
-                    </a:lnTo>
-                    <a:cubicBezTo>
-                      <a:pt x="11480101" y="3377477"/>
-                      <a:pt x="11428578" y="3429000"/>
-                      <a:pt x="11365021" y="3429000"/>
-                    </a:cubicBezTo>
-                    <a:lnTo>
-                      <a:pt x="10870163" y="3429000"/>
-                    </a:lnTo>
-                    <a:lnTo>
-                      <a:pt x="10870163" y="6858000"/>
-                    </a:lnTo>
-                    <a:lnTo>
-                      <a:pt x="0" y="6858000"/>
-                    </a:lnTo>
-                    <a:close/>
-                  </a:path>
-                </a:pathLst>
-              </a:custGeom>
-              <a:solidFill>
-                <a:srgbClr val="19C3FF"/>
-              </a:solidFill>
-              <a:ln>
-                <a:noFill/>
-              </a:ln>
-              <a:effectLst>
-                <a:outerShdw blurRad="127000" dist="63500" algn="l" rotWithShape="0">
-                  <a:prstClr val="black">
-                    <a:alpha val="40000"/>
-                  </a:prstClr>
-                </a:outerShdw>
-              </a:effectLst>
-            </p:spPr>
-            <p:style>
-              <a:lnRef idx="2">
-                <a:schemeClr val="accent1">
-                  <a:shade val="15000"/>
-                </a:schemeClr>
-              </a:lnRef>
-              <a:fillRef idx="1">
-                <a:schemeClr val="accent1"/>
-              </a:fillRef>
-              <a:effectRef idx="0">
-                <a:schemeClr val="accent1"/>
-              </a:effectRef>
-              <a:fontRef idx="minor">
-                <a:schemeClr val="lt1"/>
-              </a:fontRef>
-            </p:style>
-            <p:txBody>
-              <a:bodyPr wrap="square" rtlCol="0" anchor="ctr">
-                <a:noAutofit/>
-              </a:bodyPr>
-              <a:lstStyle/>
-              <a:p>
-                <a:pPr algn="ctr"/>
-                <a:endParaRPr lang="en-GB" dirty="0"/>
-              </a:p>
-            </p:txBody>
-          </p:sp>
-          <p:sp>
-            <p:nvSpPr>
-              <p:cNvPr id="4" name="TextBox 3">
-                <a:extLst>
-                  <a:ext uri="{FF2B5EF4-FFF2-40B4-BE49-F238E27FC236}">
-                    <a16:creationId xmlns:a16="http://schemas.microsoft.com/office/drawing/2014/main" id="{63A97CE5-0A63-6D80-97EF-A6700E941D72}"/>
-                  </a:ext>
-                </a:extLst>
-              </p:cNvPr>
-              <p:cNvSpPr txBox="1"/>
-              <p:nvPr/>
-            </p:nvSpPr>
-            <p:spPr>
-              <a:xfrm>
-                <a:off x="7324529" y="475861"/>
-                <a:ext cx="2052734" cy="1862048"/>
-              </a:xfrm>
-              <a:prstGeom prst="rect">
-                <a:avLst/>
-              </a:prstGeom>
-              <a:noFill/>
-            </p:spPr>
-            <p:txBody>
-              <a:bodyPr wrap="square" rtlCol="0">
-                <a:spAutoFit/>
-              </a:bodyPr>
-              <a:lstStyle/>
-              <a:p>
-                <a:r>
-                  <a:rPr lang="en-GB" sz="11500" b="1" dirty="0">
-                    <a:solidFill>
-                      <a:schemeClr val="bg1">
-                        <a:alpha val="25000"/>
-                      </a:schemeClr>
-                    </a:solidFill>
-                    <a:latin typeface="Montserrat" panose="00000500000000000000" pitchFamily="50" charset="0"/>
-                  </a:rPr>
-                  <a:t>03</a:t>
-                </a:r>
-              </a:p>
-            </p:txBody>
-          </p:sp>
-          <p:sp>
-            <p:nvSpPr>
-              <p:cNvPr id="5" name="TextBox 4">
-                <a:extLst>
-                  <a:ext uri="{FF2B5EF4-FFF2-40B4-BE49-F238E27FC236}">
-                    <a16:creationId xmlns:a16="http://schemas.microsoft.com/office/drawing/2014/main" id="{530DE6A7-0222-169F-BF6C-2C974CFFFE3E}"/>
-                  </a:ext>
-                </a:extLst>
-              </p:cNvPr>
-              <p:cNvSpPr txBox="1"/>
-              <p:nvPr/>
-            </p:nvSpPr>
-            <p:spPr>
-              <a:xfrm>
-                <a:off x="6643400" y="1791478"/>
-                <a:ext cx="3704248" cy="369332"/>
-              </a:xfrm>
-              <a:prstGeom prst="rect">
-                <a:avLst/>
-              </a:prstGeom>
-              <a:noFill/>
-            </p:spPr>
-            <p:txBody>
-              <a:bodyPr wrap="square" rtlCol="0">
-                <a:spAutoFit/>
-              </a:bodyPr>
-              <a:lstStyle/>
-              <a:p>
-                <a:r>
-                  <a:rPr lang="en-GB" b="1" dirty="0">
-                    <a:solidFill>
-                      <a:schemeClr val="bg1"/>
-                    </a:solidFill>
-                    <a:latin typeface="Montserrat" panose="00000500000000000000" pitchFamily="50" charset="0"/>
-                  </a:rPr>
-                  <a:t>Develop Teaching Resources</a:t>
-                </a:r>
-              </a:p>
-            </p:txBody>
-          </p:sp>
-          <p:sp>
-            <p:nvSpPr>
-              <p:cNvPr id="6" name="TextBox 5">
-                <a:extLst>
-                  <a:ext uri="{FF2B5EF4-FFF2-40B4-BE49-F238E27FC236}">
-                    <a16:creationId xmlns:a16="http://schemas.microsoft.com/office/drawing/2014/main" id="{353C5090-AA48-9F90-D568-AA37146AD9AA}"/>
-                  </a:ext>
-                </a:extLst>
-              </p:cNvPr>
-              <p:cNvSpPr txBox="1"/>
-              <p:nvPr/>
-            </p:nvSpPr>
-            <p:spPr>
-              <a:xfrm>
-                <a:off x="10966915" y="2817846"/>
-                <a:ext cx="438539" cy="523220"/>
-              </a:xfrm>
-              <a:prstGeom prst="rect">
-                <a:avLst/>
-              </a:prstGeom>
-              <a:noFill/>
-            </p:spPr>
-            <p:txBody>
-              <a:bodyPr wrap="square" rtlCol="0">
-                <a:spAutoFit/>
-              </a:bodyPr>
-              <a:lstStyle/>
-              <a:p>
-                <a:r>
-                  <a:rPr lang="en-GB" sz="2800" b="1" dirty="0">
-                    <a:solidFill>
-                      <a:srgbClr val="3A7E96"/>
-                    </a:solidFill>
-                    <a:latin typeface="Montserrat" panose="00000500000000000000" pitchFamily="50" charset="0"/>
-                  </a:rPr>
-                  <a:t>3</a:t>
-                </a:r>
-              </a:p>
-            </p:txBody>
-          </p:sp>
-        </p:grpSp>
-        <p:sp>
-          <p:nvSpPr>
-            <p:cNvPr id="3" name="TextBox 2">
-              <a:extLst>
-                <a:ext uri="{FF2B5EF4-FFF2-40B4-BE49-F238E27FC236}">
-                  <a16:creationId xmlns:a16="http://schemas.microsoft.com/office/drawing/2014/main" id="{589DC8CA-1C9A-C0F9-7655-7D0AF9EB16B6}"/>
-                </a:ext>
-              </a:extLst>
-            </p:cNvPr>
-            <p:cNvSpPr txBox="1"/>
-            <p:nvPr/>
-          </p:nvSpPr>
-          <p:spPr>
-            <a:xfrm>
-              <a:off x="6755363" y="2337909"/>
-              <a:ext cx="3592285" cy="4524315"/>
-            </a:xfrm>
-            <a:prstGeom prst="rect">
-              <a:avLst/>
-            </a:prstGeom>
-            <a:noFill/>
-          </p:spPr>
-          <p:txBody>
-            <a:bodyPr wrap="square" rtlCol="0">
-              <a:spAutoFit/>
-            </a:bodyPr>
-            <a:lstStyle/>
-            <a:p>
-              <a:pPr algn="ctr"/>
-              <a:r>
-                <a:rPr lang="en-GB" sz="1600" dirty="0">
-                  <a:solidFill>
-                    <a:schemeClr val="bg1"/>
-                  </a:solidFill>
-                  <a:latin typeface="Montserrat" panose="00000500000000000000" pitchFamily="50" charset="0"/>
-                </a:rPr>
-                <a:t>Quickly develop a structured resource on ANY topic for students.</a:t>
-              </a:r>
-            </a:p>
-            <a:p>
-              <a:pPr algn="ctr"/>
-              <a:endParaRPr lang="en-GB" sz="1600" dirty="0">
-                <a:solidFill>
-                  <a:schemeClr val="bg1"/>
-                </a:solidFill>
-                <a:latin typeface="Montserrat" panose="00000500000000000000" pitchFamily="50" charset="0"/>
-              </a:endParaRPr>
-            </a:p>
-            <a:p>
-              <a:pPr algn="ctr"/>
-              <a:r>
-                <a:rPr lang="en-GB" sz="1600" dirty="0">
-                  <a:solidFill>
-                    <a:schemeClr val="bg1"/>
-                  </a:solidFill>
-                  <a:latin typeface="Montserrat" panose="00000500000000000000" pitchFamily="50" charset="0"/>
-                </a:rPr>
-                <a:t>Swallow your pride.</a:t>
-              </a:r>
-            </a:p>
-            <a:p>
-              <a:pPr algn="ctr"/>
-              <a:endParaRPr lang="en-GB" sz="1600" dirty="0">
-                <a:solidFill>
-                  <a:schemeClr val="bg1"/>
-                </a:solidFill>
-                <a:latin typeface="Montserrat" panose="00000500000000000000" pitchFamily="50" charset="0"/>
-              </a:endParaRPr>
-            </a:p>
-            <a:p>
-              <a:pPr algn="ctr"/>
-              <a:r>
-                <a:rPr lang="en-GB" sz="1600" dirty="0">
-                  <a:solidFill>
-                    <a:schemeClr val="bg1"/>
-                  </a:solidFill>
-                  <a:latin typeface="Montserrat" panose="00000500000000000000" pitchFamily="50" charset="0"/>
-                </a:rPr>
-                <a:t>Use ChatGPT to build a resource that’s twice as good in half the time.</a:t>
-              </a:r>
-            </a:p>
-            <a:p>
-              <a:pPr algn="ctr"/>
-              <a:endParaRPr lang="en-GB" sz="1600" dirty="0">
-                <a:solidFill>
-                  <a:schemeClr val="bg1"/>
-                </a:solidFill>
-                <a:latin typeface="Montserrat" panose="00000500000000000000" pitchFamily="50" charset="0"/>
-              </a:endParaRPr>
-            </a:p>
-            <a:p>
-              <a:pPr algn="ctr"/>
-              <a:r>
-                <a:rPr lang="en-GB" sz="1600" b="1" dirty="0">
-                  <a:solidFill>
-                    <a:schemeClr val="bg1"/>
-                  </a:solidFill>
-                  <a:latin typeface="Montserrat" panose="00000500000000000000" pitchFamily="50" charset="0"/>
-                </a:rPr>
-                <a:t>Example: Active Learning Workshop.</a:t>
-              </a:r>
-            </a:p>
-            <a:p>
-              <a:pPr algn="ctr"/>
-              <a:endParaRPr lang="en-GB" sz="1600" dirty="0">
-                <a:solidFill>
-                  <a:schemeClr val="bg1"/>
-                </a:solidFill>
-                <a:latin typeface="Montserrat" panose="00000500000000000000" pitchFamily="50" charset="0"/>
-              </a:endParaRPr>
-            </a:p>
-            <a:p>
-              <a:pPr algn="ctr"/>
-              <a:r>
-                <a:rPr lang="en-GB" sz="1600" dirty="0">
-                  <a:solidFill>
-                    <a:schemeClr val="bg1"/>
-                  </a:solidFill>
-                  <a:latin typeface="Montserrat" panose="00000500000000000000" pitchFamily="50" charset="0"/>
-                </a:rPr>
-                <a:t>Introduction to Visualisation using R and Ggplot2.</a:t>
-              </a:r>
-            </a:p>
-            <a:p>
-              <a:pPr algn="ctr"/>
-              <a:endParaRPr lang="en-GB" sz="1600" dirty="0">
-                <a:solidFill>
-                  <a:schemeClr val="bg1"/>
-                </a:solidFill>
-                <a:latin typeface="Montserrat" panose="00000500000000000000" pitchFamily="50" charset="0"/>
-              </a:endParaRPr>
-            </a:p>
-            <a:p>
-              <a:pPr algn="ctr"/>
-              <a:endParaRPr lang="en-GB" sz="1600" dirty="0">
-                <a:solidFill>
-                  <a:schemeClr val="bg1"/>
-                </a:solidFill>
-                <a:latin typeface="Montserrat" panose="00000500000000000000" pitchFamily="50" charset="0"/>
-              </a:endParaRPr>
-            </a:p>
-            <a:p>
-              <a:pPr algn="ctr"/>
-              <a:endParaRPr lang="en-GB" sz="1600" dirty="0">
-                <a:solidFill>
-                  <a:schemeClr val="bg1"/>
-                </a:solidFill>
-                <a:latin typeface="Montserrat" panose="00000500000000000000" pitchFamily="50" charset="0"/>
-              </a:endParaRPr>
-            </a:p>
-          </p:txBody>
-        </p:sp>
-      </p:grpSp>
-    </p:spTree>
-    <p:extLst>
-      <p:ext uri="{BB962C8B-B14F-4D97-AF65-F5344CB8AC3E}">
-        <p14:creationId xmlns:p14="http://schemas.microsoft.com/office/powerpoint/2010/main" val="356601164"/>
       </p:ext>
     </p:extLst>
   </p:cSld>
